--- a/15 Custom services/Custom services.pptx
+++ b/15 Custom services/Custom services.pptx
@@ -5,31 +5,28 @@
     <p:sldMasterId id="2147483648" r:id="rId1"/>
   </p:sldMasterIdLst>
   <p:notesMasterIdLst>
-    <p:notesMasterId r:id="rId21"/>
+    <p:notesMasterId r:id="rId18"/>
   </p:notesMasterIdLst>
   <p:handoutMasterIdLst>
-    <p:handoutMasterId r:id="rId22"/>
+    <p:handoutMasterId r:id="rId19"/>
   </p:handoutMasterIdLst>
   <p:sldIdLst>
-    <p:sldId id="339" r:id="rId2"/>
+    <p:sldId id="522" r:id="rId2"/>
     <p:sldId id="434" r:id="rId3"/>
-    <p:sldId id="433" r:id="rId4"/>
-    <p:sldId id="390" r:id="rId5"/>
-    <p:sldId id="469" r:id="rId6"/>
-    <p:sldId id="478" r:id="rId7"/>
-    <p:sldId id="484" r:id="rId8"/>
-    <p:sldId id="514" r:id="rId9"/>
-    <p:sldId id="513" r:id="rId10"/>
-    <p:sldId id="515" r:id="rId11"/>
-    <p:sldId id="477" r:id="rId12"/>
-    <p:sldId id="516" r:id="rId13"/>
-    <p:sldId id="479" r:id="rId14"/>
-    <p:sldId id="517" r:id="rId15"/>
-    <p:sldId id="492" r:id="rId16"/>
-    <p:sldId id="518" r:id="rId17"/>
-    <p:sldId id="519" r:id="rId18"/>
-    <p:sldId id="520" r:id="rId19"/>
-    <p:sldId id="521" r:id="rId20"/>
+    <p:sldId id="390" r:id="rId4"/>
+    <p:sldId id="523" r:id="rId5"/>
+    <p:sldId id="524" r:id="rId6"/>
+    <p:sldId id="527" r:id="rId7"/>
+    <p:sldId id="526" r:id="rId8"/>
+    <p:sldId id="525" r:id="rId9"/>
+    <p:sldId id="528" r:id="rId10"/>
+    <p:sldId id="529" r:id="rId11"/>
+    <p:sldId id="530" r:id="rId12"/>
+    <p:sldId id="531" r:id="rId13"/>
+    <p:sldId id="532" r:id="rId14"/>
+    <p:sldId id="533" r:id="rId15"/>
+    <p:sldId id="516" r:id="rId16"/>
+    <p:sldId id="534" r:id="rId17"/>
   </p:sldIdLst>
   <p:sldSz cx="9144000" cy="6858000" type="screen4x3"/>
   <p:notesSz cx="7104063" cy="10234613"/>
@@ -300,7 +297,7 @@
             <a:fld id="{87731427-D242-475D-9180-8940013A50B8}" type="datetimeFigureOut">
               <a:rPr lang="en-GB" smtClean="0"/>
               <a:pPr algn="l"/>
-              <a:t>12/10/2016</a:t>
+              <a:t>03/04/2017</a:t>
             </a:fld>
             <a:endParaRPr lang="en-GB" dirty="0"/>
           </a:p>
@@ -505,7 +502,7 @@
             <a:fld id="{BA521D56-F1F4-41A0-82EB-989F4F6F400D}" type="datetimeFigureOut">
               <a:rPr lang="fr-FR" smtClean="0"/>
               <a:pPr/>
-              <a:t>12/10/2016</a:t>
+              <a:t>03/04/2017</a:t>
             </a:fld>
             <a:endParaRPr lang="fr-FR"/>
           </a:p>
@@ -1033,7 +1030,7 @@
             <a:fld id="{973B10A7-8A2B-4F39-8160-83B51E5E9C07}" type="datetime1">
               <a:rPr lang="fr-FR" smtClean="0"/>
               <a:pPr/>
-              <a:t>12/10/2016</a:t>
+              <a:t>03/04/2017</a:t>
             </a:fld>
             <a:endParaRPr lang="fr-FR"/>
           </a:p>
@@ -1145,7 +1142,7 @@
             <a:fld id="{305287CA-3E72-4A91-B59B-B69F40801570}" type="slidenum">
               <a:rPr lang="en-GB" sz="1100" smtClean="0"/>
               <a:pPr/>
-              <a:t>16</a:t>
+              <a:t>11</a:t>
             </a:fld>
             <a:endParaRPr lang="en-GB" sz="1100" dirty="0"/>
           </a:p>
@@ -1169,7 +1166,7 @@
             <a:fld id="{973B10A7-8A2B-4F39-8160-83B51E5E9C07}" type="datetime1">
               <a:rPr lang="fr-FR" smtClean="0"/>
               <a:pPr/>
-              <a:t>12/10/2016</a:t>
+              <a:t>03/04/2017</a:t>
             </a:fld>
             <a:endParaRPr lang="fr-FR"/>
           </a:p>
@@ -1178,7 +1175,7 @@
     </p:spTree>
     <p:extLst>
       <p:ext uri="{BB962C8B-B14F-4D97-AF65-F5344CB8AC3E}">
-        <p14:creationId xmlns:p14="http://schemas.microsoft.com/office/powerpoint/2010/main" val="3214476443"/>
+        <p14:creationId xmlns:p14="http://schemas.microsoft.com/office/powerpoint/2010/main" val="3170434069"/>
       </p:ext>
     </p:extLst>
   </p:cSld>
@@ -1281,7 +1278,7 @@
             <a:fld id="{305287CA-3E72-4A91-B59B-B69F40801570}" type="slidenum">
               <a:rPr lang="en-GB" sz="1100" smtClean="0"/>
               <a:pPr/>
-              <a:t>17</a:t>
+              <a:t>12</a:t>
             </a:fld>
             <a:endParaRPr lang="en-GB" sz="1100" dirty="0"/>
           </a:p>
@@ -1305,7 +1302,7 @@
             <a:fld id="{973B10A7-8A2B-4F39-8160-83B51E5E9C07}" type="datetime1">
               <a:rPr lang="fr-FR" smtClean="0"/>
               <a:pPr/>
-              <a:t>12/10/2016</a:t>
+              <a:t>03/04/2017</a:t>
             </a:fld>
             <a:endParaRPr lang="fr-FR"/>
           </a:p>
@@ -1314,7 +1311,7 @@
     </p:spTree>
     <p:extLst>
       <p:ext uri="{BB962C8B-B14F-4D97-AF65-F5344CB8AC3E}">
-        <p14:creationId xmlns:p14="http://schemas.microsoft.com/office/powerpoint/2010/main" val="1492651089"/>
+        <p14:creationId xmlns:p14="http://schemas.microsoft.com/office/powerpoint/2010/main" val="3496826105"/>
       </p:ext>
     </p:extLst>
   </p:cSld>
@@ -1368,140 +1365,7 @@
           <a:bodyPr/>
           <a:lstStyle/>
           <a:p>
-            <a:r>
-              <a:rPr lang="fr-FR" dirty="0" err="1"/>
-              <a:t>angular.module</a:t>
-            </a:r>
-            <a:r>
-              <a:rPr lang="fr-FR" dirty="0"/>
-              <a:t>('</a:t>
-            </a:r>
-            <a:r>
-              <a:rPr lang="fr-FR" dirty="0" err="1"/>
-              <a:t>app</a:t>
-            </a:r>
-            <a:r>
-              <a:rPr lang="fr-FR" dirty="0"/>
-              <a:t>', ['app2', 'app3']);</a:t>
-            </a:r>
-          </a:p>
-          <a:p>
-            <a:r>
-              <a:rPr lang="fr-FR" dirty="0" err="1"/>
-              <a:t>angular.module</a:t>
-            </a:r>
-            <a:r>
-              <a:rPr lang="fr-FR" dirty="0"/>
-              <a:t>('app2', []);</a:t>
-            </a:r>
-          </a:p>
-          <a:p>
-            <a:r>
-              <a:rPr lang="fr-FR" dirty="0" err="1"/>
-              <a:t>angular.module</a:t>
-            </a:r>
-            <a:r>
-              <a:rPr lang="fr-FR" dirty="0"/>
-              <a:t>('app3', []);</a:t>
-            </a:r>
-          </a:p>
-          <a:p>
-            <a:endParaRPr lang="fr-FR" dirty="0"/>
-          </a:p>
-          <a:p>
-            <a:r>
-              <a:rPr lang="fr-FR" dirty="0" err="1"/>
-              <a:t>angular.module</a:t>
-            </a:r>
-            <a:r>
-              <a:rPr lang="fr-FR" dirty="0"/>
-              <a:t>('app2').</a:t>
-            </a:r>
-            <a:r>
-              <a:rPr lang="fr-FR" dirty="0" err="1"/>
-              <a:t>controller</a:t>
-            </a:r>
-            <a:r>
-              <a:rPr lang="fr-FR" dirty="0"/>
-              <a:t>('Controller1', </a:t>
-            </a:r>
-            <a:r>
-              <a:rPr lang="fr-FR" dirty="0" err="1"/>
-              <a:t>function</a:t>
-            </a:r>
-            <a:r>
-              <a:rPr lang="fr-FR" dirty="0"/>
-              <a:t>($scope) {</a:t>
-            </a:r>
-          </a:p>
-          <a:p>
-            <a:r>
-              <a:rPr lang="fr-FR" dirty="0"/>
-              <a:t>  $scope.name = 'Controller 1 in </a:t>
-            </a:r>
-            <a:r>
-              <a:rPr lang="fr-FR" dirty="0" err="1"/>
-              <a:t>App</a:t>
-            </a:r>
-            <a:r>
-              <a:rPr lang="fr-FR" dirty="0"/>
-              <a:t> 2';</a:t>
-            </a:r>
-          </a:p>
-          <a:p>
-            <a:r>
-              <a:rPr lang="fr-FR" dirty="0"/>
-              <a:t>});</a:t>
-            </a:r>
-          </a:p>
-          <a:p>
-            <a:endParaRPr lang="fr-FR" dirty="0"/>
-          </a:p>
-          <a:p>
-            <a:r>
-              <a:rPr lang="fr-FR" dirty="0" err="1"/>
-              <a:t>angular.module</a:t>
-            </a:r>
-            <a:r>
-              <a:rPr lang="fr-FR" dirty="0"/>
-              <a:t>('app3').</a:t>
-            </a:r>
-            <a:r>
-              <a:rPr lang="fr-FR" dirty="0" err="1"/>
-              <a:t>controller</a:t>
-            </a:r>
-            <a:r>
-              <a:rPr lang="fr-FR" dirty="0"/>
-              <a:t>('Controller1', </a:t>
-            </a:r>
-            <a:r>
-              <a:rPr lang="fr-FR" dirty="0" err="1"/>
-              <a:t>function</a:t>
-            </a:r>
-            <a:r>
-              <a:rPr lang="fr-FR" dirty="0"/>
-              <a:t>($scope) {</a:t>
-            </a:r>
-          </a:p>
-          <a:p>
-            <a:r>
-              <a:rPr lang="fr-FR" dirty="0"/>
-              <a:t>  $scope.name = 'Controller 1 in </a:t>
-            </a:r>
-            <a:r>
-              <a:rPr lang="fr-FR" dirty="0" err="1"/>
-              <a:t>App</a:t>
-            </a:r>
-            <a:r>
-              <a:rPr lang="fr-FR" dirty="0"/>
-              <a:t> 3';</a:t>
-            </a:r>
-          </a:p>
-          <a:p>
-            <a:r>
-              <a:rPr lang="fr-FR" dirty="0"/>
-              <a:t>});</a:t>
-            </a:r>
+            <a:endParaRPr lang="fr-FR"/>
           </a:p>
         </p:txBody>
       </p:sp>
@@ -1550,7 +1414,7 @@
             <a:fld id="{305287CA-3E72-4A91-B59B-B69F40801570}" type="slidenum">
               <a:rPr lang="en-GB" sz="1100" smtClean="0"/>
               <a:pPr/>
-              <a:t>18</a:t>
+              <a:t>13</a:t>
             </a:fld>
             <a:endParaRPr lang="en-GB" sz="1100" dirty="0"/>
           </a:p>
@@ -1574,7 +1438,7 @@
             <a:fld id="{973B10A7-8A2B-4F39-8160-83B51E5E9C07}" type="datetime1">
               <a:rPr lang="fr-FR" smtClean="0"/>
               <a:pPr/>
-              <a:t>12/10/2016</a:t>
+              <a:t>03/04/2017</a:t>
             </a:fld>
             <a:endParaRPr lang="fr-FR"/>
           </a:p>
@@ -1583,7 +1447,7 @@
     </p:spTree>
     <p:extLst>
       <p:ext uri="{BB962C8B-B14F-4D97-AF65-F5344CB8AC3E}">
-        <p14:creationId xmlns:p14="http://schemas.microsoft.com/office/powerpoint/2010/main" val="802459956"/>
+        <p14:creationId xmlns:p14="http://schemas.microsoft.com/office/powerpoint/2010/main" val="2256104045"/>
       </p:ext>
     </p:extLst>
   </p:cSld>
@@ -1637,160 +1501,7 @@
           <a:bodyPr/>
           <a:lstStyle/>
           <a:p>
-            <a:r>
-              <a:rPr lang="fr-FR" dirty="0" err="1"/>
-              <a:t>angular.module</a:t>
-            </a:r>
-            <a:r>
-              <a:rPr lang="fr-FR" dirty="0"/>
-              <a:t>('</a:t>
-            </a:r>
-            <a:r>
-              <a:rPr lang="fr-FR" dirty="0" err="1"/>
-              <a:t>app</a:t>
-            </a:r>
-            <a:r>
-              <a:rPr lang="fr-FR" dirty="0"/>
-              <a:t>', ['app2', 'app3']);  // </a:t>
-            </a:r>
-            <a:r>
-              <a:rPr lang="fr-FR" dirty="0" err="1"/>
-              <a:t>changing</a:t>
-            </a:r>
-            <a:r>
-              <a:rPr lang="fr-FR" dirty="0"/>
-              <a:t> HERE</a:t>
-            </a:r>
-          </a:p>
-          <a:p>
-            <a:r>
-              <a:rPr lang="fr-FR" dirty="0" err="1"/>
-              <a:t>angular.module</a:t>
-            </a:r>
-            <a:r>
-              <a:rPr lang="fr-FR" dirty="0"/>
-              <a:t>('app2', []);</a:t>
-            </a:r>
-          </a:p>
-          <a:p>
-            <a:r>
-              <a:rPr lang="fr-FR" dirty="0" err="1"/>
-              <a:t>angular.module</a:t>
-            </a:r>
-            <a:r>
-              <a:rPr lang="fr-FR" dirty="0"/>
-              <a:t>('app3', []);</a:t>
-            </a:r>
-          </a:p>
-          <a:p>
-            <a:endParaRPr lang="fr-FR" dirty="0"/>
-          </a:p>
-          <a:p>
-            <a:r>
-              <a:rPr lang="fr-FR" dirty="0" err="1"/>
-              <a:t>angular.module</a:t>
-            </a:r>
-            <a:r>
-              <a:rPr lang="fr-FR" dirty="0"/>
-              <a:t>('app2').</a:t>
-            </a:r>
-            <a:r>
-              <a:rPr lang="fr-FR" dirty="0" err="1"/>
-              <a:t>controller</a:t>
-            </a:r>
-            <a:r>
-              <a:rPr lang="fr-FR" dirty="0"/>
-              <a:t>('Controller1', </a:t>
-            </a:r>
-            <a:r>
-              <a:rPr lang="fr-FR" dirty="0" err="1"/>
-              <a:t>function</a:t>
-            </a:r>
-            <a:r>
-              <a:rPr lang="fr-FR" dirty="0"/>
-              <a:t>($scope) {</a:t>
-            </a:r>
-          </a:p>
-          <a:p>
-            <a:r>
-              <a:rPr lang="fr-FR" dirty="0"/>
-              <a:t>  console.log('Building Controller1 in app2');</a:t>
-            </a:r>
-          </a:p>
-          <a:p>
-            <a:r>
-              <a:rPr lang="fr-FR" dirty="0"/>
-              <a:t>  $scope.name = 'Controller 1 in </a:t>
-            </a:r>
-            <a:r>
-              <a:rPr lang="fr-FR" dirty="0" err="1"/>
-              <a:t>App</a:t>
-            </a:r>
-            <a:r>
-              <a:rPr lang="fr-FR" dirty="0"/>
-              <a:t> 2';</a:t>
-            </a:r>
-          </a:p>
-          <a:p>
-            <a:r>
-              <a:rPr lang="fr-FR" dirty="0"/>
-              <a:t>});</a:t>
-            </a:r>
-          </a:p>
-          <a:p>
-            <a:endParaRPr lang="fr-FR" dirty="0"/>
-          </a:p>
-          <a:p>
-            <a:r>
-              <a:rPr lang="fr-FR" dirty="0" err="1"/>
-              <a:t>angular.module</a:t>
-            </a:r>
-            <a:r>
-              <a:rPr lang="fr-FR" dirty="0"/>
-              <a:t>('app3').</a:t>
-            </a:r>
-            <a:r>
-              <a:rPr lang="fr-FR" dirty="0" err="1"/>
-              <a:t>controller</a:t>
-            </a:r>
-            <a:r>
-              <a:rPr lang="fr-FR" dirty="0"/>
-              <a:t>('Controller1', </a:t>
-            </a:r>
-            <a:r>
-              <a:rPr lang="fr-FR" dirty="0" err="1"/>
-              <a:t>function</a:t>
-            </a:r>
-            <a:r>
-              <a:rPr lang="fr-FR" dirty="0"/>
-              <a:t>($scope) {</a:t>
-            </a:r>
-          </a:p>
-          <a:p>
-            <a:r>
-              <a:rPr lang="fr-FR" dirty="0"/>
-              <a:t>  console.log('Building Controller1 in app3');</a:t>
-            </a:r>
-          </a:p>
-          <a:p>
-            <a:r>
-              <a:rPr lang="fr-FR" dirty="0"/>
-              <a:t>  $scope.name = 'Controller 1 in </a:t>
-            </a:r>
-            <a:r>
-              <a:rPr lang="fr-FR" dirty="0" err="1"/>
-              <a:t>App</a:t>
-            </a:r>
-            <a:r>
-              <a:rPr lang="fr-FR" dirty="0"/>
-              <a:t> 3';</a:t>
-            </a:r>
-          </a:p>
-          <a:p>
-            <a:r>
-              <a:rPr lang="fr-FR" dirty="0"/>
-              <a:t>});</a:t>
-            </a:r>
+            <a:endParaRPr lang="fr-FR"/>
           </a:p>
         </p:txBody>
       </p:sp>
@@ -1839,7 +1550,7 @@
             <a:fld id="{305287CA-3E72-4A91-B59B-B69F40801570}" type="slidenum">
               <a:rPr lang="en-GB" sz="1100" smtClean="0"/>
               <a:pPr/>
-              <a:t>19</a:t>
+              <a:t>14</a:t>
             </a:fld>
             <a:endParaRPr lang="en-GB" sz="1100" dirty="0"/>
           </a:p>
@@ -1863,7 +1574,7 @@
             <a:fld id="{973B10A7-8A2B-4F39-8160-83B51E5E9C07}" type="datetime1">
               <a:rPr lang="fr-FR" smtClean="0"/>
               <a:pPr/>
-              <a:t>12/10/2016</a:t>
+              <a:t>03/04/2017</a:t>
             </a:fld>
             <a:endParaRPr lang="fr-FR"/>
           </a:p>
@@ -1872,7 +1583,143 @@
     </p:spTree>
     <p:extLst>
       <p:ext uri="{BB962C8B-B14F-4D97-AF65-F5344CB8AC3E}">
-        <p14:creationId xmlns:p14="http://schemas.microsoft.com/office/powerpoint/2010/main" val="3533774340"/>
+        <p14:creationId xmlns:p14="http://schemas.microsoft.com/office/powerpoint/2010/main" val="2273867739"/>
+      </p:ext>
+    </p:extLst>
+  </p:cSld>
+  <p:clrMapOvr>
+    <a:masterClrMapping/>
+  </p:clrMapOvr>
+</p:notes>
+</file>
+
+<file path=ppt/notesSlides/notesSlide14.xml><?xml version="1.0" encoding="utf-8"?>
+<p:notes xmlns:a="http://schemas.openxmlformats.org/drawingml/2006/main" xmlns:r="http://schemas.openxmlformats.org/officeDocument/2006/relationships" xmlns:p="http://schemas.openxmlformats.org/presentationml/2006/main">
+  <p:cSld>
+    <p:spTree>
+      <p:nvGrpSpPr>
+        <p:cNvPr id="1" name=""/>
+        <p:cNvGrpSpPr/>
+        <p:nvPr/>
+      </p:nvGrpSpPr>
+      <p:grpSpPr>
+        <a:xfrm>
+          <a:off x="0" y="0"/>
+          <a:ext cx="0" cy="0"/>
+          <a:chOff x="0" y="0"/>
+          <a:chExt cx="0" cy="0"/>
+        </a:xfrm>
+      </p:grpSpPr>
+      <p:sp>
+        <p:nvSpPr>
+          <p:cNvPr id="10" name="Espace réservé de l'image des diapositives 9"/>
+          <p:cNvSpPr>
+            <a:spLocks noGrp="1" noRot="1" noChangeAspect="1"/>
+          </p:cNvSpPr>
+          <p:nvPr>
+            <p:ph type="sldImg"/>
+          </p:nvPr>
+        </p:nvSpPr>
+        <p:spPr/>
+      </p:sp>
+      <p:sp>
+        <p:nvSpPr>
+          <p:cNvPr id="11" name="Espace réservé des commentaires 10"/>
+          <p:cNvSpPr>
+            <a:spLocks noGrp="1"/>
+          </p:cNvSpPr>
+          <p:nvPr>
+            <p:ph type="body" idx="1"/>
+          </p:nvPr>
+        </p:nvSpPr>
+        <p:spPr/>
+        <p:txBody>
+          <a:bodyPr/>
+          <a:lstStyle/>
+          <a:p>
+            <a:endParaRPr lang="fr-FR"/>
+          </a:p>
+        </p:txBody>
+      </p:sp>
+      <p:sp>
+        <p:nvSpPr>
+          <p:cNvPr id="14" name="Espace réservé du pied de page 13"/>
+          <p:cNvSpPr>
+            <a:spLocks noGrp="1"/>
+          </p:cNvSpPr>
+          <p:nvPr>
+            <p:ph type="ftr" sz="quarter" idx="12"/>
+          </p:nvPr>
+        </p:nvSpPr>
+        <p:spPr/>
+        <p:txBody>
+          <a:bodyPr/>
+          <a:lstStyle/>
+          <a:p>
+            <a:r>
+              <a:rPr lang="en-GB" sz="1100" dirty="0"/>
+              <a:t>Titre de la </a:t>
+            </a:r>
+            <a:r>
+              <a:rPr lang="en-GB" sz="1100" dirty="0" err="1"/>
+              <a:t>présentation</a:t>
+            </a:r>
+            <a:endParaRPr lang="en-GB" sz="1100" dirty="0"/>
+          </a:p>
+        </p:txBody>
+      </p:sp>
+      <p:sp>
+        <p:nvSpPr>
+          <p:cNvPr id="15" name="Espace réservé du numéro de diapositive 14"/>
+          <p:cNvSpPr>
+            <a:spLocks noGrp="1"/>
+          </p:cNvSpPr>
+          <p:nvPr>
+            <p:ph type="sldNum" sz="quarter" idx="13"/>
+          </p:nvPr>
+        </p:nvSpPr>
+        <p:spPr/>
+        <p:txBody>
+          <a:bodyPr/>
+          <a:lstStyle/>
+          <a:p>
+            <a:fld id="{305287CA-3E72-4A91-B59B-B69F40801570}" type="slidenum">
+              <a:rPr lang="en-GB" sz="1100" smtClean="0"/>
+              <a:pPr/>
+              <a:t>16</a:t>
+            </a:fld>
+            <a:endParaRPr lang="en-GB" sz="1100" dirty="0"/>
+          </a:p>
+        </p:txBody>
+      </p:sp>
+      <p:sp>
+        <p:nvSpPr>
+          <p:cNvPr id="2" name="Espace réservé de la date 1"/>
+          <p:cNvSpPr>
+            <a:spLocks noGrp="1"/>
+          </p:cNvSpPr>
+          <p:nvPr>
+            <p:ph type="dt" idx="14"/>
+          </p:nvPr>
+        </p:nvSpPr>
+        <p:spPr/>
+        <p:txBody>
+          <a:bodyPr/>
+          <a:lstStyle/>
+          <a:p>
+            <a:fld id="{973B10A7-8A2B-4F39-8160-83B51E5E9C07}" type="datetime1">
+              <a:rPr lang="fr-FR" smtClean="0"/>
+              <a:pPr/>
+              <a:t>03/04/2017</a:t>
+            </a:fld>
+            <a:endParaRPr lang="fr-FR"/>
+          </a:p>
+        </p:txBody>
+      </p:sp>
+    </p:spTree>
+    <p:extLst>
+      <p:ext uri="{BB962C8B-B14F-4D97-AF65-F5344CB8AC3E}">
+        <p14:creationId xmlns:p14="http://schemas.microsoft.com/office/powerpoint/2010/main" val="534822826"/>
       </p:ext>
     </p:extLst>
   </p:cSld>
@@ -1999,7 +1846,7 @@
             <a:fld id="{973B10A7-8A2B-4F39-8160-83B51E5E9C07}" type="datetime1">
               <a:rPr lang="fr-FR" smtClean="0"/>
               <a:pPr/>
-              <a:t>12/10/2016</a:t>
+              <a:t>03/04/2017</a:t>
             </a:fld>
             <a:endParaRPr lang="fr-FR"/>
           </a:p>
@@ -2135,7 +1982,7 @@
             <a:fld id="{973B10A7-8A2B-4F39-8160-83B51E5E9C07}" type="datetime1">
               <a:rPr lang="fr-FR" smtClean="0"/>
               <a:pPr/>
-              <a:t>12/10/2016</a:t>
+              <a:t>03/04/2017</a:t>
             </a:fld>
             <a:endParaRPr lang="fr-FR"/>
           </a:p>
@@ -2144,7 +1991,7 @@
     </p:spTree>
     <p:extLst>
       <p:ext uri="{BB962C8B-B14F-4D97-AF65-F5344CB8AC3E}">
-        <p14:creationId xmlns:p14="http://schemas.microsoft.com/office/powerpoint/2010/main" val="185757619"/>
+        <p14:creationId xmlns:p14="http://schemas.microsoft.com/office/powerpoint/2010/main" val="1559977461"/>
       </p:ext>
     </p:extLst>
   </p:cSld>
@@ -2271,7 +2118,7 @@
             <a:fld id="{973B10A7-8A2B-4F39-8160-83B51E5E9C07}" type="datetime1">
               <a:rPr lang="fr-FR" smtClean="0"/>
               <a:pPr/>
-              <a:t>12/10/2016</a:t>
+              <a:t>03/04/2017</a:t>
             </a:fld>
             <a:endParaRPr lang="fr-FR"/>
           </a:p>
@@ -2280,7 +2127,7 @@
     </p:spTree>
     <p:extLst>
       <p:ext uri="{BB962C8B-B14F-4D97-AF65-F5344CB8AC3E}">
-        <p14:creationId xmlns:p14="http://schemas.microsoft.com/office/powerpoint/2010/main" val="185757619"/>
+        <p14:creationId xmlns:p14="http://schemas.microsoft.com/office/powerpoint/2010/main" val="1069825424"/>
       </p:ext>
     </p:extLst>
   </p:cSld>
@@ -2407,7 +2254,7 @@
             <a:fld id="{973B10A7-8A2B-4F39-8160-83B51E5E9C07}" type="datetime1">
               <a:rPr lang="fr-FR" smtClean="0"/>
               <a:pPr/>
-              <a:t>12/10/2016</a:t>
+              <a:t>03/04/2017</a:t>
             </a:fld>
             <a:endParaRPr lang="fr-FR"/>
           </a:p>
@@ -2416,7 +2263,7 @@
     </p:spTree>
     <p:extLst>
       <p:ext uri="{BB962C8B-B14F-4D97-AF65-F5344CB8AC3E}">
-        <p14:creationId xmlns:p14="http://schemas.microsoft.com/office/powerpoint/2010/main" val="185757619"/>
+        <p14:creationId xmlns:p14="http://schemas.microsoft.com/office/powerpoint/2010/main" val="1462730901"/>
       </p:ext>
     </p:extLst>
   </p:cSld>
@@ -2543,7 +2390,7 @@
             <a:fld id="{973B10A7-8A2B-4F39-8160-83B51E5E9C07}" type="datetime1">
               <a:rPr lang="fr-FR" smtClean="0"/>
               <a:pPr/>
-              <a:t>12/10/2016</a:t>
+              <a:t>03/04/2017</a:t>
             </a:fld>
             <a:endParaRPr lang="fr-FR"/>
           </a:p>
@@ -2552,7 +2399,7 @@
     </p:spTree>
     <p:extLst>
       <p:ext uri="{BB962C8B-B14F-4D97-AF65-F5344CB8AC3E}">
-        <p14:creationId xmlns:p14="http://schemas.microsoft.com/office/powerpoint/2010/main" val="185757619"/>
+        <p14:creationId xmlns:p14="http://schemas.microsoft.com/office/powerpoint/2010/main" val="3757017437"/>
       </p:ext>
     </p:extLst>
   </p:cSld>
@@ -2655,7 +2502,7 @@
             <a:fld id="{305287CA-3E72-4A91-B59B-B69F40801570}" type="slidenum">
               <a:rPr lang="en-GB" sz="1100" smtClean="0"/>
               <a:pPr/>
-              <a:t>11</a:t>
+              <a:t>8</a:t>
             </a:fld>
             <a:endParaRPr lang="en-GB" sz="1100" dirty="0"/>
           </a:p>
@@ -2679,7 +2526,7 @@
             <a:fld id="{973B10A7-8A2B-4F39-8160-83B51E5E9C07}" type="datetime1">
               <a:rPr lang="fr-FR" smtClean="0"/>
               <a:pPr/>
-              <a:t>12/10/2016</a:t>
+              <a:t>03/04/2017</a:t>
             </a:fld>
             <a:endParaRPr lang="fr-FR"/>
           </a:p>
@@ -2688,7 +2535,7 @@
     </p:spTree>
     <p:extLst>
       <p:ext uri="{BB962C8B-B14F-4D97-AF65-F5344CB8AC3E}">
-        <p14:creationId xmlns:p14="http://schemas.microsoft.com/office/powerpoint/2010/main" val="185757619"/>
+        <p14:creationId xmlns:p14="http://schemas.microsoft.com/office/powerpoint/2010/main" val="3947834858"/>
       </p:ext>
     </p:extLst>
   </p:cSld>
@@ -2791,7 +2638,7 @@
             <a:fld id="{305287CA-3E72-4A91-B59B-B69F40801570}" type="slidenum">
               <a:rPr lang="en-GB" sz="1100" smtClean="0"/>
               <a:pPr/>
-              <a:t>13</a:t>
+              <a:t>9</a:t>
             </a:fld>
             <a:endParaRPr lang="en-GB" sz="1100" dirty="0"/>
           </a:p>
@@ -2815,7 +2662,7 @@
             <a:fld id="{973B10A7-8A2B-4F39-8160-83B51E5E9C07}" type="datetime1">
               <a:rPr lang="fr-FR" smtClean="0"/>
               <a:pPr/>
-              <a:t>12/10/2016</a:t>
+              <a:t>03/04/2017</a:t>
             </a:fld>
             <a:endParaRPr lang="fr-FR"/>
           </a:p>
@@ -2824,7 +2671,7 @@
     </p:spTree>
     <p:extLst>
       <p:ext uri="{BB962C8B-B14F-4D97-AF65-F5344CB8AC3E}">
-        <p14:creationId xmlns:p14="http://schemas.microsoft.com/office/powerpoint/2010/main" val="185757619"/>
+        <p14:creationId xmlns:p14="http://schemas.microsoft.com/office/powerpoint/2010/main" val="1673644621"/>
       </p:ext>
     </p:extLst>
   </p:cSld>
@@ -2927,7 +2774,7 @@
             <a:fld id="{305287CA-3E72-4A91-B59B-B69F40801570}" type="slidenum">
               <a:rPr lang="en-GB" sz="1100" smtClean="0"/>
               <a:pPr/>
-              <a:t>14</a:t>
+              <a:t>10</a:t>
             </a:fld>
             <a:endParaRPr lang="en-GB" sz="1100" dirty="0"/>
           </a:p>
@@ -2951,7 +2798,7 @@
             <a:fld id="{973B10A7-8A2B-4F39-8160-83B51E5E9C07}" type="datetime1">
               <a:rPr lang="fr-FR" smtClean="0"/>
               <a:pPr/>
-              <a:t>12/10/2016</a:t>
+              <a:t>03/04/2017</a:t>
             </a:fld>
             <a:endParaRPr lang="fr-FR"/>
           </a:p>
@@ -2960,7 +2807,7 @@
     </p:spTree>
     <p:extLst>
       <p:ext uri="{BB962C8B-B14F-4D97-AF65-F5344CB8AC3E}">
-        <p14:creationId xmlns:p14="http://schemas.microsoft.com/office/powerpoint/2010/main" val="185757619"/>
+        <p14:creationId xmlns:p14="http://schemas.microsoft.com/office/powerpoint/2010/main" val="3496602980"/>
       </p:ext>
     </p:extLst>
   </p:cSld>
@@ -10664,9 +10511,10 @@
           <a:lstStyle/>
           <a:p>
             <a:r>
-              <a:rPr lang="fr-FR" cap="none" dirty="0"/>
-              <a:t>AngularJS Services</a:t>
-            </a:r>
+              <a:rPr lang="fr-FR" cap="none" dirty="0" smtClean="0"/>
+              <a:t>ANGULARJS</a:t>
+            </a:r>
+            <a:endParaRPr lang="fr-FR" cap="none" dirty="0"/>
           </a:p>
         </p:txBody>
       </p:sp>
@@ -10690,38 +10538,14 @@
           <a:bodyPr/>
           <a:lstStyle/>
           <a:p>
+            <a:r>
+              <a:rPr lang="fr-FR" dirty="0" smtClean="0"/>
+              <a:t>Custom Services</a:t>
+            </a:r>
             <a:endParaRPr lang="fr-FR" dirty="0"/>
           </a:p>
         </p:txBody>
       </p:sp>
-      <p:pic>
-        <p:nvPicPr>
-          <p:cNvPr id="9" name="Espace réservé pour une image  8"/>
-          <p:cNvPicPr>
-            <a:picLocks noGrp="1" noChangeAspect="1"/>
-          </p:cNvPicPr>
-          <p:nvPr>
-            <p:ph type="pic" sz="quarter" idx="15"/>
-          </p:nvPr>
-        </p:nvPicPr>
-        <p:blipFill rotWithShape="1">
-          <a:blip r:embed="rId2" cstate="print">
-            <a:extLst>
-              <a:ext uri="{28A0092B-C50C-407E-A947-70E740481C1C}">
-                <a14:useLocalDpi xmlns:a14="http://schemas.microsoft.com/office/drawing/2010/main"/>
-              </a:ext>
-            </a:extLst>
-          </a:blip>
-          <a:srcRect/>
-          <a:stretch/>
-        </p:blipFill>
-        <p:spPr>
-          <a:xfrm>
-            <a:off x="-5576" y="-2539"/>
-            <a:ext cx="9155154" cy="3431539"/>
-          </a:xfrm>
-        </p:spPr>
-      </p:pic>
       <p:sp>
         <p:nvSpPr>
           <p:cNvPr id="2" name="Espace réservé du pied de page 1"/>
@@ -10945,6 +10769,10 @@
             </a:lvl9pPr>
           </a:lstStyle>
           <a:p>
+            <a:r>
+              <a:rPr lang="fr-FR" dirty="0"/>
+              <a:t/>
+            </a:r>
             <a:br>
               <a:rPr lang="fr-FR" dirty="0"/>
             </a:br>
@@ -10956,16 +10784,48 @@
           </a:p>
         </p:txBody>
       </p:sp>
+      <p:pic>
+        <p:nvPicPr>
+          <p:cNvPr id="8" name="Espace réservé pour une image  7"/>
+          <p:cNvPicPr>
+            <a:picLocks noGrp="1" noChangeAspect="1"/>
+          </p:cNvPicPr>
+          <p:nvPr>
+            <p:ph type="pic" sz="quarter" idx="15"/>
+          </p:nvPr>
+        </p:nvPicPr>
+        <p:blipFill>
+          <a:blip r:embed="rId2">
+            <a:extLst>
+              <a:ext uri="{28A0092B-C50C-407E-A947-70E740481C1C}">
+                <a14:useLocalDpi xmlns:a14="http://schemas.microsoft.com/office/drawing/2010/main" val="0"/>
+              </a:ext>
+            </a:extLst>
+          </a:blip>
+          <a:srcRect t="1692" b="1692"/>
+          <a:stretch>
+            <a:fillRect/>
+          </a:stretch>
+        </p:blipFill>
+        <p:spPr/>
+      </p:pic>
     </p:spTree>
     <p:extLst>
       <p:ext uri="{BB962C8B-B14F-4D97-AF65-F5344CB8AC3E}">
-        <p14:creationId xmlns:p14="http://schemas.microsoft.com/office/powerpoint/2010/main" val="1806273576"/>
+        <p14:creationId xmlns:p14="http://schemas.microsoft.com/office/powerpoint/2010/main" val="3134444714"/>
       </p:ext>
     </p:extLst>
   </p:cSld>
   <p:clrMapOvr>
     <a:masterClrMapping/>
   </p:clrMapOvr>
+  <p:timing>
+    <p:tnLst>
+      <p:par>
+        <p:cTn id="1" dur="indefinite" restart="never" nodeType="tmRoot"/>
+      </p:par>
+    </p:tnLst>
+  </p:timing>
 </p:sld>
 </file>
 
@@ -10996,34 +10856,21 @@
             <p:ph type="title"/>
           </p:nvPr>
         </p:nvSpPr>
-        <p:spPr/>
-        <p:txBody>
-          <a:bodyPr/>
-          <a:lstStyle/>
-          <a:p>
-            <a:r>
-              <a:rPr lang="en-GB" dirty="0"/>
-              <a:t>Value Syntax</a:t>
-            </a:r>
-          </a:p>
-        </p:txBody>
-      </p:sp>
-      <p:sp>
-        <p:nvSpPr>
-          <p:cNvPr id="4" name="Espace réservé du pied de page 3"/>
-          <p:cNvSpPr>
-            <a:spLocks noGrp="1"/>
-          </p:cNvSpPr>
-          <p:nvPr>
-            <p:ph type="ftr" sz="quarter" idx="11"/>
-          </p:nvPr>
-        </p:nvSpPr>
-        <p:spPr/>
-        <p:txBody>
-          <a:bodyPr/>
-          <a:lstStyle/>
-          <a:p>
-            <a:endParaRPr lang="fr-FR" dirty="0"/>
+        <p:spPr bwMode="gray">
+          <a:xfrm>
+            <a:off x="544439" y="260648"/>
+            <a:ext cx="8045374" cy="332546"/>
+          </a:xfrm>
+        </p:spPr>
+        <p:txBody>
+          <a:bodyPr/>
+          <a:lstStyle/>
+          <a:p>
+            <a:r>
+              <a:rPr lang="fr-FR" cap="none" dirty="0" err="1" smtClean="0"/>
+              <a:t>Factory</a:t>
+            </a:r>
+            <a:endParaRPr lang="en-GB" cap="none" dirty="0"/>
           </a:p>
         </p:txBody>
       </p:sp>
@@ -11037,7 +10884,7 @@
             <p:ph type="sldNum" sz="quarter" idx="12"/>
           </p:nvPr>
         </p:nvSpPr>
-        <p:spPr/>
+        <p:spPr bwMode="gray"/>
         <p:txBody>
           <a:bodyPr/>
           <a:lstStyle/>
@@ -11053,73 +10900,636 @@
       </p:sp>
       <p:sp>
         <p:nvSpPr>
-          <p:cNvPr id="6" name="Espace réservé du texte 5"/>
+          <p:cNvPr id="10" name="Espace réservé du texte 9"/>
           <p:cNvSpPr>
             <a:spLocks noGrp="1"/>
           </p:cNvSpPr>
           <p:nvPr>
             <p:ph type="body" sz="quarter" idx="13"/>
           </p:nvPr>
+        </p:nvSpPr>
+        <p:spPr bwMode="gray"/>
+        <p:txBody>
+          <a:bodyPr/>
+          <a:lstStyle/>
+          <a:p>
+            <a:r>
+              <a:rPr lang="en-GB" cap="none" dirty="0" smtClean="0"/>
+              <a:t>Full example</a:t>
+            </a:r>
+            <a:endParaRPr lang="en-GB" cap="none" dirty="0"/>
+          </a:p>
+        </p:txBody>
+      </p:sp>
+      <p:sp>
+        <p:nvSpPr>
+          <p:cNvPr id="6" name="Espace réservé du pied de page 5"/>
+          <p:cNvSpPr>
+            <a:spLocks noGrp="1"/>
+          </p:cNvSpPr>
+          <p:nvPr>
+            <p:ph type="ftr" sz="quarter" idx="11"/>
+          </p:nvPr>
+        </p:nvSpPr>
+        <p:spPr/>
+        <p:txBody>
+          <a:bodyPr/>
+          <a:lstStyle/>
+          <a:p>
+            <a:endParaRPr lang="fr-FR" dirty="0"/>
+          </a:p>
+        </p:txBody>
+      </p:sp>
+      <p:sp>
+        <p:nvSpPr>
+          <p:cNvPr id="12" name="ZoneTexte 11"/>
+          <p:cNvSpPr txBox="1"/>
+          <p:nvPr/>
         </p:nvSpPr>
         <p:spPr>
           <a:xfrm>
-            <a:off x="1533267" y="699154"/>
-            <a:ext cx="6483682" cy="619284"/>
-          </a:xfrm>
-        </p:spPr>
-        <p:txBody>
-          <a:bodyPr/>
-          <a:lstStyle/>
-          <a:p>
-            <a:r>
-              <a:rPr lang="en-GB" cap="none" dirty="0"/>
-              <a:t>You can statically build an object but WITHOUT injection</a:t>
-            </a:r>
-          </a:p>
-        </p:txBody>
-      </p:sp>
-      <p:pic>
-        <p:nvPicPr>
-          <p:cNvPr id="45058" name="Picture 2"/>
-          <p:cNvPicPr>
-            <a:picLocks noGrp="1" noChangeAspect="1" noChangeArrowheads="1"/>
-          </p:cNvPicPr>
-          <p:nvPr>
-            <p:ph idx="1"/>
-          </p:nvPr>
-        </p:nvPicPr>
-        <p:blipFill>
-          <a:blip r:embed="rId2"/>
-          <a:srcRect/>
-          <a:stretch>
-            <a:fillRect/>
-          </a:stretch>
-        </p:blipFill>
-        <p:spPr bwMode="auto">
-          <a:xfrm>
-            <a:off x="1049538" y="1542371"/>
-            <a:ext cx="6195515" cy="4290125"/>
+            <a:off x="697876" y="1185921"/>
+            <a:ext cx="7506269" cy="4801314"/>
           </a:xfrm>
           <a:prstGeom prst="rect">
             <a:avLst/>
           </a:prstGeom>
           <a:noFill/>
-          <a:ln w="9525">
-            <a:solidFill>
-              <a:srgbClr val="00B0F0"/>
-            </a:solidFill>
-            <a:miter lim="800000"/>
-            <a:headEnd/>
-            <a:tailEnd/>
-          </a:ln>
-          <a:effectLst/>
         </p:spPr>
-      </p:pic>
+        <p:txBody>
+          <a:bodyPr wrap="square" rtlCol="0">
+            <a:spAutoFit/>
+          </a:bodyPr>
+          <a:lstStyle/>
+          <a:p>
+            <a:r>
+              <a:rPr lang="fr-FR" dirty="0" err="1">
+                <a:latin typeface="Consolas" panose="020B0609020204030204" pitchFamily="49" charset="0"/>
+              </a:rPr>
+              <a:t>app</a:t>
+            </a:r>
+            <a:r>
+              <a:rPr lang="fr-FR" dirty="0">
+                <a:latin typeface="Consolas" panose="020B0609020204030204" pitchFamily="49" charset="0"/>
+              </a:rPr>
+              <a:t> </a:t>
+            </a:r>
+            <a:r>
+              <a:rPr lang="fr-FR" dirty="0">
+                <a:solidFill>
+                  <a:srgbClr val="666666"/>
+                </a:solidFill>
+                <a:latin typeface="Consolas" panose="020B0609020204030204" pitchFamily="49" charset="0"/>
+              </a:rPr>
+              <a:t>= </a:t>
+            </a:r>
+            <a:r>
+              <a:rPr lang="fr-FR" dirty="0" err="1">
+                <a:solidFill>
+                  <a:srgbClr val="666666"/>
+                </a:solidFill>
+                <a:latin typeface="Consolas" panose="020B0609020204030204" pitchFamily="49" charset="0"/>
+              </a:rPr>
+              <a:t>angular.module</a:t>
+            </a:r>
+            <a:r>
+              <a:rPr lang="fr-FR" dirty="0">
+                <a:solidFill>
+                  <a:srgbClr val="666666"/>
+                </a:solidFill>
+                <a:latin typeface="Consolas" panose="020B0609020204030204" pitchFamily="49" charset="0"/>
+              </a:rPr>
+              <a:t>(</a:t>
+            </a:r>
+            <a:r>
+              <a:rPr lang="fr-FR" dirty="0">
+                <a:solidFill>
+                  <a:srgbClr val="BA2121"/>
+                </a:solidFill>
+                <a:latin typeface="Consolas" panose="020B0609020204030204" pitchFamily="49" charset="0"/>
+              </a:rPr>
+              <a:t>"</a:t>
+            </a:r>
+            <a:r>
+              <a:rPr lang="fr-FR" dirty="0" err="1">
+                <a:solidFill>
+                  <a:srgbClr val="BA2121"/>
+                </a:solidFill>
+                <a:latin typeface="Consolas" panose="020B0609020204030204" pitchFamily="49" charset="0"/>
+              </a:rPr>
+              <a:t>app</a:t>
+            </a:r>
+            <a:r>
+              <a:rPr lang="fr-FR" dirty="0">
+                <a:solidFill>
+                  <a:srgbClr val="BA2121"/>
+                </a:solidFill>
+                <a:latin typeface="Consolas" panose="020B0609020204030204" pitchFamily="49" charset="0"/>
+              </a:rPr>
+              <a:t>", []);</a:t>
+            </a:r>
+          </a:p>
+          <a:p>
+            <a:endParaRPr lang="fr-FR" dirty="0">
+              <a:latin typeface="Consolas" panose="020B0609020204030204" pitchFamily="49" charset="0"/>
+            </a:endParaRPr>
+          </a:p>
+          <a:p>
+            <a:r>
+              <a:rPr lang="fr-FR" dirty="0" err="1">
+                <a:latin typeface="Consolas" panose="020B0609020204030204" pitchFamily="49" charset="0"/>
+              </a:rPr>
+              <a:t>app.controller</a:t>
+            </a:r>
+            <a:r>
+              <a:rPr lang="fr-FR" dirty="0">
+                <a:latin typeface="Consolas" panose="020B0609020204030204" pitchFamily="49" charset="0"/>
+              </a:rPr>
+              <a:t>(</a:t>
+            </a:r>
+            <a:r>
+              <a:rPr lang="fr-FR" dirty="0">
+                <a:solidFill>
+                  <a:srgbClr val="BA2121"/>
+                </a:solidFill>
+                <a:latin typeface="Consolas" panose="020B0609020204030204" pitchFamily="49" charset="0"/>
+              </a:rPr>
+              <a:t>'</a:t>
+            </a:r>
+            <a:r>
+              <a:rPr lang="fr-FR" dirty="0" err="1">
+                <a:solidFill>
+                  <a:srgbClr val="BA2121"/>
+                </a:solidFill>
+                <a:latin typeface="Consolas" panose="020B0609020204030204" pitchFamily="49" charset="0"/>
+              </a:rPr>
+              <a:t>MainCtrl</a:t>
+            </a:r>
+            <a:r>
+              <a:rPr lang="fr-FR" dirty="0">
+                <a:solidFill>
+                  <a:srgbClr val="BA2121"/>
+                </a:solidFill>
+                <a:latin typeface="Consolas" panose="020B0609020204030204" pitchFamily="49" charset="0"/>
+              </a:rPr>
+              <a:t>', </a:t>
+            </a:r>
+            <a:r>
+              <a:rPr lang="fr-FR" b="1" dirty="0" err="1">
+                <a:solidFill>
+                  <a:srgbClr val="008000"/>
+                </a:solidFill>
+                <a:latin typeface="Consolas" panose="020B0609020204030204" pitchFamily="49" charset="0"/>
+              </a:rPr>
+              <a:t>function</a:t>
+            </a:r>
+            <a:r>
+              <a:rPr lang="fr-FR" b="1" dirty="0">
+                <a:solidFill>
+                  <a:srgbClr val="008000"/>
+                </a:solidFill>
+                <a:latin typeface="Consolas" panose="020B0609020204030204" pitchFamily="49" charset="0"/>
+              </a:rPr>
+              <a:t>($scope, </a:t>
+            </a:r>
+            <a:r>
+              <a:rPr lang="fr-FR" b="1" dirty="0" err="1">
+                <a:solidFill>
+                  <a:srgbClr val="008000"/>
+                </a:solidFill>
+                <a:latin typeface="Consolas" panose="020B0609020204030204" pitchFamily="49" charset="0"/>
+              </a:rPr>
+              <a:t>foo</a:t>
+            </a:r>
+            <a:r>
+              <a:rPr lang="fr-FR" b="1" dirty="0">
+                <a:solidFill>
+                  <a:srgbClr val="008000"/>
+                </a:solidFill>
+                <a:latin typeface="Consolas" panose="020B0609020204030204" pitchFamily="49" charset="0"/>
+              </a:rPr>
+              <a:t>) {</a:t>
+            </a:r>
+          </a:p>
+          <a:p>
+            <a:r>
+              <a:rPr lang="fr-FR" dirty="0">
+                <a:latin typeface="Consolas" panose="020B0609020204030204" pitchFamily="49" charset="0"/>
+              </a:rPr>
+              <a:t>  $</a:t>
+            </a:r>
+            <a:r>
+              <a:rPr lang="fr-FR" dirty="0" err="1">
+                <a:latin typeface="Consolas" panose="020B0609020204030204" pitchFamily="49" charset="0"/>
+              </a:rPr>
+              <a:t>scope.foo</a:t>
+            </a:r>
+            <a:r>
+              <a:rPr lang="fr-FR" dirty="0">
+                <a:latin typeface="Consolas" panose="020B0609020204030204" pitchFamily="49" charset="0"/>
+              </a:rPr>
+              <a:t> </a:t>
+            </a:r>
+            <a:r>
+              <a:rPr lang="fr-FR" dirty="0">
+                <a:solidFill>
+                  <a:srgbClr val="666666"/>
+                </a:solidFill>
+                <a:latin typeface="Consolas" panose="020B0609020204030204" pitchFamily="49" charset="0"/>
+              </a:rPr>
+              <a:t>= </a:t>
+            </a:r>
+            <a:r>
+              <a:rPr lang="fr-FR" dirty="0" err="1">
+                <a:solidFill>
+                  <a:srgbClr val="666666"/>
+                </a:solidFill>
+                <a:latin typeface="Consolas" panose="020B0609020204030204" pitchFamily="49" charset="0"/>
+              </a:rPr>
+              <a:t>foo</a:t>
+            </a:r>
+            <a:r>
+              <a:rPr lang="fr-FR" dirty="0">
+                <a:solidFill>
+                  <a:srgbClr val="666666"/>
+                </a:solidFill>
+                <a:latin typeface="Consolas" panose="020B0609020204030204" pitchFamily="49" charset="0"/>
+              </a:rPr>
+              <a:t>;</a:t>
+            </a:r>
+          </a:p>
+          <a:p>
+            <a:r>
+              <a:rPr lang="fr-FR" dirty="0">
+                <a:latin typeface="Consolas" panose="020B0609020204030204" pitchFamily="49" charset="0"/>
+              </a:rPr>
+              <a:t>});</a:t>
+            </a:r>
+          </a:p>
+          <a:p>
+            <a:endParaRPr lang="fr-FR" dirty="0">
+              <a:latin typeface="Consolas" panose="020B0609020204030204" pitchFamily="49" charset="0"/>
+            </a:endParaRPr>
+          </a:p>
+          <a:p>
+            <a:r>
+              <a:rPr lang="fr-FR" dirty="0" err="1">
+                <a:latin typeface="Consolas" panose="020B0609020204030204" pitchFamily="49" charset="0"/>
+              </a:rPr>
+              <a:t>app.factory</a:t>
+            </a:r>
+            <a:r>
+              <a:rPr lang="fr-FR" dirty="0">
+                <a:latin typeface="Consolas" panose="020B0609020204030204" pitchFamily="49" charset="0"/>
+              </a:rPr>
+              <a:t>(</a:t>
+            </a:r>
+            <a:r>
+              <a:rPr lang="fr-FR" dirty="0">
+                <a:solidFill>
+                  <a:srgbClr val="BA2121"/>
+                </a:solidFill>
+                <a:latin typeface="Consolas" panose="020B0609020204030204" pitchFamily="49" charset="0"/>
+              </a:rPr>
+              <a:t>'</a:t>
+            </a:r>
+            <a:r>
+              <a:rPr lang="fr-FR" dirty="0" err="1">
+                <a:solidFill>
+                  <a:srgbClr val="BA2121"/>
+                </a:solidFill>
+                <a:latin typeface="Consolas" panose="020B0609020204030204" pitchFamily="49" charset="0"/>
+              </a:rPr>
+              <a:t>foo</a:t>
+            </a:r>
+            <a:r>
+              <a:rPr lang="fr-FR" dirty="0">
+                <a:solidFill>
+                  <a:srgbClr val="BA2121"/>
+                </a:solidFill>
+                <a:latin typeface="Consolas" panose="020B0609020204030204" pitchFamily="49" charset="0"/>
+              </a:rPr>
+              <a:t>', </a:t>
+            </a:r>
+            <a:r>
+              <a:rPr lang="fr-FR" b="1" dirty="0" err="1">
+                <a:solidFill>
+                  <a:srgbClr val="008000"/>
+                </a:solidFill>
+                <a:latin typeface="Consolas" panose="020B0609020204030204" pitchFamily="49" charset="0"/>
+              </a:rPr>
+              <a:t>function</a:t>
+            </a:r>
+            <a:r>
+              <a:rPr lang="fr-FR" b="1" dirty="0">
+                <a:solidFill>
+                  <a:srgbClr val="008000"/>
+                </a:solidFill>
+                <a:latin typeface="Consolas" panose="020B0609020204030204" pitchFamily="49" charset="0"/>
+              </a:rPr>
+              <a:t>() {</a:t>
+            </a:r>
+          </a:p>
+          <a:p>
+            <a:r>
+              <a:rPr lang="fr-FR" dirty="0">
+                <a:latin typeface="Consolas" panose="020B0609020204030204" pitchFamily="49" charset="0"/>
+              </a:rPr>
+              <a:t>  </a:t>
+            </a:r>
+            <a:r>
+              <a:rPr lang="fr-FR" b="1" dirty="0">
+                <a:solidFill>
+                  <a:srgbClr val="008000"/>
+                </a:solidFill>
+                <a:latin typeface="Consolas" panose="020B0609020204030204" pitchFamily="49" charset="0"/>
+              </a:rPr>
+              <a:t>var </a:t>
+            </a:r>
+            <a:r>
+              <a:rPr lang="fr-FR" b="1" dirty="0" err="1">
+                <a:solidFill>
+                  <a:srgbClr val="008000"/>
+                </a:solidFill>
+                <a:latin typeface="Consolas" panose="020B0609020204030204" pitchFamily="49" charset="0"/>
+              </a:rPr>
+              <a:t>thisIsPrivate</a:t>
+            </a:r>
+            <a:r>
+              <a:rPr lang="fr-FR" b="1" dirty="0">
+                <a:solidFill>
+                  <a:srgbClr val="008000"/>
+                </a:solidFill>
+                <a:latin typeface="Consolas" panose="020B0609020204030204" pitchFamily="49" charset="0"/>
+              </a:rPr>
+              <a:t> </a:t>
+            </a:r>
+            <a:r>
+              <a:rPr lang="fr-FR" b="1" dirty="0">
+                <a:solidFill>
+                  <a:srgbClr val="666666"/>
+                </a:solidFill>
+                <a:latin typeface="Consolas" panose="020B0609020204030204" pitchFamily="49" charset="0"/>
+              </a:rPr>
+              <a:t>= </a:t>
+            </a:r>
+            <a:r>
+              <a:rPr lang="fr-FR" b="1" dirty="0">
+                <a:solidFill>
+                  <a:srgbClr val="BA2121"/>
+                </a:solidFill>
+                <a:latin typeface="Consolas" panose="020B0609020204030204" pitchFamily="49" charset="0"/>
+              </a:rPr>
+              <a:t>"</a:t>
+            </a:r>
+            <a:r>
+              <a:rPr lang="fr-FR" b="1" dirty="0" err="1">
+                <a:solidFill>
+                  <a:srgbClr val="BA2121"/>
+                </a:solidFill>
+                <a:latin typeface="Consolas" panose="020B0609020204030204" pitchFamily="49" charset="0"/>
+              </a:rPr>
+              <a:t>Private</a:t>
+            </a:r>
+            <a:r>
+              <a:rPr lang="fr-FR" b="1" dirty="0">
+                <a:solidFill>
+                  <a:srgbClr val="BA2121"/>
+                </a:solidFill>
+                <a:latin typeface="Consolas" panose="020B0609020204030204" pitchFamily="49" charset="0"/>
+              </a:rPr>
+              <a:t>";</a:t>
+            </a:r>
+          </a:p>
+          <a:p>
+            <a:r>
+              <a:rPr lang="fr-FR" dirty="0">
+                <a:latin typeface="Consolas" panose="020B0609020204030204" pitchFamily="49" charset="0"/>
+              </a:rPr>
+              <a:t>  </a:t>
+            </a:r>
+            <a:r>
+              <a:rPr lang="fr-FR" b="1" dirty="0" err="1">
+                <a:solidFill>
+                  <a:srgbClr val="008000"/>
+                </a:solidFill>
+                <a:latin typeface="Consolas" panose="020B0609020204030204" pitchFamily="49" charset="0"/>
+              </a:rPr>
+              <a:t>function</a:t>
+            </a:r>
+            <a:r>
+              <a:rPr lang="fr-FR" b="1" dirty="0">
+                <a:solidFill>
+                  <a:srgbClr val="008000"/>
+                </a:solidFill>
+                <a:latin typeface="Consolas" panose="020B0609020204030204" pitchFamily="49" charset="0"/>
+              </a:rPr>
+              <a:t> </a:t>
+            </a:r>
+            <a:r>
+              <a:rPr lang="fr-FR" b="1" dirty="0" err="1">
+                <a:solidFill>
+                  <a:srgbClr val="008000"/>
+                </a:solidFill>
+                <a:latin typeface="Consolas" panose="020B0609020204030204" pitchFamily="49" charset="0"/>
+              </a:rPr>
+              <a:t>getPrivate</a:t>
+            </a:r>
+            <a:r>
+              <a:rPr lang="fr-FR" b="1" dirty="0">
+                <a:solidFill>
+                  <a:srgbClr val="008000"/>
+                </a:solidFill>
+                <a:latin typeface="Consolas" panose="020B0609020204030204" pitchFamily="49" charset="0"/>
+              </a:rPr>
+              <a:t>() {</a:t>
+            </a:r>
+          </a:p>
+          <a:p>
+            <a:r>
+              <a:rPr lang="fr-FR" dirty="0">
+                <a:latin typeface="Consolas" panose="020B0609020204030204" pitchFamily="49" charset="0"/>
+              </a:rPr>
+              <a:t>    </a:t>
+            </a:r>
+            <a:r>
+              <a:rPr lang="fr-FR" b="1" dirty="0">
+                <a:solidFill>
+                  <a:srgbClr val="008000"/>
+                </a:solidFill>
+                <a:latin typeface="Consolas" panose="020B0609020204030204" pitchFamily="49" charset="0"/>
+              </a:rPr>
+              <a:t>return </a:t>
+            </a:r>
+            <a:r>
+              <a:rPr lang="fr-FR" b="1" dirty="0" err="1">
+                <a:solidFill>
+                  <a:srgbClr val="008000"/>
+                </a:solidFill>
+                <a:latin typeface="Consolas" panose="020B0609020204030204" pitchFamily="49" charset="0"/>
+              </a:rPr>
+              <a:t>thisIsPrivate</a:t>
+            </a:r>
+            <a:r>
+              <a:rPr lang="fr-FR" b="1" dirty="0">
+                <a:solidFill>
+                  <a:srgbClr val="008000"/>
+                </a:solidFill>
+                <a:latin typeface="Consolas" panose="020B0609020204030204" pitchFamily="49" charset="0"/>
+              </a:rPr>
+              <a:t>;</a:t>
+            </a:r>
+          </a:p>
+          <a:p>
+            <a:r>
+              <a:rPr lang="fr-FR" dirty="0">
+                <a:latin typeface="Consolas" panose="020B0609020204030204" pitchFamily="49" charset="0"/>
+              </a:rPr>
+              <a:t>  }</a:t>
+            </a:r>
+          </a:p>
+          <a:p>
+            <a:r>
+              <a:rPr lang="fr-FR" dirty="0">
+                <a:latin typeface="Consolas" panose="020B0609020204030204" pitchFamily="49" charset="0"/>
+              </a:rPr>
+              <a:t>  </a:t>
+            </a:r>
+          </a:p>
+          <a:p>
+            <a:r>
+              <a:rPr lang="fr-FR" dirty="0">
+                <a:latin typeface="Consolas" panose="020B0609020204030204" pitchFamily="49" charset="0"/>
+              </a:rPr>
+              <a:t>  </a:t>
+            </a:r>
+            <a:r>
+              <a:rPr lang="fr-FR" b="1" dirty="0">
+                <a:solidFill>
+                  <a:srgbClr val="008000"/>
+                </a:solidFill>
+                <a:latin typeface="Consolas" panose="020B0609020204030204" pitchFamily="49" charset="0"/>
+              </a:rPr>
+              <a:t>return {</a:t>
+            </a:r>
+          </a:p>
+          <a:p>
+            <a:r>
+              <a:rPr lang="fr-FR" dirty="0">
+                <a:latin typeface="Consolas" panose="020B0609020204030204" pitchFamily="49" charset="0"/>
+              </a:rPr>
+              <a:t>    variable</a:t>
+            </a:r>
+            <a:r>
+              <a:rPr lang="fr-FR" dirty="0">
+                <a:solidFill>
+                  <a:srgbClr val="666666"/>
+                </a:solidFill>
+                <a:latin typeface="Consolas" panose="020B0609020204030204" pitchFamily="49" charset="0"/>
+              </a:rPr>
+              <a:t>: </a:t>
+            </a:r>
+            <a:r>
+              <a:rPr lang="fr-FR" dirty="0">
+                <a:solidFill>
+                  <a:srgbClr val="BA2121"/>
+                </a:solidFill>
+                <a:latin typeface="Consolas" panose="020B0609020204030204" pitchFamily="49" charset="0"/>
+              </a:rPr>
+              <a:t>"This </a:t>
+            </a:r>
+            <a:r>
+              <a:rPr lang="fr-FR" dirty="0" err="1">
+                <a:solidFill>
+                  <a:srgbClr val="BA2121"/>
+                </a:solidFill>
+                <a:latin typeface="Consolas" panose="020B0609020204030204" pitchFamily="49" charset="0"/>
+              </a:rPr>
+              <a:t>is</a:t>
+            </a:r>
+            <a:r>
+              <a:rPr lang="fr-FR" dirty="0">
+                <a:solidFill>
+                  <a:srgbClr val="BA2121"/>
+                </a:solidFill>
+                <a:latin typeface="Consolas" panose="020B0609020204030204" pitchFamily="49" charset="0"/>
+              </a:rPr>
+              <a:t> public",</a:t>
+            </a:r>
+          </a:p>
+          <a:p>
+            <a:r>
+              <a:rPr lang="fr-FR" dirty="0">
+                <a:latin typeface="Consolas" panose="020B0609020204030204" pitchFamily="49" charset="0"/>
+              </a:rPr>
+              <a:t>    </a:t>
+            </a:r>
+            <a:r>
+              <a:rPr lang="fr-FR" dirty="0" err="1">
+                <a:latin typeface="Consolas" panose="020B0609020204030204" pitchFamily="49" charset="0"/>
+              </a:rPr>
+              <a:t>getPrivate</a:t>
+            </a:r>
+            <a:r>
+              <a:rPr lang="fr-FR" dirty="0">
+                <a:solidFill>
+                  <a:srgbClr val="666666"/>
+                </a:solidFill>
+                <a:latin typeface="Consolas" panose="020B0609020204030204" pitchFamily="49" charset="0"/>
+              </a:rPr>
+              <a:t>: </a:t>
+            </a:r>
+            <a:r>
+              <a:rPr lang="fr-FR" dirty="0" err="1">
+                <a:solidFill>
+                  <a:srgbClr val="666666"/>
+                </a:solidFill>
+                <a:latin typeface="Consolas" panose="020B0609020204030204" pitchFamily="49" charset="0"/>
+              </a:rPr>
+              <a:t>getPrivate</a:t>
+            </a:r>
+            <a:endParaRPr lang="fr-FR" dirty="0">
+              <a:solidFill>
+                <a:srgbClr val="666666"/>
+              </a:solidFill>
+              <a:latin typeface="Consolas" panose="020B0609020204030204" pitchFamily="49" charset="0"/>
+            </a:endParaRPr>
+          </a:p>
+          <a:p>
+            <a:r>
+              <a:rPr lang="fr-FR" dirty="0">
+                <a:latin typeface="Consolas" panose="020B0609020204030204" pitchFamily="49" charset="0"/>
+              </a:rPr>
+              <a:t>  };</a:t>
+            </a:r>
+          </a:p>
+          <a:p>
+            <a:r>
+              <a:rPr lang="fr-FR" dirty="0">
+                <a:latin typeface="Consolas" panose="020B0609020204030204" pitchFamily="49" charset="0"/>
+              </a:rPr>
+              <a:t>});</a:t>
+            </a:r>
+          </a:p>
+        </p:txBody>
+      </p:sp>
     </p:spTree>
+    <p:extLst>
+      <p:ext uri="{BB962C8B-B14F-4D97-AF65-F5344CB8AC3E}">
+        <p14:creationId xmlns:p14="http://schemas.microsoft.com/office/powerpoint/2010/main" val="1833187042"/>
+      </p:ext>
+    </p:extLst>
   </p:cSld>
   <p:clrMapOvr>
     <a:masterClrMapping/>
   </p:clrMapOvr>
+  <p:timing>
+    <p:tnLst>
+      <p:par>
+        <p:cTn id="1" dur="indefinite" restart="never" nodeType="tmRoot"/>
+      </p:par>
+    </p:tnLst>
+  </p:timing>
 </p:sld>
 </file>
 
@@ -11150,15 +11560,94 @@
             <p:ph idx="1"/>
           </p:nvPr>
         </p:nvSpPr>
-        <p:spPr bwMode="gray"/>
-        <p:txBody>
-          <a:bodyPr/>
-          <a:lstStyle/>
-          <a:p>
+        <p:spPr bwMode="gray">
+          <a:xfrm>
+            <a:off x="515938" y="1484312"/>
+            <a:ext cx="8088511" cy="4425169"/>
+          </a:xfrm>
+        </p:spPr>
+        <p:txBody>
+          <a:bodyPr/>
+          <a:lstStyle/>
+          <a:p>
+            <a:r>
+              <a:rPr lang="en-US" dirty="0" smtClean="0"/>
+              <a:t>We </a:t>
+            </a:r>
             <a:r>
               <a:rPr lang="en-US" dirty="0"/>
-              <a:t>The constant function is different, and does not call the provider function. </a:t>
-            </a:r>
+              <a:t>must </a:t>
+            </a:r>
+            <a:r>
+              <a:rPr lang="en-US" dirty="0" smtClean="0"/>
+              <a:t>provide a </a:t>
+            </a:r>
+            <a:r>
+              <a:rPr lang="en-US" b="1" dirty="0"/>
+              <a:t>constructor function </a:t>
+            </a:r>
+            <a:r>
+              <a:rPr lang="en-US" dirty="0" smtClean="0"/>
+              <a:t>that will be called with </a:t>
+            </a:r>
+            <a:r>
+              <a:rPr lang="en-US" b="1" dirty="0" smtClean="0"/>
+              <a:t>new</a:t>
+            </a:r>
+            <a:endParaRPr lang="en-US" dirty="0" smtClean="0"/>
+          </a:p>
+          <a:p>
+            <a:r>
+              <a:rPr lang="en-US" dirty="0"/>
+              <a:t>We can inject everything but </a:t>
+            </a:r>
+            <a:r>
+              <a:rPr lang="en-US" dirty="0" smtClean="0"/>
+              <a:t>providers</a:t>
+            </a:r>
+            <a:endParaRPr lang="en-US" dirty="0"/>
+          </a:p>
+          <a:p>
+            <a:r>
+              <a:rPr lang="en-US" dirty="0"/>
+              <a:t>We can inject it everywhere except on the provider constructor and </a:t>
+            </a:r>
+            <a:r>
+              <a:rPr lang="en-US" dirty="0" err="1"/>
+              <a:t>config</a:t>
+            </a:r>
+            <a:r>
+              <a:rPr lang="en-US" dirty="0"/>
+              <a:t> functions.</a:t>
+            </a:r>
+            <a:endParaRPr lang="en-US" dirty="0" smtClean="0"/>
+          </a:p>
+          <a:p>
+            <a:endParaRPr lang="en-US" dirty="0"/>
+          </a:p>
+          <a:p>
+            <a:endParaRPr lang="en-US" dirty="0" smtClean="0"/>
+          </a:p>
+          <a:p>
+            <a:endParaRPr lang="en-US" dirty="0"/>
+          </a:p>
+          <a:p>
+            <a:endParaRPr lang="en-US" dirty="0" smtClean="0"/>
+          </a:p>
+          <a:p>
+            <a:endParaRPr lang="en-US" dirty="0" smtClean="0"/>
+          </a:p>
+          <a:p>
+            <a:endParaRPr lang="en-US" dirty="0"/>
+          </a:p>
+          <a:p>
+            <a:endParaRPr lang="en-US" dirty="0"/>
+          </a:p>
+          <a:p>
+            <a:pPr marL="0" indent="0">
+              <a:buNone/>
+            </a:pPr>
+            <a:endParaRPr lang="en-US" dirty="0"/>
           </a:p>
         </p:txBody>
       </p:sp>
@@ -11183,12 +11672,8 @@
           <a:lstStyle/>
           <a:p>
             <a:r>
-              <a:rPr lang="fr-FR" cap="none" dirty="0"/>
-              <a:t>CONSTANT </a:t>
-            </a:r>
-            <a:r>
-              <a:rPr lang="fr-FR" cap="none" dirty="0" err="1"/>
-              <a:t>Syntax</a:t>
+              <a:rPr lang="fr-FR" cap="none" dirty="0" smtClean="0"/>
+              <a:t>Service</a:t>
             </a:r>
             <a:endParaRPr lang="en-GB" cap="none" dirty="0"/>
           </a:p>
@@ -11233,6 +11718,10 @@
           <a:bodyPr/>
           <a:lstStyle/>
           <a:p>
+            <a:r>
+              <a:rPr lang="en-GB" cap="none" dirty="0" smtClean="0"/>
+              <a:t>“The classic”</a:t>
+            </a:r>
             <a:endParaRPr lang="en-GB" cap="none" dirty="0"/>
           </a:p>
         </p:txBody>
@@ -11256,99 +11745,347 @@
           </a:p>
         </p:txBody>
       </p:sp>
-      <p:pic>
-        <p:nvPicPr>
-          <p:cNvPr id="10242" name="Picture 2"/>
-          <p:cNvPicPr>
-            <a:picLocks noChangeAspect="1" noChangeArrowheads="1"/>
-          </p:cNvPicPr>
+      <p:sp>
+        <p:nvSpPr>
+          <p:cNvPr id="26" name="ZoneTexte 25"/>
+          <p:cNvSpPr txBox="1"/>
           <p:nvPr/>
-        </p:nvPicPr>
-        <p:blipFill>
-          <a:blip r:embed="rId3"/>
-          <a:srcRect/>
-          <a:stretch>
-            <a:fillRect/>
-          </a:stretch>
-        </p:blipFill>
-        <p:spPr bwMode="auto">
+        </p:nvSpPr>
+        <p:spPr>
           <a:xfrm>
-            <a:off x="1539505" y="1963478"/>
-            <a:ext cx="6105303" cy="3488745"/>
+            <a:off x="1978013" y="3312745"/>
+            <a:ext cx="7506269" cy="2062103"/>
           </a:xfrm>
           <a:prstGeom prst="rect">
             <a:avLst/>
           </a:prstGeom>
           <a:noFill/>
-          <a:ln w="9525">
-            <a:noFill/>
-            <a:miter lim="800000"/>
-            <a:headEnd/>
-            <a:tailEnd/>
-          </a:ln>
-          <a:effectLst/>
         </p:spPr>
-      </p:pic>
-      <p:sp>
-        <p:nvSpPr>
-          <p:cNvPr id="9" name="Rectangle 8"/>
-          <p:cNvSpPr/>
-          <p:nvPr/>
-        </p:nvSpPr>
-        <p:spPr>
-          <a:xfrm>
-            <a:off x="1190847" y="2456121"/>
-            <a:ext cx="6390167" cy="967563"/>
-          </a:xfrm>
-          <a:prstGeom prst="rect">
-            <a:avLst/>
-          </a:prstGeom>
-          <a:solidFill>
-            <a:schemeClr val="bg1">
-              <a:alpha val="0"/>
-            </a:schemeClr>
-          </a:solidFill>
-          <a:ln>
-            <a:solidFill>
-              <a:srgbClr val="00B050"/>
-            </a:solidFill>
-          </a:ln>
-        </p:spPr>
-        <p:style>
-          <a:lnRef idx="2">
-            <a:schemeClr val="accent1">
-              <a:shade val="50000"/>
-            </a:schemeClr>
-          </a:lnRef>
-          <a:fillRef idx="1">
-            <a:schemeClr val="accent1"/>
-          </a:fillRef>
-          <a:effectRef idx="0">
-            <a:schemeClr val="accent1"/>
-          </a:effectRef>
-          <a:fontRef idx="minor">
-            <a:schemeClr val="lt1"/>
-          </a:fontRef>
-        </p:style>
-        <p:txBody>
-          <a:bodyPr rtlCol="0" anchor="ctr"/>
-          <a:lstStyle/>
-          <a:p>
-            <a:pPr algn="ctr"/>
-            <a:endParaRPr lang="en-GB" dirty="0"/>
+        <p:txBody>
+          <a:bodyPr wrap="square" rtlCol="0">
+            <a:spAutoFit/>
+          </a:bodyPr>
+          <a:lstStyle/>
+          <a:p>
+            <a:r>
+              <a:rPr lang="fr-FR" sz="1600" dirty="0" err="1">
+                <a:latin typeface="Consolas" panose="020B0609020204030204" pitchFamily="49" charset="0"/>
+              </a:rPr>
+              <a:t>app.service</a:t>
+            </a:r>
+            <a:r>
+              <a:rPr lang="fr-FR" sz="1600" dirty="0">
+                <a:latin typeface="Consolas" panose="020B0609020204030204" pitchFamily="49" charset="0"/>
+              </a:rPr>
+              <a:t>(</a:t>
+            </a:r>
+            <a:r>
+              <a:rPr lang="fr-FR" sz="1600" dirty="0">
+                <a:solidFill>
+                  <a:srgbClr val="BA2121"/>
+                </a:solidFill>
+                <a:latin typeface="Consolas" panose="020B0609020204030204" pitchFamily="49" charset="0"/>
+              </a:rPr>
+              <a:t>'</a:t>
+            </a:r>
+            <a:r>
+              <a:rPr lang="fr-FR" sz="1600" dirty="0" err="1">
+                <a:solidFill>
+                  <a:srgbClr val="BA2121"/>
+                </a:solidFill>
+                <a:latin typeface="Consolas" panose="020B0609020204030204" pitchFamily="49" charset="0"/>
+              </a:rPr>
+              <a:t>foo</a:t>
+            </a:r>
+            <a:r>
+              <a:rPr lang="fr-FR" sz="1600" dirty="0">
+                <a:solidFill>
+                  <a:srgbClr val="BA2121"/>
+                </a:solidFill>
+                <a:latin typeface="Consolas" panose="020B0609020204030204" pitchFamily="49" charset="0"/>
+              </a:rPr>
+              <a:t>', </a:t>
+            </a:r>
+            <a:r>
+              <a:rPr lang="fr-FR" sz="1600" b="1" dirty="0" err="1">
+                <a:solidFill>
+                  <a:srgbClr val="008000"/>
+                </a:solidFill>
+                <a:latin typeface="Consolas" panose="020B0609020204030204" pitchFamily="49" charset="0"/>
+              </a:rPr>
+              <a:t>function</a:t>
+            </a:r>
+            <a:r>
+              <a:rPr lang="fr-FR" sz="1600" b="1" dirty="0">
+                <a:solidFill>
+                  <a:srgbClr val="008000"/>
+                </a:solidFill>
+                <a:latin typeface="Consolas" panose="020B0609020204030204" pitchFamily="49" charset="0"/>
+              </a:rPr>
+              <a:t>() {</a:t>
+            </a:r>
+          </a:p>
+          <a:p>
+            <a:r>
+              <a:rPr lang="fr-FR" sz="1600" dirty="0">
+                <a:latin typeface="Consolas" panose="020B0609020204030204" pitchFamily="49" charset="0"/>
+              </a:rPr>
+              <a:t>  </a:t>
+            </a:r>
+            <a:r>
+              <a:rPr lang="fr-FR" sz="1600" b="1" dirty="0">
+                <a:solidFill>
+                  <a:srgbClr val="008000"/>
+                </a:solidFill>
+                <a:latin typeface="Consolas" panose="020B0609020204030204" pitchFamily="49" charset="0"/>
+              </a:rPr>
+              <a:t>var </a:t>
+            </a:r>
+            <a:r>
+              <a:rPr lang="fr-FR" sz="1600" b="1" dirty="0" err="1">
+                <a:solidFill>
+                  <a:srgbClr val="008000"/>
+                </a:solidFill>
+                <a:latin typeface="Consolas" panose="020B0609020204030204" pitchFamily="49" charset="0"/>
+              </a:rPr>
+              <a:t>thisIsPrivate</a:t>
+            </a:r>
+            <a:r>
+              <a:rPr lang="fr-FR" sz="1600" b="1" dirty="0">
+                <a:solidFill>
+                  <a:srgbClr val="008000"/>
+                </a:solidFill>
+                <a:latin typeface="Consolas" panose="020B0609020204030204" pitchFamily="49" charset="0"/>
+              </a:rPr>
+              <a:t> </a:t>
+            </a:r>
+            <a:r>
+              <a:rPr lang="fr-FR" sz="1600" b="1" dirty="0">
+                <a:solidFill>
+                  <a:srgbClr val="666666"/>
+                </a:solidFill>
+                <a:latin typeface="Consolas" panose="020B0609020204030204" pitchFamily="49" charset="0"/>
+              </a:rPr>
+              <a:t>= </a:t>
+            </a:r>
+            <a:r>
+              <a:rPr lang="fr-FR" sz="1600" b="1" dirty="0">
+                <a:solidFill>
+                  <a:srgbClr val="BA2121"/>
+                </a:solidFill>
+                <a:latin typeface="Consolas" panose="020B0609020204030204" pitchFamily="49" charset="0"/>
+              </a:rPr>
+              <a:t>"</a:t>
+            </a:r>
+            <a:r>
+              <a:rPr lang="fr-FR" sz="1600" b="1" dirty="0" err="1">
+                <a:solidFill>
+                  <a:srgbClr val="BA2121"/>
+                </a:solidFill>
+                <a:latin typeface="Consolas" panose="020B0609020204030204" pitchFamily="49" charset="0"/>
+              </a:rPr>
+              <a:t>Private</a:t>
+            </a:r>
+            <a:r>
+              <a:rPr lang="fr-FR" sz="1600" b="1" dirty="0">
+                <a:solidFill>
+                  <a:srgbClr val="BA2121"/>
+                </a:solidFill>
+                <a:latin typeface="Consolas" panose="020B0609020204030204" pitchFamily="49" charset="0"/>
+              </a:rPr>
+              <a:t>";</a:t>
+            </a:r>
+          </a:p>
+          <a:p>
+            <a:r>
+              <a:rPr lang="fr-FR" sz="1600" dirty="0">
+                <a:latin typeface="Consolas" panose="020B0609020204030204" pitchFamily="49" charset="0"/>
+              </a:rPr>
+              <a:t>  </a:t>
+            </a:r>
+            <a:r>
+              <a:rPr lang="fr-FR" sz="1600" b="1" dirty="0" err="1">
+                <a:solidFill>
+                  <a:srgbClr val="008000"/>
+                </a:solidFill>
+                <a:latin typeface="Consolas" panose="020B0609020204030204" pitchFamily="49" charset="0"/>
+              </a:rPr>
+              <a:t>this.variable</a:t>
+            </a:r>
+            <a:r>
+              <a:rPr lang="fr-FR" sz="1600" b="1" dirty="0">
+                <a:solidFill>
+                  <a:srgbClr val="008000"/>
+                </a:solidFill>
+                <a:latin typeface="Consolas" panose="020B0609020204030204" pitchFamily="49" charset="0"/>
+              </a:rPr>
+              <a:t> </a:t>
+            </a:r>
+            <a:r>
+              <a:rPr lang="fr-FR" sz="1600" b="1" dirty="0">
+                <a:solidFill>
+                  <a:srgbClr val="666666"/>
+                </a:solidFill>
+                <a:latin typeface="Consolas" panose="020B0609020204030204" pitchFamily="49" charset="0"/>
+              </a:rPr>
+              <a:t>= </a:t>
+            </a:r>
+            <a:r>
+              <a:rPr lang="fr-FR" sz="1600" b="1" dirty="0">
+                <a:solidFill>
+                  <a:srgbClr val="BA2121"/>
+                </a:solidFill>
+                <a:latin typeface="Consolas" panose="020B0609020204030204" pitchFamily="49" charset="0"/>
+              </a:rPr>
+              <a:t>"This </a:t>
+            </a:r>
+            <a:r>
+              <a:rPr lang="fr-FR" sz="1600" b="1" dirty="0" err="1">
+                <a:solidFill>
+                  <a:srgbClr val="BA2121"/>
+                </a:solidFill>
+                <a:latin typeface="Consolas" panose="020B0609020204030204" pitchFamily="49" charset="0"/>
+              </a:rPr>
+              <a:t>is</a:t>
+            </a:r>
+            <a:r>
+              <a:rPr lang="fr-FR" sz="1600" b="1" dirty="0">
+                <a:solidFill>
+                  <a:srgbClr val="BA2121"/>
+                </a:solidFill>
+                <a:latin typeface="Consolas" panose="020B0609020204030204" pitchFamily="49" charset="0"/>
+              </a:rPr>
+              <a:t> public";</a:t>
+            </a:r>
+          </a:p>
+          <a:p>
+            <a:r>
+              <a:rPr lang="fr-FR" sz="1600" dirty="0">
+                <a:latin typeface="Consolas" panose="020B0609020204030204" pitchFamily="49" charset="0"/>
+              </a:rPr>
+              <a:t>  </a:t>
+            </a:r>
+            <a:r>
+              <a:rPr lang="fr-FR" sz="1600" b="1" dirty="0" err="1">
+                <a:solidFill>
+                  <a:srgbClr val="008000"/>
+                </a:solidFill>
+                <a:latin typeface="Consolas" panose="020B0609020204030204" pitchFamily="49" charset="0"/>
+              </a:rPr>
+              <a:t>this.getPrivate</a:t>
+            </a:r>
+            <a:r>
+              <a:rPr lang="fr-FR" sz="1600" b="1" dirty="0">
+                <a:solidFill>
+                  <a:srgbClr val="008000"/>
+                </a:solidFill>
+                <a:latin typeface="Consolas" panose="020B0609020204030204" pitchFamily="49" charset="0"/>
+              </a:rPr>
+              <a:t> </a:t>
+            </a:r>
+            <a:r>
+              <a:rPr lang="fr-FR" sz="1600" b="1" dirty="0">
+                <a:solidFill>
+                  <a:srgbClr val="666666"/>
+                </a:solidFill>
+                <a:latin typeface="Consolas" panose="020B0609020204030204" pitchFamily="49" charset="0"/>
+              </a:rPr>
+              <a:t>= </a:t>
+            </a:r>
+            <a:r>
+              <a:rPr lang="fr-FR" sz="1600" b="1" dirty="0" err="1">
+                <a:solidFill>
+                  <a:srgbClr val="008000"/>
+                </a:solidFill>
+                <a:latin typeface="Consolas" panose="020B0609020204030204" pitchFamily="49" charset="0"/>
+              </a:rPr>
+              <a:t>function</a:t>
+            </a:r>
+            <a:r>
+              <a:rPr lang="fr-FR" sz="1600" b="1" dirty="0">
+                <a:solidFill>
+                  <a:srgbClr val="008000"/>
+                </a:solidFill>
+                <a:latin typeface="Consolas" panose="020B0609020204030204" pitchFamily="49" charset="0"/>
+              </a:rPr>
+              <a:t>() {</a:t>
+            </a:r>
+          </a:p>
+          <a:p>
+            <a:r>
+              <a:rPr lang="fr-FR" sz="1600" dirty="0">
+                <a:latin typeface="Consolas" panose="020B0609020204030204" pitchFamily="49" charset="0"/>
+              </a:rPr>
+              <a:t>    </a:t>
+            </a:r>
+            <a:r>
+              <a:rPr lang="fr-FR" sz="1600" b="1" dirty="0">
+                <a:solidFill>
+                  <a:srgbClr val="008000"/>
+                </a:solidFill>
+                <a:latin typeface="Consolas" panose="020B0609020204030204" pitchFamily="49" charset="0"/>
+              </a:rPr>
+              <a:t>return </a:t>
+            </a:r>
+            <a:r>
+              <a:rPr lang="fr-FR" sz="1600" b="1" dirty="0" err="1">
+                <a:solidFill>
+                  <a:srgbClr val="008000"/>
+                </a:solidFill>
+                <a:latin typeface="Consolas" panose="020B0609020204030204" pitchFamily="49" charset="0"/>
+              </a:rPr>
+              <a:t>thisIsPrivate</a:t>
+            </a:r>
+            <a:r>
+              <a:rPr lang="fr-FR" sz="1600" b="1" dirty="0">
+                <a:solidFill>
+                  <a:srgbClr val="008000"/>
+                </a:solidFill>
+                <a:latin typeface="Consolas" panose="020B0609020204030204" pitchFamily="49" charset="0"/>
+              </a:rPr>
+              <a:t>;</a:t>
+            </a:r>
+          </a:p>
+          <a:p>
+            <a:r>
+              <a:rPr lang="fr-FR" sz="1600" dirty="0">
+                <a:latin typeface="Consolas" panose="020B0609020204030204" pitchFamily="49" charset="0"/>
+              </a:rPr>
+              <a:t>  };</a:t>
+            </a:r>
+          </a:p>
+          <a:p>
+            <a:r>
+              <a:rPr lang="fr-FR" sz="1600" dirty="0">
+                <a:latin typeface="Consolas" panose="020B0609020204030204" pitchFamily="49" charset="0"/>
+              </a:rPr>
+              <a:t>});</a:t>
+            </a:r>
+          </a:p>
+          <a:p>
+            <a:endParaRPr lang="fr-FR" sz="1600" dirty="0">
+              <a:latin typeface="Consolas" panose="020B0609020204030204" pitchFamily="49" charset="0"/>
+            </a:endParaRPr>
           </a:p>
         </p:txBody>
       </p:sp>
     </p:spTree>
     <p:extLst>
       <p:ext uri="{BB962C8B-B14F-4D97-AF65-F5344CB8AC3E}">
-        <p14:creationId xmlns:p14="http://schemas.microsoft.com/office/powerpoint/2010/main" val="2526031973"/>
+        <p14:creationId xmlns:p14="http://schemas.microsoft.com/office/powerpoint/2010/main" val="3272003389"/>
       </p:ext>
     </p:extLst>
   </p:cSld>
   <p:clrMapOvr>
     <a:masterClrMapping/>
   </p:clrMapOvr>
+  <p:timing>
+    <p:tnLst>
+      <p:par>
+        <p:cTn id="1" dur="indefinite" restart="never" nodeType="tmRoot"/>
+      </p:par>
+    </p:tnLst>
+  </p:timing>
 </p:sld>
 </file>
 
@@ -11371,66 +12108,29 @@
       </p:grpSpPr>
       <p:sp>
         <p:nvSpPr>
-          <p:cNvPr id="2" name="Espace réservé du contenu 1"/>
-          <p:cNvSpPr>
-            <a:spLocks noGrp="1"/>
-          </p:cNvSpPr>
-          <p:nvPr>
-            <p:ph idx="1"/>
-          </p:nvPr>
-        </p:nvSpPr>
-        <p:spPr>
+          <p:cNvPr id="3" name="Titre 2"/>
+          <p:cNvSpPr>
+            <a:spLocks noGrp="1"/>
+          </p:cNvSpPr>
+          <p:nvPr>
+            <p:ph type="title"/>
+          </p:nvPr>
+        </p:nvSpPr>
+        <p:spPr bwMode="gray">
           <a:xfrm>
-            <a:off x="515938" y="5624623"/>
-            <a:ext cx="8088511" cy="541226"/>
+            <a:off x="544439" y="260648"/>
+            <a:ext cx="8045374" cy="332546"/>
           </a:xfrm>
         </p:spPr>
         <p:txBody>
           <a:bodyPr/>
           <a:lstStyle/>
           <a:p>
-            <a:endParaRPr lang="en-GB" dirty="0"/>
-          </a:p>
-        </p:txBody>
-      </p:sp>
-      <p:sp>
-        <p:nvSpPr>
-          <p:cNvPr id="3" name="Titre 2"/>
-          <p:cNvSpPr>
-            <a:spLocks noGrp="1"/>
-          </p:cNvSpPr>
-          <p:nvPr>
-            <p:ph type="title"/>
-          </p:nvPr>
-        </p:nvSpPr>
-        <p:spPr/>
-        <p:txBody>
-          <a:bodyPr/>
-          <a:lstStyle/>
-          <a:p>
-            <a:r>
-              <a:rPr lang="en-GB" dirty="0"/>
-              <a:t>Summary of Possible injections</a:t>
-            </a:r>
-          </a:p>
-        </p:txBody>
-      </p:sp>
-      <p:sp>
-        <p:nvSpPr>
-          <p:cNvPr id="4" name="Espace réservé du pied de page 3"/>
-          <p:cNvSpPr>
-            <a:spLocks noGrp="1"/>
-          </p:cNvSpPr>
-          <p:nvPr>
-            <p:ph type="ftr" sz="quarter" idx="11"/>
-          </p:nvPr>
-        </p:nvSpPr>
-        <p:spPr/>
-        <p:txBody>
-          <a:bodyPr/>
-          <a:lstStyle/>
-          <a:p>
-            <a:endParaRPr lang="fr-FR" dirty="0"/>
+            <a:r>
+              <a:rPr lang="fr-FR" cap="none" dirty="0" err="1" smtClean="0"/>
+              <a:t>Factory</a:t>
+            </a:r>
+            <a:endParaRPr lang="en-GB" cap="none" dirty="0"/>
           </a:p>
         </p:txBody>
       </p:sp>
@@ -11444,7 +12144,7 @@
             <p:ph type="sldNum" sz="quarter" idx="12"/>
           </p:nvPr>
         </p:nvSpPr>
-        <p:spPr/>
+        <p:spPr bwMode="gray"/>
         <p:txBody>
           <a:bodyPr/>
           <a:lstStyle/>
@@ -11453,6 +12153,2042 @@
               <a:rPr lang="fr-FR" smtClean="0"/>
               <a:pPr/>
               <a:t>12</a:t>
+            </a:fld>
+            <a:endParaRPr lang="fr-FR" dirty="0"/>
+          </a:p>
+        </p:txBody>
+      </p:sp>
+      <p:sp>
+        <p:nvSpPr>
+          <p:cNvPr id="10" name="Espace réservé du texte 9"/>
+          <p:cNvSpPr>
+            <a:spLocks noGrp="1"/>
+          </p:cNvSpPr>
+          <p:nvPr>
+            <p:ph type="body" sz="quarter" idx="13"/>
+          </p:nvPr>
+        </p:nvSpPr>
+        <p:spPr bwMode="gray"/>
+        <p:txBody>
+          <a:bodyPr/>
+          <a:lstStyle/>
+          <a:p>
+            <a:r>
+              <a:rPr lang="en-GB" cap="none" dirty="0" smtClean="0"/>
+              <a:t>Full example</a:t>
+            </a:r>
+            <a:endParaRPr lang="en-GB" cap="none" dirty="0"/>
+          </a:p>
+        </p:txBody>
+      </p:sp>
+      <p:sp>
+        <p:nvSpPr>
+          <p:cNvPr id="6" name="Espace réservé du pied de page 5"/>
+          <p:cNvSpPr>
+            <a:spLocks noGrp="1"/>
+          </p:cNvSpPr>
+          <p:nvPr>
+            <p:ph type="ftr" sz="quarter" idx="11"/>
+          </p:nvPr>
+        </p:nvSpPr>
+        <p:spPr/>
+        <p:txBody>
+          <a:bodyPr/>
+          <a:lstStyle/>
+          <a:p>
+            <a:endParaRPr lang="fr-FR" dirty="0"/>
+          </a:p>
+        </p:txBody>
+      </p:sp>
+      <p:sp>
+        <p:nvSpPr>
+          <p:cNvPr id="12" name="ZoneTexte 11"/>
+          <p:cNvSpPr txBox="1"/>
+          <p:nvPr/>
+        </p:nvSpPr>
+        <p:spPr>
+          <a:xfrm>
+            <a:off x="697876" y="1185921"/>
+            <a:ext cx="7506269" cy="3693319"/>
+          </a:xfrm>
+          <a:prstGeom prst="rect">
+            <a:avLst/>
+          </a:prstGeom>
+          <a:noFill/>
+        </p:spPr>
+        <p:txBody>
+          <a:bodyPr wrap="square" rtlCol="0">
+            <a:spAutoFit/>
+          </a:bodyPr>
+          <a:lstStyle/>
+          <a:p>
+            <a:r>
+              <a:rPr lang="fr-FR" dirty="0" err="1">
+                <a:latin typeface="Consolas" panose="020B0609020204030204" pitchFamily="49" charset="0"/>
+              </a:rPr>
+              <a:t>app</a:t>
+            </a:r>
+            <a:r>
+              <a:rPr lang="fr-FR" dirty="0">
+                <a:latin typeface="Consolas" panose="020B0609020204030204" pitchFamily="49" charset="0"/>
+              </a:rPr>
+              <a:t> </a:t>
+            </a:r>
+            <a:r>
+              <a:rPr lang="fr-FR" dirty="0">
+                <a:solidFill>
+                  <a:srgbClr val="666666"/>
+                </a:solidFill>
+                <a:latin typeface="Consolas" panose="020B0609020204030204" pitchFamily="49" charset="0"/>
+              </a:rPr>
+              <a:t>= </a:t>
+            </a:r>
+            <a:r>
+              <a:rPr lang="fr-FR" dirty="0" err="1">
+                <a:solidFill>
+                  <a:srgbClr val="666666"/>
+                </a:solidFill>
+                <a:latin typeface="Consolas" panose="020B0609020204030204" pitchFamily="49" charset="0"/>
+              </a:rPr>
+              <a:t>angular.module</a:t>
+            </a:r>
+            <a:r>
+              <a:rPr lang="fr-FR" dirty="0">
+                <a:solidFill>
+                  <a:srgbClr val="666666"/>
+                </a:solidFill>
+                <a:latin typeface="Consolas" panose="020B0609020204030204" pitchFamily="49" charset="0"/>
+              </a:rPr>
+              <a:t>(</a:t>
+            </a:r>
+            <a:r>
+              <a:rPr lang="fr-FR" dirty="0">
+                <a:solidFill>
+                  <a:srgbClr val="BA2121"/>
+                </a:solidFill>
+                <a:latin typeface="Consolas" panose="020B0609020204030204" pitchFamily="49" charset="0"/>
+              </a:rPr>
+              <a:t>"</a:t>
+            </a:r>
+            <a:r>
+              <a:rPr lang="fr-FR" dirty="0" err="1">
+                <a:solidFill>
+                  <a:srgbClr val="BA2121"/>
+                </a:solidFill>
+                <a:latin typeface="Consolas" panose="020B0609020204030204" pitchFamily="49" charset="0"/>
+              </a:rPr>
+              <a:t>app</a:t>
+            </a:r>
+            <a:r>
+              <a:rPr lang="fr-FR" dirty="0">
+                <a:solidFill>
+                  <a:srgbClr val="BA2121"/>
+                </a:solidFill>
+                <a:latin typeface="Consolas" panose="020B0609020204030204" pitchFamily="49" charset="0"/>
+              </a:rPr>
+              <a:t>", []);</a:t>
+            </a:r>
+          </a:p>
+          <a:p>
+            <a:endParaRPr lang="fr-FR" dirty="0">
+              <a:latin typeface="Consolas" panose="020B0609020204030204" pitchFamily="49" charset="0"/>
+            </a:endParaRPr>
+          </a:p>
+          <a:p>
+            <a:r>
+              <a:rPr lang="fr-FR" dirty="0" err="1">
+                <a:latin typeface="Consolas" panose="020B0609020204030204" pitchFamily="49" charset="0"/>
+              </a:rPr>
+              <a:t>app.controller</a:t>
+            </a:r>
+            <a:r>
+              <a:rPr lang="fr-FR" dirty="0">
+                <a:latin typeface="Consolas" panose="020B0609020204030204" pitchFamily="49" charset="0"/>
+              </a:rPr>
+              <a:t>(</a:t>
+            </a:r>
+            <a:r>
+              <a:rPr lang="fr-FR" dirty="0">
+                <a:solidFill>
+                  <a:srgbClr val="BA2121"/>
+                </a:solidFill>
+                <a:latin typeface="Consolas" panose="020B0609020204030204" pitchFamily="49" charset="0"/>
+              </a:rPr>
+              <a:t>'</a:t>
+            </a:r>
+            <a:r>
+              <a:rPr lang="fr-FR" dirty="0" err="1">
+                <a:solidFill>
+                  <a:srgbClr val="BA2121"/>
+                </a:solidFill>
+                <a:latin typeface="Consolas" panose="020B0609020204030204" pitchFamily="49" charset="0"/>
+              </a:rPr>
+              <a:t>MainCtrl</a:t>
+            </a:r>
+            <a:r>
+              <a:rPr lang="fr-FR" dirty="0">
+                <a:solidFill>
+                  <a:srgbClr val="BA2121"/>
+                </a:solidFill>
+                <a:latin typeface="Consolas" panose="020B0609020204030204" pitchFamily="49" charset="0"/>
+              </a:rPr>
+              <a:t>', </a:t>
+            </a:r>
+            <a:r>
+              <a:rPr lang="fr-FR" b="1" dirty="0" err="1">
+                <a:solidFill>
+                  <a:srgbClr val="008000"/>
+                </a:solidFill>
+                <a:latin typeface="Consolas" panose="020B0609020204030204" pitchFamily="49" charset="0"/>
+              </a:rPr>
+              <a:t>function</a:t>
+            </a:r>
+            <a:r>
+              <a:rPr lang="fr-FR" b="1" dirty="0">
+                <a:solidFill>
+                  <a:srgbClr val="008000"/>
+                </a:solidFill>
+                <a:latin typeface="Consolas" panose="020B0609020204030204" pitchFamily="49" charset="0"/>
+              </a:rPr>
+              <a:t>($scope, </a:t>
+            </a:r>
+            <a:r>
+              <a:rPr lang="fr-FR" b="1" dirty="0" err="1">
+                <a:solidFill>
+                  <a:srgbClr val="008000"/>
+                </a:solidFill>
+                <a:latin typeface="Consolas" panose="020B0609020204030204" pitchFamily="49" charset="0"/>
+              </a:rPr>
+              <a:t>foo</a:t>
+            </a:r>
+            <a:r>
+              <a:rPr lang="fr-FR" b="1" dirty="0">
+                <a:solidFill>
+                  <a:srgbClr val="008000"/>
+                </a:solidFill>
+                <a:latin typeface="Consolas" panose="020B0609020204030204" pitchFamily="49" charset="0"/>
+              </a:rPr>
+              <a:t>) {</a:t>
+            </a:r>
+          </a:p>
+          <a:p>
+            <a:r>
+              <a:rPr lang="fr-FR" dirty="0">
+                <a:latin typeface="Consolas" panose="020B0609020204030204" pitchFamily="49" charset="0"/>
+              </a:rPr>
+              <a:t>  $</a:t>
+            </a:r>
+            <a:r>
+              <a:rPr lang="fr-FR" dirty="0" err="1">
+                <a:latin typeface="Consolas" panose="020B0609020204030204" pitchFamily="49" charset="0"/>
+              </a:rPr>
+              <a:t>scope.foo</a:t>
+            </a:r>
+            <a:r>
+              <a:rPr lang="fr-FR" dirty="0">
+                <a:latin typeface="Consolas" panose="020B0609020204030204" pitchFamily="49" charset="0"/>
+              </a:rPr>
+              <a:t> </a:t>
+            </a:r>
+            <a:r>
+              <a:rPr lang="fr-FR" dirty="0">
+                <a:solidFill>
+                  <a:srgbClr val="666666"/>
+                </a:solidFill>
+                <a:latin typeface="Consolas" panose="020B0609020204030204" pitchFamily="49" charset="0"/>
+              </a:rPr>
+              <a:t>= </a:t>
+            </a:r>
+            <a:r>
+              <a:rPr lang="fr-FR" dirty="0" err="1">
+                <a:solidFill>
+                  <a:srgbClr val="666666"/>
+                </a:solidFill>
+                <a:latin typeface="Consolas" panose="020B0609020204030204" pitchFamily="49" charset="0"/>
+              </a:rPr>
+              <a:t>foo</a:t>
+            </a:r>
+            <a:r>
+              <a:rPr lang="fr-FR" dirty="0">
+                <a:solidFill>
+                  <a:srgbClr val="666666"/>
+                </a:solidFill>
+                <a:latin typeface="Consolas" panose="020B0609020204030204" pitchFamily="49" charset="0"/>
+              </a:rPr>
+              <a:t>;</a:t>
+            </a:r>
+          </a:p>
+          <a:p>
+            <a:r>
+              <a:rPr lang="fr-FR" dirty="0">
+                <a:latin typeface="Consolas" panose="020B0609020204030204" pitchFamily="49" charset="0"/>
+              </a:rPr>
+              <a:t>});</a:t>
+            </a:r>
+          </a:p>
+          <a:p>
+            <a:endParaRPr lang="fr-FR" dirty="0">
+              <a:latin typeface="Consolas" panose="020B0609020204030204" pitchFamily="49" charset="0"/>
+            </a:endParaRPr>
+          </a:p>
+          <a:p>
+            <a:r>
+              <a:rPr lang="fr-FR" dirty="0" err="1">
+                <a:latin typeface="Consolas" panose="020B0609020204030204" pitchFamily="49" charset="0"/>
+              </a:rPr>
+              <a:t>app.service</a:t>
+            </a:r>
+            <a:r>
+              <a:rPr lang="fr-FR" dirty="0">
+                <a:latin typeface="Consolas" panose="020B0609020204030204" pitchFamily="49" charset="0"/>
+              </a:rPr>
+              <a:t>(</a:t>
+            </a:r>
+            <a:r>
+              <a:rPr lang="fr-FR" dirty="0">
+                <a:solidFill>
+                  <a:srgbClr val="BA2121"/>
+                </a:solidFill>
+                <a:latin typeface="Consolas" panose="020B0609020204030204" pitchFamily="49" charset="0"/>
+              </a:rPr>
+              <a:t>'</a:t>
+            </a:r>
+            <a:r>
+              <a:rPr lang="fr-FR" dirty="0" err="1">
+                <a:solidFill>
+                  <a:srgbClr val="BA2121"/>
+                </a:solidFill>
+                <a:latin typeface="Consolas" panose="020B0609020204030204" pitchFamily="49" charset="0"/>
+              </a:rPr>
+              <a:t>foo</a:t>
+            </a:r>
+            <a:r>
+              <a:rPr lang="fr-FR" dirty="0">
+                <a:solidFill>
+                  <a:srgbClr val="BA2121"/>
+                </a:solidFill>
+                <a:latin typeface="Consolas" panose="020B0609020204030204" pitchFamily="49" charset="0"/>
+              </a:rPr>
+              <a:t>', </a:t>
+            </a:r>
+            <a:r>
+              <a:rPr lang="fr-FR" b="1" dirty="0" err="1">
+                <a:solidFill>
+                  <a:srgbClr val="008000"/>
+                </a:solidFill>
+                <a:latin typeface="Consolas" panose="020B0609020204030204" pitchFamily="49" charset="0"/>
+              </a:rPr>
+              <a:t>function</a:t>
+            </a:r>
+            <a:r>
+              <a:rPr lang="fr-FR" b="1" dirty="0">
+                <a:solidFill>
+                  <a:srgbClr val="008000"/>
+                </a:solidFill>
+                <a:latin typeface="Consolas" panose="020B0609020204030204" pitchFamily="49" charset="0"/>
+              </a:rPr>
+              <a:t>() {</a:t>
+            </a:r>
+          </a:p>
+          <a:p>
+            <a:r>
+              <a:rPr lang="fr-FR" dirty="0">
+                <a:latin typeface="Consolas" panose="020B0609020204030204" pitchFamily="49" charset="0"/>
+              </a:rPr>
+              <a:t>  </a:t>
+            </a:r>
+            <a:r>
+              <a:rPr lang="fr-FR" b="1" dirty="0">
+                <a:solidFill>
+                  <a:srgbClr val="008000"/>
+                </a:solidFill>
+                <a:latin typeface="Consolas" panose="020B0609020204030204" pitchFamily="49" charset="0"/>
+              </a:rPr>
+              <a:t>var </a:t>
+            </a:r>
+            <a:r>
+              <a:rPr lang="fr-FR" b="1" dirty="0" err="1">
+                <a:solidFill>
+                  <a:srgbClr val="008000"/>
+                </a:solidFill>
+                <a:latin typeface="Consolas" panose="020B0609020204030204" pitchFamily="49" charset="0"/>
+              </a:rPr>
+              <a:t>thisIsPrivate</a:t>
+            </a:r>
+            <a:r>
+              <a:rPr lang="fr-FR" b="1" dirty="0">
+                <a:solidFill>
+                  <a:srgbClr val="008000"/>
+                </a:solidFill>
+                <a:latin typeface="Consolas" panose="020B0609020204030204" pitchFamily="49" charset="0"/>
+              </a:rPr>
+              <a:t> </a:t>
+            </a:r>
+            <a:r>
+              <a:rPr lang="fr-FR" b="1" dirty="0">
+                <a:solidFill>
+                  <a:srgbClr val="666666"/>
+                </a:solidFill>
+                <a:latin typeface="Consolas" panose="020B0609020204030204" pitchFamily="49" charset="0"/>
+              </a:rPr>
+              <a:t>= </a:t>
+            </a:r>
+            <a:r>
+              <a:rPr lang="fr-FR" b="1" dirty="0">
+                <a:solidFill>
+                  <a:srgbClr val="BA2121"/>
+                </a:solidFill>
+                <a:latin typeface="Consolas" panose="020B0609020204030204" pitchFamily="49" charset="0"/>
+              </a:rPr>
+              <a:t>"</a:t>
+            </a:r>
+            <a:r>
+              <a:rPr lang="fr-FR" b="1" dirty="0" err="1">
+                <a:solidFill>
+                  <a:srgbClr val="BA2121"/>
+                </a:solidFill>
+                <a:latin typeface="Consolas" panose="020B0609020204030204" pitchFamily="49" charset="0"/>
+              </a:rPr>
+              <a:t>Private</a:t>
+            </a:r>
+            <a:r>
+              <a:rPr lang="fr-FR" b="1" dirty="0">
+                <a:solidFill>
+                  <a:srgbClr val="BA2121"/>
+                </a:solidFill>
+                <a:latin typeface="Consolas" panose="020B0609020204030204" pitchFamily="49" charset="0"/>
+              </a:rPr>
+              <a:t>";</a:t>
+            </a:r>
+          </a:p>
+          <a:p>
+            <a:r>
+              <a:rPr lang="fr-FR" dirty="0">
+                <a:latin typeface="Consolas" panose="020B0609020204030204" pitchFamily="49" charset="0"/>
+              </a:rPr>
+              <a:t>  </a:t>
+            </a:r>
+            <a:r>
+              <a:rPr lang="fr-FR" b="1" dirty="0" err="1">
+                <a:solidFill>
+                  <a:srgbClr val="008000"/>
+                </a:solidFill>
+                <a:latin typeface="Consolas" panose="020B0609020204030204" pitchFamily="49" charset="0"/>
+              </a:rPr>
+              <a:t>this.variable</a:t>
+            </a:r>
+            <a:r>
+              <a:rPr lang="fr-FR" b="1" dirty="0">
+                <a:solidFill>
+                  <a:srgbClr val="008000"/>
+                </a:solidFill>
+                <a:latin typeface="Consolas" panose="020B0609020204030204" pitchFamily="49" charset="0"/>
+              </a:rPr>
+              <a:t> </a:t>
+            </a:r>
+            <a:r>
+              <a:rPr lang="fr-FR" b="1" dirty="0">
+                <a:solidFill>
+                  <a:srgbClr val="666666"/>
+                </a:solidFill>
+                <a:latin typeface="Consolas" panose="020B0609020204030204" pitchFamily="49" charset="0"/>
+              </a:rPr>
+              <a:t>= </a:t>
+            </a:r>
+            <a:r>
+              <a:rPr lang="fr-FR" b="1" dirty="0">
+                <a:solidFill>
+                  <a:srgbClr val="BA2121"/>
+                </a:solidFill>
+                <a:latin typeface="Consolas" panose="020B0609020204030204" pitchFamily="49" charset="0"/>
+              </a:rPr>
+              <a:t>"This </a:t>
+            </a:r>
+            <a:r>
+              <a:rPr lang="fr-FR" b="1" dirty="0" err="1">
+                <a:solidFill>
+                  <a:srgbClr val="BA2121"/>
+                </a:solidFill>
+                <a:latin typeface="Consolas" panose="020B0609020204030204" pitchFamily="49" charset="0"/>
+              </a:rPr>
+              <a:t>is</a:t>
+            </a:r>
+            <a:r>
+              <a:rPr lang="fr-FR" b="1" dirty="0">
+                <a:solidFill>
+                  <a:srgbClr val="BA2121"/>
+                </a:solidFill>
+                <a:latin typeface="Consolas" panose="020B0609020204030204" pitchFamily="49" charset="0"/>
+              </a:rPr>
+              <a:t> public";</a:t>
+            </a:r>
+          </a:p>
+          <a:p>
+            <a:r>
+              <a:rPr lang="fr-FR" dirty="0">
+                <a:latin typeface="Consolas" panose="020B0609020204030204" pitchFamily="49" charset="0"/>
+              </a:rPr>
+              <a:t>  </a:t>
+            </a:r>
+            <a:r>
+              <a:rPr lang="fr-FR" b="1" dirty="0" err="1">
+                <a:solidFill>
+                  <a:srgbClr val="008000"/>
+                </a:solidFill>
+                <a:latin typeface="Consolas" panose="020B0609020204030204" pitchFamily="49" charset="0"/>
+              </a:rPr>
+              <a:t>this.getPrivate</a:t>
+            </a:r>
+            <a:r>
+              <a:rPr lang="fr-FR" b="1" dirty="0">
+                <a:solidFill>
+                  <a:srgbClr val="008000"/>
+                </a:solidFill>
+                <a:latin typeface="Consolas" panose="020B0609020204030204" pitchFamily="49" charset="0"/>
+              </a:rPr>
+              <a:t> </a:t>
+            </a:r>
+            <a:r>
+              <a:rPr lang="fr-FR" b="1" dirty="0">
+                <a:solidFill>
+                  <a:srgbClr val="666666"/>
+                </a:solidFill>
+                <a:latin typeface="Consolas" panose="020B0609020204030204" pitchFamily="49" charset="0"/>
+              </a:rPr>
+              <a:t>= </a:t>
+            </a:r>
+            <a:r>
+              <a:rPr lang="fr-FR" b="1" dirty="0" err="1">
+                <a:solidFill>
+                  <a:srgbClr val="008000"/>
+                </a:solidFill>
+                <a:latin typeface="Consolas" panose="020B0609020204030204" pitchFamily="49" charset="0"/>
+              </a:rPr>
+              <a:t>function</a:t>
+            </a:r>
+            <a:r>
+              <a:rPr lang="fr-FR" b="1" dirty="0">
+                <a:solidFill>
+                  <a:srgbClr val="008000"/>
+                </a:solidFill>
+                <a:latin typeface="Consolas" panose="020B0609020204030204" pitchFamily="49" charset="0"/>
+              </a:rPr>
+              <a:t>() {</a:t>
+            </a:r>
+          </a:p>
+          <a:p>
+            <a:r>
+              <a:rPr lang="fr-FR" dirty="0">
+                <a:latin typeface="Consolas" panose="020B0609020204030204" pitchFamily="49" charset="0"/>
+              </a:rPr>
+              <a:t>    </a:t>
+            </a:r>
+            <a:r>
+              <a:rPr lang="fr-FR" b="1" dirty="0">
+                <a:solidFill>
+                  <a:srgbClr val="008000"/>
+                </a:solidFill>
+                <a:latin typeface="Consolas" panose="020B0609020204030204" pitchFamily="49" charset="0"/>
+              </a:rPr>
+              <a:t>return </a:t>
+            </a:r>
+            <a:r>
+              <a:rPr lang="fr-FR" b="1" dirty="0" err="1">
+                <a:solidFill>
+                  <a:srgbClr val="008000"/>
+                </a:solidFill>
+                <a:latin typeface="Consolas" panose="020B0609020204030204" pitchFamily="49" charset="0"/>
+              </a:rPr>
+              <a:t>thisIsPrivate</a:t>
+            </a:r>
+            <a:r>
+              <a:rPr lang="fr-FR" b="1" dirty="0">
+                <a:solidFill>
+                  <a:srgbClr val="008000"/>
+                </a:solidFill>
+                <a:latin typeface="Consolas" panose="020B0609020204030204" pitchFamily="49" charset="0"/>
+              </a:rPr>
+              <a:t>;</a:t>
+            </a:r>
+          </a:p>
+          <a:p>
+            <a:r>
+              <a:rPr lang="fr-FR" dirty="0">
+                <a:latin typeface="Consolas" panose="020B0609020204030204" pitchFamily="49" charset="0"/>
+              </a:rPr>
+              <a:t>  };</a:t>
+            </a:r>
+          </a:p>
+          <a:p>
+            <a:r>
+              <a:rPr lang="fr-FR" dirty="0">
+                <a:latin typeface="Consolas" panose="020B0609020204030204" pitchFamily="49" charset="0"/>
+              </a:rPr>
+              <a:t>});</a:t>
+            </a:r>
+          </a:p>
+        </p:txBody>
+      </p:sp>
+    </p:spTree>
+    <p:extLst>
+      <p:ext uri="{BB962C8B-B14F-4D97-AF65-F5344CB8AC3E}">
+        <p14:creationId xmlns:p14="http://schemas.microsoft.com/office/powerpoint/2010/main" val="2201634912"/>
+      </p:ext>
+    </p:extLst>
+  </p:cSld>
+  <p:clrMapOvr>
+    <a:masterClrMapping/>
+  </p:clrMapOvr>
+  <p:timing>
+    <p:tnLst>
+      <p:par>
+        <p:cTn id="1" dur="indefinite" restart="never" nodeType="tmRoot"/>
+      </p:par>
+    </p:tnLst>
+  </p:timing>
+</p:sld>
+</file>
+
+<file path=ppt/slides/slide13.xml><?xml version="1.0" encoding="utf-8"?>
+<p:sld xmlns:a="http://schemas.openxmlformats.org/drawingml/2006/main" xmlns:r="http://schemas.openxmlformats.org/officeDocument/2006/relationships" xmlns:p="http://schemas.openxmlformats.org/presentationml/2006/main">
+  <p:cSld>
+    <p:spTree>
+      <p:nvGrpSpPr>
+        <p:cNvPr id="1" name=""/>
+        <p:cNvGrpSpPr/>
+        <p:nvPr/>
+      </p:nvGrpSpPr>
+      <p:grpSpPr>
+        <a:xfrm>
+          <a:off x="0" y="0"/>
+          <a:ext cx="0" cy="0"/>
+          <a:chOff x="0" y="0"/>
+          <a:chExt cx="0" cy="0"/>
+        </a:xfrm>
+      </p:grpSpPr>
+      <p:sp>
+        <p:nvSpPr>
+          <p:cNvPr id="2" name="Espace réservé du contenu 1"/>
+          <p:cNvSpPr>
+            <a:spLocks noGrp="1"/>
+          </p:cNvSpPr>
+          <p:nvPr>
+            <p:ph idx="1"/>
+          </p:nvPr>
+        </p:nvSpPr>
+        <p:spPr bwMode="gray">
+          <a:xfrm>
+            <a:off x="515938" y="1484312"/>
+            <a:ext cx="8088511" cy="4425169"/>
+          </a:xfrm>
+        </p:spPr>
+        <p:txBody>
+          <a:bodyPr/>
+          <a:lstStyle/>
+          <a:p>
+            <a:r>
+              <a:rPr lang="en-US" dirty="0"/>
+              <a:t>Provider is the parent of almost all the other services (all but constant) and it is also the most complex but more configurable one</a:t>
+            </a:r>
+            <a:r>
+              <a:rPr lang="en-US" dirty="0" smtClean="0"/>
+              <a:t>.</a:t>
+            </a:r>
+            <a:endParaRPr lang="en-US" dirty="0"/>
+          </a:p>
+          <a:p>
+            <a:r>
+              <a:rPr lang="en-US" dirty="0" smtClean="0"/>
+              <a:t>We needs </a:t>
+            </a:r>
+            <a:r>
+              <a:rPr lang="en-US" dirty="0"/>
+              <a:t>to return a function called $get which is what we inject on the other </a:t>
+            </a:r>
+            <a:r>
+              <a:rPr lang="en-US" dirty="0" smtClean="0"/>
+              <a:t>components.</a:t>
+            </a:r>
+            <a:endParaRPr lang="en-US" dirty="0"/>
+          </a:p>
+          <a:p>
+            <a:r>
+              <a:rPr lang="en-US" dirty="0"/>
+              <a:t>We can configure a provider in the </a:t>
+            </a:r>
+            <a:r>
+              <a:rPr lang="en-US" dirty="0" err="1"/>
+              <a:t>config</a:t>
+            </a:r>
+            <a:r>
+              <a:rPr lang="en-US" dirty="0"/>
+              <a:t> </a:t>
+            </a:r>
+            <a:r>
+              <a:rPr lang="en-US" dirty="0" smtClean="0"/>
+              <a:t>function</a:t>
+            </a:r>
+          </a:p>
+          <a:p>
+            <a:endParaRPr lang="en-US" dirty="0" smtClean="0"/>
+          </a:p>
+          <a:p>
+            <a:r>
+              <a:rPr lang="en-US" dirty="0" smtClean="0"/>
+              <a:t>Injection: </a:t>
+            </a:r>
+          </a:p>
+          <a:p>
+            <a:pPr lvl="1"/>
+            <a:r>
+              <a:rPr lang="en-US" dirty="0" smtClean="0"/>
+              <a:t>To </a:t>
+            </a:r>
+            <a:r>
+              <a:rPr lang="en-US" dirty="0"/>
+              <a:t>inject </a:t>
+            </a:r>
+            <a:r>
+              <a:rPr lang="en-US" dirty="0" smtClean="0"/>
+              <a:t>the full we need =&gt; use </a:t>
+            </a:r>
+            <a:r>
+              <a:rPr lang="en-US" dirty="0"/>
+              <a:t>name + ‘</a:t>
+            </a:r>
+            <a:r>
+              <a:rPr lang="en-US" dirty="0" smtClean="0"/>
+              <a:t>Provider’ </a:t>
+            </a:r>
+          </a:p>
+          <a:p>
+            <a:pPr lvl="1"/>
+            <a:r>
+              <a:rPr lang="en-US" dirty="0" smtClean="0"/>
+              <a:t>To </a:t>
+            </a:r>
+            <a:r>
+              <a:rPr lang="en-US" dirty="0"/>
+              <a:t>inject its $get function </a:t>
+            </a:r>
+            <a:r>
+              <a:rPr lang="en-US" dirty="0" smtClean="0"/>
+              <a:t>=&gt; use </a:t>
+            </a:r>
+            <a:r>
+              <a:rPr lang="en-US" dirty="0"/>
+              <a:t>name</a:t>
+            </a:r>
+          </a:p>
+          <a:p>
+            <a:endParaRPr lang="en-US" dirty="0" smtClean="0"/>
+          </a:p>
+          <a:p>
+            <a:endParaRPr lang="en-US" dirty="0"/>
+          </a:p>
+          <a:p>
+            <a:endParaRPr lang="en-US" dirty="0"/>
+          </a:p>
+          <a:p>
+            <a:pPr marL="0" indent="0">
+              <a:buNone/>
+            </a:pPr>
+            <a:endParaRPr lang="en-US" dirty="0"/>
+          </a:p>
+        </p:txBody>
+      </p:sp>
+      <p:sp>
+        <p:nvSpPr>
+          <p:cNvPr id="3" name="Titre 2"/>
+          <p:cNvSpPr>
+            <a:spLocks noGrp="1"/>
+          </p:cNvSpPr>
+          <p:nvPr>
+            <p:ph type="title"/>
+          </p:nvPr>
+        </p:nvSpPr>
+        <p:spPr bwMode="gray">
+          <a:xfrm>
+            <a:off x="544439" y="260648"/>
+            <a:ext cx="8045374" cy="332546"/>
+          </a:xfrm>
+        </p:spPr>
+        <p:txBody>
+          <a:bodyPr/>
+          <a:lstStyle/>
+          <a:p>
+            <a:r>
+              <a:rPr lang="fr-FR" cap="none" dirty="0" smtClean="0"/>
+              <a:t>Provider</a:t>
+            </a:r>
+            <a:endParaRPr lang="en-GB" cap="none" dirty="0"/>
+          </a:p>
+        </p:txBody>
+      </p:sp>
+      <p:sp>
+        <p:nvSpPr>
+          <p:cNvPr id="5" name="Espace réservé du numéro de diapositive 4"/>
+          <p:cNvSpPr>
+            <a:spLocks noGrp="1"/>
+          </p:cNvSpPr>
+          <p:nvPr>
+            <p:ph type="sldNum" sz="quarter" idx="12"/>
+          </p:nvPr>
+        </p:nvSpPr>
+        <p:spPr bwMode="gray"/>
+        <p:txBody>
+          <a:bodyPr/>
+          <a:lstStyle/>
+          <a:p>
+            <a:fld id="{AF43E6FD-AB27-4108-A2FC-346BB5F75E3F}" type="slidenum">
+              <a:rPr lang="fr-FR" smtClean="0"/>
+              <a:pPr/>
+              <a:t>13</a:t>
+            </a:fld>
+            <a:endParaRPr lang="fr-FR" dirty="0"/>
+          </a:p>
+        </p:txBody>
+      </p:sp>
+      <p:sp>
+        <p:nvSpPr>
+          <p:cNvPr id="10" name="Espace réservé du texte 9"/>
+          <p:cNvSpPr>
+            <a:spLocks noGrp="1"/>
+          </p:cNvSpPr>
+          <p:nvPr>
+            <p:ph type="body" sz="quarter" idx="13"/>
+          </p:nvPr>
+        </p:nvSpPr>
+        <p:spPr bwMode="gray"/>
+        <p:txBody>
+          <a:bodyPr/>
+          <a:lstStyle/>
+          <a:p>
+            <a:r>
+              <a:rPr lang="en-GB" cap="none" dirty="0" smtClean="0"/>
+              <a:t>“The configurable”</a:t>
+            </a:r>
+            <a:endParaRPr lang="en-GB" cap="none" dirty="0"/>
+          </a:p>
+        </p:txBody>
+      </p:sp>
+      <p:sp>
+        <p:nvSpPr>
+          <p:cNvPr id="6" name="Espace réservé du pied de page 5"/>
+          <p:cNvSpPr>
+            <a:spLocks noGrp="1"/>
+          </p:cNvSpPr>
+          <p:nvPr>
+            <p:ph type="ftr" sz="quarter" idx="11"/>
+          </p:nvPr>
+        </p:nvSpPr>
+        <p:spPr/>
+        <p:txBody>
+          <a:bodyPr/>
+          <a:lstStyle/>
+          <a:p>
+            <a:endParaRPr lang="fr-FR" dirty="0"/>
+          </a:p>
+        </p:txBody>
+      </p:sp>
+    </p:spTree>
+    <p:extLst>
+      <p:ext uri="{BB962C8B-B14F-4D97-AF65-F5344CB8AC3E}">
+        <p14:creationId xmlns:p14="http://schemas.microsoft.com/office/powerpoint/2010/main" val="4026546649"/>
+      </p:ext>
+    </p:extLst>
+  </p:cSld>
+  <p:clrMapOvr>
+    <a:masterClrMapping/>
+  </p:clrMapOvr>
+  <p:timing>
+    <p:tnLst>
+      <p:par>
+        <p:cTn id="1" dur="indefinite" restart="never" nodeType="tmRoot"/>
+      </p:par>
+    </p:tnLst>
+  </p:timing>
+</p:sld>
+</file>
+
+<file path=ppt/slides/slide14.xml><?xml version="1.0" encoding="utf-8"?>
+<p:sld xmlns:a="http://schemas.openxmlformats.org/drawingml/2006/main" xmlns:r="http://schemas.openxmlformats.org/officeDocument/2006/relationships" xmlns:p="http://schemas.openxmlformats.org/presentationml/2006/main">
+  <p:cSld>
+    <p:spTree>
+      <p:nvGrpSpPr>
+        <p:cNvPr id="1" name=""/>
+        <p:cNvGrpSpPr/>
+        <p:nvPr/>
+      </p:nvGrpSpPr>
+      <p:grpSpPr>
+        <a:xfrm>
+          <a:off x="0" y="0"/>
+          <a:ext cx="0" cy="0"/>
+          <a:chOff x="0" y="0"/>
+          <a:chExt cx="0" cy="0"/>
+        </a:xfrm>
+      </p:grpSpPr>
+      <p:sp>
+        <p:nvSpPr>
+          <p:cNvPr id="3" name="Titre 2"/>
+          <p:cNvSpPr>
+            <a:spLocks noGrp="1"/>
+          </p:cNvSpPr>
+          <p:nvPr>
+            <p:ph type="title"/>
+          </p:nvPr>
+        </p:nvSpPr>
+        <p:spPr bwMode="gray">
+          <a:xfrm>
+            <a:off x="544439" y="260648"/>
+            <a:ext cx="8045374" cy="332546"/>
+          </a:xfrm>
+        </p:spPr>
+        <p:txBody>
+          <a:bodyPr/>
+          <a:lstStyle/>
+          <a:p>
+            <a:r>
+              <a:rPr lang="fr-FR" cap="none" dirty="0" smtClean="0"/>
+              <a:t>Provider</a:t>
+            </a:r>
+            <a:endParaRPr lang="en-GB" cap="none" dirty="0"/>
+          </a:p>
+        </p:txBody>
+      </p:sp>
+      <p:sp>
+        <p:nvSpPr>
+          <p:cNvPr id="5" name="Espace réservé du numéro de diapositive 4"/>
+          <p:cNvSpPr>
+            <a:spLocks noGrp="1"/>
+          </p:cNvSpPr>
+          <p:nvPr>
+            <p:ph type="sldNum" sz="quarter" idx="12"/>
+          </p:nvPr>
+        </p:nvSpPr>
+        <p:spPr bwMode="gray"/>
+        <p:txBody>
+          <a:bodyPr/>
+          <a:lstStyle/>
+          <a:p>
+            <a:fld id="{AF43E6FD-AB27-4108-A2FC-346BB5F75E3F}" type="slidenum">
+              <a:rPr lang="fr-FR" smtClean="0"/>
+              <a:pPr/>
+              <a:t>14</a:t>
+            </a:fld>
+            <a:endParaRPr lang="fr-FR" dirty="0"/>
+          </a:p>
+        </p:txBody>
+      </p:sp>
+      <p:sp>
+        <p:nvSpPr>
+          <p:cNvPr id="10" name="Espace réservé du texte 9"/>
+          <p:cNvSpPr>
+            <a:spLocks noGrp="1"/>
+          </p:cNvSpPr>
+          <p:nvPr>
+            <p:ph type="body" sz="quarter" idx="13"/>
+          </p:nvPr>
+        </p:nvSpPr>
+        <p:spPr bwMode="gray"/>
+        <p:txBody>
+          <a:bodyPr/>
+          <a:lstStyle/>
+          <a:p>
+            <a:r>
+              <a:rPr lang="en-GB" cap="none" dirty="0" smtClean="0"/>
+              <a:t>Full example</a:t>
+            </a:r>
+            <a:endParaRPr lang="en-GB" cap="none" dirty="0"/>
+          </a:p>
+        </p:txBody>
+      </p:sp>
+      <p:sp>
+        <p:nvSpPr>
+          <p:cNvPr id="6" name="Espace réservé du pied de page 5"/>
+          <p:cNvSpPr>
+            <a:spLocks noGrp="1"/>
+          </p:cNvSpPr>
+          <p:nvPr>
+            <p:ph type="ftr" sz="quarter" idx="11"/>
+          </p:nvPr>
+        </p:nvSpPr>
+        <p:spPr/>
+        <p:txBody>
+          <a:bodyPr/>
+          <a:lstStyle/>
+          <a:p>
+            <a:endParaRPr lang="fr-FR" dirty="0"/>
+          </a:p>
+        </p:txBody>
+      </p:sp>
+      <p:sp>
+        <p:nvSpPr>
+          <p:cNvPr id="12" name="ZoneTexte 11"/>
+          <p:cNvSpPr txBox="1"/>
+          <p:nvPr/>
+        </p:nvSpPr>
+        <p:spPr>
+          <a:xfrm>
+            <a:off x="122130" y="1138245"/>
+            <a:ext cx="3673960" cy="5047536"/>
+          </a:xfrm>
+          <a:prstGeom prst="rect">
+            <a:avLst/>
+          </a:prstGeom>
+          <a:noFill/>
+        </p:spPr>
+        <p:txBody>
+          <a:bodyPr wrap="square" rtlCol="0">
+            <a:spAutoFit/>
+          </a:bodyPr>
+          <a:lstStyle/>
+          <a:p>
+            <a:r>
+              <a:rPr lang="fr-FR" sz="1400" dirty="0" err="1">
+                <a:latin typeface="Consolas" panose="020B0609020204030204" pitchFamily="49" charset="0"/>
+              </a:rPr>
+              <a:t>app</a:t>
+            </a:r>
+            <a:r>
+              <a:rPr lang="fr-FR" sz="1400" dirty="0">
+                <a:latin typeface="Consolas" panose="020B0609020204030204" pitchFamily="49" charset="0"/>
+              </a:rPr>
+              <a:t> </a:t>
+            </a:r>
+            <a:r>
+              <a:rPr lang="fr-FR" sz="1400" dirty="0">
+                <a:solidFill>
+                  <a:srgbClr val="666666"/>
+                </a:solidFill>
+                <a:latin typeface="Consolas" panose="020B0609020204030204" pitchFamily="49" charset="0"/>
+              </a:rPr>
+              <a:t>= </a:t>
+            </a:r>
+            <a:r>
+              <a:rPr lang="fr-FR" sz="1400" dirty="0" err="1">
+                <a:solidFill>
+                  <a:srgbClr val="666666"/>
+                </a:solidFill>
+                <a:latin typeface="Consolas" panose="020B0609020204030204" pitchFamily="49" charset="0"/>
+              </a:rPr>
+              <a:t>angular.module</a:t>
+            </a:r>
+            <a:r>
+              <a:rPr lang="fr-FR" sz="1400" dirty="0">
+                <a:solidFill>
+                  <a:srgbClr val="666666"/>
+                </a:solidFill>
+                <a:latin typeface="Consolas" panose="020B0609020204030204" pitchFamily="49" charset="0"/>
+              </a:rPr>
+              <a:t>(</a:t>
+            </a:r>
+            <a:r>
+              <a:rPr lang="fr-FR" sz="1400" dirty="0">
+                <a:solidFill>
+                  <a:srgbClr val="BA2121"/>
+                </a:solidFill>
+                <a:latin typeface="Consolas" panose="020B0609020204030204" pitchFamily="49" charset="0"/>
+              </a:rPr>
+              <a:t>"</a:t>
+            </a:r>
+            <a:r>
+              <a:rPr lang="fr-FR" sz="1400" dirty="0" err="1">
+                <a:solidFill>
+                  <a:srgbClr val="BA2121"/>
+                </a:solidFill>
+                <a:latin typeface="Consolas" panose="020B0609020204030204" pitchFamily="49" charset="0"/>
+              </a:rPr>
+              <a:t>app</a:t>
+            </a:r>
+            <a:r>
+              <a:rPr lang="fr-FR" sz="1400" dirty="0">
+                <a:solidFill>
+                  <a:srgbClr val="BA2121"/>
+                </a:solidFill>
+                <a:latin typeface="Consolas" panose="020B0609020204030204" pitchFamily="49" charset="0"/>
+              </a:rPr>
+              <a:t>", []);</a:t>
+            </a:r>
+          </a:p>
+          <a:p>
+            <a:endParaRPr lang="fr-FR" sz="1400" dirty="0">
+              <a:latin typeface="Consolas" panose="020B0609020204030204" pitchFamily="49" charset="0"/>
+            </a:endParaRPr>
+          </a:p>
+          <a:p>
+            <a:r>
+              <a:rPr lang="fr-FR" sz="1400" dirty="0" err="1">
+                <a:latin typeface="Consolas" panose="020B0609020204030204" pitchFamily="49" charset="0"/>
+              </a:rPr>
+              <a:t>app.provider</a:t>
+            </a:r>
+            <a:r>
+              <a:rPr lang="fr-FR" sz="1400" dirty="0">
+                <a:latin typeface="Consolas" panose="020B0609020204030204" pitchFamily="49" charset="0"/>
+              </a:rPr>
+              <a:t>(</a:t>
+            </a:r>
+            <a:r>
+              <a:rPr lang="fr-FR" sz="1400" dirty="0">
+                <a:solidFill>
+                  <a:srgbClr val="BA2121"/>
+                </a:solidFill>
+                <a:latin typeface="Consolas" panose="020B0609020204030204" pitchFamily="49" charset="0"/>
+              </a:rPr>
+              <a:t>'</a:t>
+            </a:r>
+            <a:r>
+              <a:rPr lang="fr-FR" sz="1400" dirty="0" err="1">
+                <a:solidFill>
+                  <a:srgbClr val="BA2121"/>
+                </a:solidFill>
+                <a:latin typeface="Consolas" panose="020B0609020204030204" pitchFamily="49" charset="0"/>
+              </a:rPr>
+              <a:t>foo</a:t>
+            </a:r>
+            <a:r>
+              <a:rPr lang="fr-FR" sz="1400" dirty="0">
+                <a:solidFill>
+                  <a:srgbClr val="BA2121"/>
+                </a:solidFill>
+                <a:latin typeface="Consolas" panose="020B0609020204030204" pitchFamily="49" charset="0"/>
+              </a:rPr>
+              <a:t>', </a:t>
+            </a:r>
+            <a:r>
+              <a:rPr lang="fr-FR" sz="1400" b="1" dirty="0" err="1">
+                <a:solidFill>
+                  <a:srgbClr val="008000"/>
+                </a:solidFill>
+                <a:latin typeface="Consolas" panose="020B0609020204030204" pitchFamily="49" charset="0"/>
+              </a:rPr>
+              <a:t>function</a:t>
+            </a:r>
+            <a:r>
+              <a:rPr lang="fr-FR" sz="1400" b="1" dirty="0">
+                <a:solidFill>
+                  <a:srgbClr val="008000"/>
+                </a:solidFill>
+                <a:latin typeface="Consolas" panose="020B0609020204030204" pitchFamily="49" charset="0"/>
+              </a:rPr>
+              <a:t>() {</a:t>
+            </a:r>
+          </a:p>
+          <a:p>
+            <a:r>
+              <a:rPr lang="fr-FR" sz="1400" dirty="0">
+                <a:latin typeface="Consolas" panose="020B0609020204030204" pitchFamily="49" charset="0"/>
+              </a:rPr>
+              <a:t> </a:t>
+            </a:r>
+          </a:p>
+          <a:p>
+            <a:r>
+              <a:rPr lang="fr-FR" sz="1400" dirty="0">
+                <a:latin typeface="Consolas" panose="020B0609020204030204" pitchFamily="49" charset="0"/>
+              </a:rPr>
+              <a:t>  </a:t>
+            </a:r>
+            <a:r>
+              <a:rPr lang="fr-FR" sz="1400" b="1" dirty="0">
+                <a:solidFill>
+                  <a:srgbClr val="008000"/>
+                </a:solidFill>
+                <a:latin typeface="Consolas" panose="020B0609020204030204" pitchFamily="49" charset="0"/>
+              </a:rPr>
+              <a:t>var </a:t>
+            </a:r>
+            <a:r>
+              <a:rPr lang="fr-FR" sz="1400" b="1" dirty="0" err="1">
+                <a:solidFill>
+                  <a:srgbClr val="008000"/>
+                </a:solidFill>
+                <a:latin typeface="Consolas" panose="020B0609020204030204" pitchFamily="49" charset="0"/>
+              </a:rPr>
+              <a:t>thisIsPrivate</a:t>
+            </a:r>
+            <a:r>
+              <a:rPr lang="fr-FR" sz="1400" b="1" dirty="0">
+                <a:solidFill>
+                  <a:srgbClr val="008000"/>
+                </a:solidFill>
+                <a:latin typeface="Consolas" panose="020B0609020204030204" pitchFamily="49" charset="0"/>
+              </a:rPr>
+              <a:t> </a:t>
+            </a:r>
+            <a:r>
+              <a:rPr lang="fr-FR" sz="1400" b="1" dirty="0">
+                <a:solidFill>
+                  <a:srgbClr val="666666"/>
+                </a:solidFill>
+                <a:latin typeface="Consolas" panose="020B0609020204030204" pitchFamily="49" charset="0"/>
+              </a:rPr>
+              <a:t>= </a:t>
+            </a:r>
+            <a:r>
+              <a:rPr lang="fr-FR" sz="1400" b="1" dirty="0">
+                <a:solidFill>
+                  <a:srgbClr val="BA2121"/>
+                </a:solidFill>
+                <a:latin typeface="Consolas" panose="020B0609020204030204" pitchFamily="49" charset="0"/>
+              </a:rPr>
+              <a:t>"</a:t>
+            </a:r>
+            <a:r>
+              <a:rPr lang="fr-FR" sz="1400" b="1" dirty="0" err="1">
+                <a:solidFill>
+                  <a:srgbClr val="BA2121"/>
+                </a:solidFill>
+                <a:latin typeface="Consolas" panose="020B0609020204030204" pitchFamily="49" charset="0"/>
+              </a:rPr>
+              <a:t>Private</a:t>
+            </a:r>
+            <a:r>
+              <a:rPr lang="fr-FR" sz="1400" b="1" dirty="0">
+                <a:solidFill>
+                  <a:srgbClr val="BA2121"/>
+                </a:solidFill>
+                <a:latin typeface="Consolas" panose="020B0609020204030204" pitchFamily="49" charset="0"/>
+              </a:rPr>
+              <a:t>";</a:t>
+            </a:r>
+          </a:p>
+          <a:p>
+            <a:endParaRPr lang="fr-FR" sz="1400" dirty="0">
+              <a:latin typeface="Consolas" panose="020B0609020204030204" pitchFamily="49" charset="0"/>
+            </a:endParaRPr>
+          </a:p>
+          <a:p>
+            <a:r>
+              <a:rPr lang="fr-FR" sz="1400" dirty="0">
+                <a:latin typeface="Consolas" panose="020B0609020204030204" pitchFamily="49" charset="0"/>
+              </a:rPr>
+              <a:t>  </a:t>
+            </a:r>
+            <a:r>
+              <a:rPr lang="fr-FR" sz="1400" b="1" dirty="0">
+                <a:solidFill>
+                  <a:srgbClr val="008000"/>
+                </a:solidFill>
+                <a:latin typeface="Consolas" panose="020B0609020204030204" pitchFamily="49" charset="0"/>
+              </a:rPr>
+              <a:t>return </a:t>
+            </a:r>
+            <a:r>
+              <a:rPr lang="fr-FR" sz="1400" b="1" dirty="0" smtClean="0">
+                <a:solidFill>
+                  <a:srgbClr val="008000"/>
+                </a:solidFill>
+                <a:latin typeface="Consolas" panose="020B0609020204030204" pitchFamily="49" charset="0"/>
+              </a:rPr>
+              <a:t>{</a:t>
+            </a:r>
+            <a:endParaRPr lang="fr-FR" sz="1400" dirty="0">
+              <a:latin typeface="Consolas" panose="020B0609020204030204" pitchFamily="49" charset="0"/>
+            </a:endParaRPr>
+          </a:p>
+          <a:p>
+            <a:r>
+              <a:rPr lang="fr-FR" sz="1400" dirty="0">
+                <a:latin typeface="Consolas" panose="020B0609020204030204" pitchFamily="49" charset="0"/>
+              </a:rPr>
+              <a:t>    </a:t>
+            </a:r>
+            <a:r>
+              <a:rPr lang="fr-FR" sz="1400" dirty="0" err="1">
+                <a:latin typeface="Consolas" panose="020B0609020204030204" pitchFamily="49" charset="0"/>
+              </a:rPr>
+              <a:t>setPrivate</a:t>
+            </a:r>
+            <a:r>
+              <a:rPr lang="fr-FR" sz="1400" dirty="0">
+                <a:solidFill>
+                  <a:srgbClr val="666666"/>
+                </a:solidFill>
+                <a:latin typeface="Consolas" panose="020B0609020204030204" pitchFamily="49" charset="0"/>
+              </a:rPr>
+              <a:t>: </a:t>
+            </a:r>
+            <a:r>
+              <a:rPr lang="fr-FR" sz="1400" b="1" dirty="0" err="1">
+                <a:solidFill>
+                  <a:srgbClr val="008000"/>
+                </a:solidFill>
+                <a:latin typeface="Consolas" panose="020B0609020204030204" pitchFamily="49" charset="0"/>
+              </a:rPr>
+              <a:t>function</a:t>
+            </a:r>
+            <a:r>
+              <a:rPr lang="fr-FR" sz="1400" b="1" dirty="0">
+                <a:solidFill>
+                  <a:srgbClr val="008000"/>
+                </a:solidFill>
+                <a:latin typeface="Consolas" panose="020B0609020204030204" pitchFamily="49" charset="0"/>
+              </a:rPr>
+              <a:t>(</a:t>
+            </a:r>
+            <a:r>
+              <a:rPr lang="fr-FR" sz="1400" b="1" dirty="0" err="1">
+                <a:solidFill>
+                  <a:srgbClr val="008000"/>
+                </a:solidFill>
+                <a:latin typeface="Consolas" panose="020B0609020204030204" pitchFamily="49" charset="0"/>
+              </a:rPr>
+              <a:t>newVal</a:t>
+            </a:r>
+            <a:r>
+              <a:rPr lang="fr-FR" sz="1400" b="1" dirty="0">
+                <a:solidFill>
+                  <a:srgbClr val="008000"/>
+                </a:solidFill>
+                <a:latin typeface="Consolas" panose="020B0609020204030204" pitchFamily="49" charset="0"/>
+              </a:rPr>
+              <a:t>) {</a:t>
+            </a:r>
+          </a:p>
+          <a:p>
+            <a:r>
+              <a:rPr lang="fr-FR" sz="1400" dirty="0">
+                <a:latin typeface="Consolas" panose="020B0609020204030204" pitchFamily="49" charset="0"/>
+              </a:rPr>
+              <a:t>      </a:t>
+            </a:r>
+            <a:r>
+              <a:rPr lang="fr-FR" sz="1400" dirty="0" err="1">
+                <a:latin typeface="Consolas" panose="020B0609020204030204" pitchFamily="49" charset="0"/>
+              </a:rPr>
+              <a:t>thisIsPrivate</a:t>
+            </a:r>
+            <a:r>
+              <a:rPr lang="fr-FR" sz="1400" dirty="0">
+                <a:latin typeface="Consolas" panose="020B0609020204030204" pitchFamily="49" charset="0"/>
+              </a:rPr>
+              <a:t> </a:t>
+            </a:r>
+            <a:r>
+              <a:rPr lang="fr-FR" sz="1400" dirty="0">
+                <a:solidFill>
+                  <a:srgbClr val="666666"/>
+                </a:solidFill>
+                <a:latin typeface="Consolas" panose="020B0609020204030204" pitchFamily="49" charset="0"/>
+              </a:rPr>
+              <a:t>= </a:t>
+            </a:r>
+            <a:r>
+              <a:rPr lang="fr-FR" sz="1400" dirty="0" err="1">
+                <a:solidFill>
+                  <a:srgbClr val="666666"/>
+                </a:solidFill>
+                <a:latin typeface="Consolas" panose="020B0609020204030204" pitchFamily="49" charset="0"/>
+              </a:rPr>
+              <a:t>newVal</a:t>
+            </a:r>
+            <a:r>
+              <a:rPr lang="fr-FR" sz="1400" dirty="0">
+                <a:solidFill>
+                  <a:srgbClr val="666666"/>
+                </a:solidFill>
+                <a:latin typeface="Consolas" panose="020B0609020204030204" pitchFamily="49" charset="0"/>
+              </a:rPr>
+              <a:t>; </a:t>
+            </a:r>
+          </a:p>
+          <a:p>
+            <a:r>
+              <a:rPr lang="fr-FR" sz="1400" dirty="0">
+                <a:latin typeface="Consolas" panose="020B0609020204030204" pitchFamily="49" charset="0"/>
+              </a:rPr>
+              <a:t>    },</a:t>
+            </a:r>
+          </a:p>
+          <a:p>
+            <a:r>
+              <a:rPr lang="fr-FR" sz="1400" dirty="0">
+                <a:latin typeface="Consolas" panose="020B0609020204030204" pitchFamily="49" charset="0"/>
+              </a:rPr>
+              <a:t>    </a:t>
+            </a:r>
+          </a:p>
+          <a:p>
+            <a:r>
+              <a:rPr lang="fr-FR" sz="1400" dirty="0">
+                <a:latin typeface="Consolas" panose="020B0609020204030204" pitchFamily="49" charset="0"/>
+              </a:rPr>
+              <a:t>    $</a:t>
+            </a:r>
+            <a:r>
+              <a:rPr lang="fr-FR" sz="1400" dirty="0" err="1">
+                <a:latin typeface="Consolas" panose="020B0609020204030204" pitchFamily="49" charset="0"/>
+              </a:rPr>
+              <a:t>get</a:t>
+            </a:r>
+            <a:r>
+              <a:rPr lang="fr-FR" sz="1400" dirty="0">
+                <a:solidFill>
+                  <a:srgbClr val="666666"/>
+                </a:solidFill>
+                <a:latin typeface="Consolas" panose="020B0609020204030204" pitchFamily="49" charset="0"/>
+              </a:rPr>
+              <a:t>: </a:t>
+            </a:r>
+            <a:r>
+              <a:rPr lang="fr-FR" sz="1400" b="1" dirty="0" err="1">
+                <a:solidFill>
+                  <a:srgbClr val="008000"/>
+                </a:solidFill>
+                <a:latin typeface="Consolas" panose="020B0609020204030204" pitchFamily="49" charset="0"/>
+              </a:rPr>
+              <a:t>function</a:t>
+            </a:r>
+            <a:r>
+              <a:rPr lang="fr-FR" sz="1400" b="1" dirty="0">
+                <a:solidFill>
+                  <a:srgbClr val="008000"/>
+                </a:solidFill>
+                <a:latin typeface="Consolas" panose="020B0609020204030204" pitchFamily="49" charset="0"/>
+              </a:rPr>
+              <a:t>() {</a:t>
+            </a:r>
+          </a:p>
+          <a:p>
+            <a:r>
+              <a:rPr lang="fr-FR" sz="1400" dirty="0">
+                <a:latin typeface="Consolas" panose="020B0609020204030204" pitchFamily="49" charset="0"/>
+              </a:rPr>
+              <a:t>      </a:t>
+            </a:r>
+            <a:r>
+              <a:rPr lang="fr-FR" sz="1400" b="1" dirty="0" err="1">
+                <a:solidFill>
+                  <a:srgbClr val="008000"/>
+                </a:solidFill>
+                <a:latin typeface="Consolas" panose="020B0609020204030204" pitchFamily="49" charset="0"/>
+              </a:rPr>
+              <a:t>function</a:t>
+            </a:r>
+            <a:r>
+              <a:rPr lang="fr-FR" sz="1400" b="1" dirty="0">
+                <a:solidFill>
+                  <a:srgbClr val="008000"/>
+                </a:solidFill>
+                <a:latin typeface="Consolas" panose="020B0609020204030204" pitchFamily="49" charset="0"/>
+              </a:rPr>
+              <a:t> </a:t>
+            </a:r>
+            <a:r>
+              <a:rPr lang="fr-FR" sz="1400" b="1" dirty="0" err="1">
+                <a:solidFill>
+                  <a:srgbClr val="008000"/>
+                </a:solidFill>
+                <a:latin typeface="Consolas" panose="020B0609020204030204" pitchFamily="49" charset="0"/>
+              </a:rPr>
+              <a:t>getPrivate</a:t>
+            </a:r>
+            <a:r>
+              <a:rPr lang="fr-FR" sz="1400" b="1" dirty="0">
+                <a:solidFill>
+                  <a:srgbClr val="008000"/>
+                </a:solidFill>
+                <a:latin typeface="Consolas" panose="020B0609020204030204" pitchFamily="49" charset="0"/>
+              </a:rPr>
+              <a:t>() {</a:t>
+            </a:r>
+          </a:p>
+          <a:p>
+            <a:r>
+              <a:rPr lang="fr-FR" sz="1400" dirty="0">
+                <a:latin typeface="Consolas" panose="020B0609020204030204" pitchFamily="49" charset="0"/>
+              </a:rPr>
+              <a:t>        </a:t>
+            </a:r>
+            <a:r>
+              <a:rPr lang="fr-FR" sz="1400" b="1" dirty="0">
+                <a:solidFill>
+                  <a:srgbClr val="008000"/>
+                </a:solidFill>
+                <a:latin typeface="Consolas" panose="020B0609020204030204" pitchFamily="49" charset="0"/>
+              </a:rPr>
+              <a:t>return </a:t>
+            </a:r>
+            <a:r>
+              <a:rPr lang="fr-FR" sz="1400" b="1" dirty="0" err="1">
+                <a:solidFill>
+                  <a:srgbClr val="008000"/>
+                </a:solidFill>
+                <a:latin typeface="Consolas" panose="020B0609020204030204" pitchFamily="49" charset="0"/>
+              </a:rPr>
+              <a:t>thisIsPrivate</a:t>
+            </a:r>
+            <a:r>
+              <a:rPr lang="fr-FR" sz="1400" b="1" dirty="0">
+                <a:solidFill>
+                  <a:srgbClr val="008000"/>
+                </a:solidFill>
+                <a:latin typeface="Consolas" panose="020B0609020204030204" pitchFamily="49" charset="0"/>
+              </a:rPr>
+              <a:t>;</a:t>
+            </a:r>
+          </a:p>
+          <a:p>
+            <a:r>
+              <a:rPr lang="fr-FR" sz="1400" dirty="0">
+                <a:latin typeface="Consolas" panose="020B0609020204030204" pitchFamily="49" charset="0"/>
+              </a:rPr>
+              <a:t>      }</a:t>
+            </a:r>
+          </a:p>
+          <a:p>
+            <a:r>
+              <a:rPr lang="fr-FR" sz="1400" dirty="0">
+                <a:latin typeface="Consolas" panose="020B0609020204030204" pitchFamily="49" charset="0"/>
+              </a:rPr>
+              <a:t>  </a:t>
+            </a:r>
+          </a:p>
+          <a:p>
+            <a:r>
+              <a:rPr lang="fr-FR" sz="1400" dirty="0">
+                <a:latin typeface="Consolas" panose="020B0609020204030204" pitchFamily="49" charset="0"/>
+              </a:rPr>
+              <a:t>      </a:t>
+            </a:r>
+            <a:r>
+              <a:rPr lang="fr-FR" sz="1400" b="1" dirty="0">
+                <a:solidFill>
+                  <a:srgbClr val="008000"/>
+                </a:solidFill>
+                <a:latin typeface="Consolas" panose="020B0609020204030204" pitchFamily="49" charset="0"/>
+              </a:rPr>
+              <a:t>return {</a:t>
+            </a:r>
+          </a:p>
+          <a:p>
+            <a:r>
+              <a:rPr lang="fr-FR" sz="1400" dirty="0">
+                <a:latin typeface="Consolas" panose="020B0609020204030204" pitchFamily="49" charset="0"/>
+              </a:rPr>
+              <a:t>        variable</a:t>
+            </a:r>
+            <a:r>
+              <a:rPr lang="fr-FR" sz="1400" dirty="0">
+                <a:solidFill>
+                  <a:srgbClr val="666666"/>
+                </a:solidFill>
+                <a:latin typeface="Consolas" panose="020B0609020204030204" pitchFamily="49" charset="0"/>
+              </a:rPr>
+              <a:t>: </a:t>
+            </a:r>
+            <a:r>
+              <a:rPr lang="fr-FR" sz="1400" dirty="0">
+                <a:solidFill>
+                  <a:srgbClr val="BA2121"/>
+                </a:solidFill>
+                <a:latin typeface="Consolas" panose="020B0609020204030204" pitchFamily="49" charset="0"/>
+              </a:rPr>
+              <a:t>"This </a:t>
+            </a:r>
+            <a:r>
+              <a:rPr lang="fr-FR" sz="1400" dirty="0" err="1">
+                <a:solidFill>
+                  <a:srgbClr val="BA2121"/>
+                </a:solidFill>
+                <a:latin typeface="Consolas" panose="020B0609020204030204" pitchFamily="49" charset="0"/>
+              </a:rPr>
+              <a:t>is</a:t>
+            </a:r>
+            <a:r>
+              <a:rPr lang="fr-FR" sz="1400" dirty="0">
+                <a:solidFill>
+                  <a:srgbClr val="BA2121"/>
+                </a:solidFill>
+                <a:latin typeface="Consolas" panose="020B0609020204030204" pitchFamily="49" charset="0"/>
+              </a:rPr>
+              <a:t> public",</a:t>
+            </a:r>
+          </a:p>
+          <a:p>
+            <a:r>
+              <a:rPr lang="fr-FR" sz="1400" dirty="0">
+                <a:latin typeface="Consolas" panose="020B0609020204030204" pitchFamily="49" charset="0"/>
+              </a:rPr>
+              <a:t>        </a:t>
+            </a:r>
+            <a:r>
+              <a:rPr lang="fr-FR" sz="1400" dirty="0" err="1">
+                <a:latin typeface="Consolas" panose="020B0609020204030204" pitchFamily="49" charset="0"/>
+              </a:rPr>
+              <a:t>getPrivate</a:t>
+            </a:r>
+            <a:r>
+              <a:rPr lang="fr-FR" sz="1400" dirty="0">
+                <a:solidFill>
+                  <a:srgbClr val="666666"/>
+                </a:solidFill>
+                <a:latin typeface="Consolas" panose="020B0609020204030204" pitchFamily="49" charset="0"/>
+              </a:rPr>
+              <a:t>: </a:t>
+            </a:r>
+            <a:r>
+              <a:rPr lang="fr-FR" sz="1400" dirty="0" err="1">
+                <a:solidFill>
+                  <a:srgbClr val="666666"/>
+                </a:solidFill>
+                <a:latin typeface="Consolas" panose="020B0609020204030204" pitchFamily="49" charset="0"/>
+              </a:rPr>
+              <a:t>getPrivate</a:t>
+            </a:r>
+            <a:endParaRPr lang="fr-FR" sz="1400" dirty="0">
+              <a:solidFill>
+                <a:srgbClr val="666666"/>
+              </a:solidFill>
+              <a:latin typeface="Consolas" panose="020B0609020204030204" pitchFamily="49" charset="0"/>
+            </a:endParaRPr>
+          </a:p>
+          <a:p>
+            <a:r>
+              <a:rPr lang="fr-FR" sz="1400" dirty="0">
+                <a:latin typeface="Consolas" panose="020B0609020204030204" pitchFamily="49" charset="0"/>
+              </a:rPr>
+              <a:t>      };</a:t>
+            </a:r>
+          </a:p>
+          <a:p>
+            <a:r>
+              <a:rPr lang="fr-FR" sz="1400" dirty="0">
+                <a:latin typeface="Consolas" panose="020B0609020204030204" pitchFamily="49" charset="0"/>
+              </a:rPr>
+              <a:t>    } </a:t>
+            </a:r>
+          </a:p>
+          <a:p>
+            <a:r>
+              <a:rPr lang="fr-FR" sz="1400" dirty="0">
+                <a:latin typeface="Consolas" panose="020B0609020204030204" pitchFamily="49" charset="0"/>
+              </a:rPr>
+              <a:t>  </a:t>
+            </a:r>
+            <a:r>
+              <a:rPr lang="fr-FR" sz="1400" dirty="0" smtClean="0">
+                <a:latin typeface="Consolas" panose="020B0609020204030204" pitchFamily="49" charset="0"/>
+              </a:rPr>
+              <a:t>};</a:t>
+            </a:r>
+            <a:endParaRPr lang="fr-FR" sz="1400" dirty="0">
+              <a:latin typeface="Consolas" panose="020B0609020204030204" pitchFamily="49" charset="0"/>
+            </a:endParaRPr>
+          </a:p>
+          <a:p>
+            <a:r>
+              <a:rPr lang="fr-FR" sz="1400" dirty="0" smtClean="0">
+                <a:latin typeface="Consolas" panose="020B0609020204030204" pitchFamily="49" charset="0"/>
+              </a:rPr>
+              <a:t>});</a:t>
+            </a:r>
+            <a:endParaRPr lang="fr-FR" sz="1400" dirty="0">
+              <a:latin typeface="Consolas" panose="020B0609020204030204" pitchFamily="49" charset="0"/>
+            </a:endParaRPr>
+          </a:p>
+        </p:txBody>
+      </p:sp>
+      <p:sp>
+        <p:nvSpPr>
+          <p:cNvPr id="8" name="ZoneTexte 7"/>
+          <p:cNvSpPr txBox="1"/>
+          <p:nvPr/>
+        </p:nvSpPr>
+        <p:spPr>
+          <a:xfrm>
+            <a:off x="4039738" y="2284060"/>
+            <a:ext cx="5227092" cy="1815882"/>
+          </a:xfrm>
+          <a:prstGeom prst="rect">
+            <a:avLst/>
+          </a:prstGeom>
+          <a:noFill/>
+        </p:spPr>
+        <p:txBody>
+          <a:bodyPr wrap="square" rtlCol="0">
+            <a:spAutoFit/>
+          </a:bodyPr>
+          <a:lstStyle/>
+          <a:p>
+            <a:r>
+              <a:rPr lang="fr-FR" sz="1400" dirty="0" err="1" smtClean="0">
+                <a:latin typeface="Consolas" panose="020B0609020204030204" pitchFamily="49" charset="0"/>
+              </a:rPr>
+              <a:t>app.config</a:t>
+            </a:r>
+            <a:r>
+              <a:rPr lang="fr-FR" sz="1400" dirty="0" smtClean="0">
+                <a:latin typeface="Consolas" panose="020B0609020204030204" pitchFamily="49" charset="0"/>
+              </a:rPr>
+              <a:t>(</a:t>
+            </a:r>
+            <a:r>
+              <a:rPr lang="fr-FR" sz="1400" b="1" dirty="0" err="1" smtClean="0">
+                <a:solidFill>
+                  <a:srgbClr val="008000"/>
+                </a:solidFill>
+                <a:latin typeface="Consolas" panose="020B0609020204030204" pitchFamily="49" charset="0"/>
+              </a:rPr>
+              <a:t>function</a:t>
+            </a:r>
+            <a:r>
+              <a:rPr lang="fr-FR" sz="1400" b="1" dirty="0" smtClean="0">
+                <a:solidFill>
+                  <a:srgbClr val="008000"/>
+                </a:solidFill>
+                <a:latin typeface="Consolas" panose="020B0609020204030204" pitchFamily="49" charset="0"/>
+              </a:rPr>
+              <a:t>(</a:t>
+            </a:r>
+            <a:r>
+              <a:rPr lang="fr-FR" sz="1400" b="1" dirty="0" err="1" smtClean="0">
+                <a:solidFill>
+                  <a:srgbClr val="008000"/>
+                </a:solidFill>
+                <a:latin typeface="Consolas" panose="020B0609020204030204" pitchFamily="49" charset="0"/>
+              </a:rPr>
+              <a:t>fooProvider</a:t>
+            </a:r>
+            <a:r>
+              <a:rPr lang="fr-FR" sz="1400" b="1" dirty="0" smtClean="0">
+                <a:solidFill>
+                  <a:srgbClr val="008000"/>
+                </a:solidFill>
+                <a:latin typeface="Consolas" panose="020B0609020204030204" pitchFamily="49" charset="0"/>
+              </a:rPr>
+              <a:t>) {</a:t>
+            </a:r>
+          </a:p>
+          <a:p>
+            <a:r>
+              <a:rPr lang="en-US" sz="1400" dirty="0" smtClean="0">
+                <a:latin typeface="Consolas" panose="020B0609020204030204" pitchFamily="49" charset="0"/>
+              </a:rPr>
+              <a:t>  </a:t>
+            </a:r>
+            <a:r>
+              <a:rPr lang="en-US" sz="1400" dirty="0" err="1" smtClean="0">
+                <a:latin typeface="Consolas" panose="020B0609020204030204" pitchFamily="49" charset="0"/>
+              </a:rPr>
+              <a:t>fooProvider.setPrivate</a:t>
+            </a:r>
+            <a:r>
+              <a:rPr lang="en-US" sz="1400" dirty="0" smtClean="0">
+                <a:latin typeface="Consolas" panose="020B0609020204030204" pitchFamily="49" charset="0"/>
+              </a:rPr>
+              <a:t>(</a:t>
+            </a:r>
+            <a:r>
+              <a:rPr lang="en-US" sz="1400" dirty="0" smtClean="0">
+                <a:solidFill>
+                  <a:srgbClr val="BA2121"/>
+                </a:solidFill>
+                <a:latin typeface="Consolas" panose="020B0609020204030204" pitchFamily="49" charset="0"/>
+              </a:rPr>
+              <a:t>'New value from </a:t>
+            </a:r>
+            <a:r>
+              <a:rPr lang="en-US" sz="1400" dirty="0" err="1" smtClean="0">
+                <a:solidFill>
+                  <a:srgbClr val="BA2121"/>
+                </a:solidFill>
+                <a:latin typeface="Consolas" panose="020B0609020204030204" pitchFamily="49" charset="0"/>
+              </a:rPr>
+              <a:t>config</a:t>
+            </a:r>
+            <a:r>
+              <a:rPr lang="en-US" sz="1400" dirty="0" smtClean="0">
+                <a:solidFill>
+                  <a:srgbClr val="BA2121"/>
+                </a:solidFill>
+                <a:latin typeface="Consolas" panose="020B0609020204030204" pitchFamily="49" charset="0"/>
+              </a:rPr>
+              <a:t>');</a:t>
+            </a:r>
+          </a:p>
+          <a:p>
+            <a:r>
+              <a:rPr lang="fr-FR" sz="1400" dirty="0" smtClean="0">
+                <a:latin typeface="Consolas" panose="020B0609020204030204" pitchFamily="49" charset="0"/>
+              </a:rPr>
+              <a:t>});</a:t>
+            </a:r>
+          </a:p>
+          <a:p>
+            <a:endParaRPr lang="fr-FR" sz="1400" dirty="0" smtClean="0">
+              <a:latin typeface="Consolas" panose="020B0609020204030204" pitchFamily="49" charset="0"/>
+            </a:endParaRPr>
+          </a:p>
+          <a:p>
+            <a:r>
+              <a:rPr lang="fr-FR" sz="1400" dirty="0" err="1" smtClean="0">
+                <a:latin typeface="Consolas" panose="020B0609020204030204" pitchFamily="49" charset="0"/>
+              </a:rPr>
+              <a:t>app.controller</a:t>
+            </a:r>
+            <a:r>
+              <a:rPr lang="fr-FR" sz="1400" dirty="0" smtClean="0">
+                <a:latin typeface="Consolas" panose="020B0609020204030204" pitchFamily="49" charset="0"/>
+              </a:rPr>
+              <a:t>(</a:t>
+            </a:r>
+            <a:r>
+              <a:rPr lang="fr-FR" sz="1400" dirty="0" smtClean="0">
+                <a:solidFill>
+                  <a:srgbClr val="BA2121"/>
+                </a:solidFill>
+                <a:latin typeface="Consolas" panose="020B0609020204030204" pitchFamily="49" charset="0"/>
+              </a:rPr>
+              <a:t>'</a:t>
+            </a:r>
+            <a:r>
+              <a:rPr lang="fr-FR" sz="1400" dirty="0" err="1" smtClean="0">
+                <a:solidFill>
+                  <a:srgbClr val="BA2121"/>
+                </a:solidFill>
+                <a:latin typeface="Consolas" panose="020B0609020204030204" pitchFamily="49" charset="0"/>
+              </a:rPr>
+              <a:t>MainCtrl</a:t>
+            </a:r>
+            <a:r>
+              <a:rPr lang="fr-FR" sz="1400" dirty="0" smtClean="0">
+                <a:solidFill>
+                  <a:srgbClr val="BA2121"/>
+                </a:solidFill>
+                <a:latin typeface="Consolas" panose="020B0609020204030204" pitchFamily="49" charset="0"/>
+              </a:rPr>
+              <a:t>', </a:t>
+            </a:r>
+            <a:r>
+              <a:rPr lang="fr-FR" sz="1400" b="1" dirty="0" err="1" smtClean="0">
+                <a:solidFill>
+                  <a:srgbClr val="008000"/>
+                </a:solidFill>
+                <a:latin typeface="Consolas" panose="020B0609020204030204" pitchFamily="49" charset="0"/>
+              </a:rPr>
+              <a:t>function</a:t>
+            </a:r>
+            <a:r>
+              <a:rPr lang="fr-FR" sz="1400" b="1" dirty="0" smtClean="0">
+                <a:solidFill>
+                  <a:srgbClr val="008000"/>
+                </a:solidFill>
+                <a:latin typeface="Consolas" panose="020B0609020204030204" pitchFamily="49" charset="0"/>
+              </a:rPr>
+              <a:t>($scope, </a:t>
+            </a:r>
+            <a:r>
+              <a:rPr lang="fr-FR" sz="1400" b="1" dirty="0" err="1" smtClean="0">
+                <a:solidFill>
+                  <a:srgbClr val="008000"/>
+                </a:solidFill>
+                <a:latin typeface="Consolas" panose="020B0609020204030204" pitchFamily="49" charset="0"/>
+              </a:rPr>
+              <a:t>foo</a:t>
+            </a:r>
+            <a:r>
+              <a:rPr lang="fr-FR" sz="1400" b="1" dirty="0" smtClean="0">
+                <a:solidFill>
+                  <a:srgbClr val="008000"/>
+                </a:solidFill>
+                <a:latin typeface="Consolas" panose="020B0609020204030204" pitchFamily="49" charset="0"/>
+              </a:rPr>
+              <a:t>) {</a:t>
+            </a:r>
+          </a:p>
+          <a:p>
+            <a:r>
+              <a:rPr lang="fr-FR" sz="1400" dirty="0" smtClean="0">
+                <a:latin typeface="Consolas" panose="020B0609020204030204" pitchFamily="49" charset="0"/>
+              </a:rPr>
+              <a:t>  $</a:t>
+            </a:r>
+            <a:r>
+              <a:rPr lang="fr-FR" sz="1400" dirty="0" err="1" smtClean="0">
+                <a:latin typeface="Consolas" panose="020B0609020204030204" pitchFamily="49" charset="0"/>
+              </a:rPr>
+              <a:t>scope.foo</a:t>
+            </a:r>
+            <a:r>
+              <a:rPr lang="fr-FR" sz="1400" dirty="0" smtClean="0">
+                <a:latin typeface="Consolas" panose="020B0609020204030204" pitchFamily="49" charset="0"/>
+              </a:rPr>
+              <a:t> </a:t>
+            </a:r>
+            <a:r>
+              <a:rPr lang="fr-FR" sz="1400" dirty="0" smtClean="0">
+                <a:solidFill>
+                  <a:srgbClr val="666666"/>
+                </a:solidFill>
+                <a:latin typeface="Consolas" panose="020B0609020204030204" pitchFamily="49" charset="0"/>
+              </a:rPr>
+              <a:t>= </a:t>
+            </a:r>
+            <a:r>
+              <a:rPr lang="fr-FR" sz="1400" dirty="0" err="1" smtClean="0">
+                <a:solidFill>
+                  <a:srgbClr val="666666"/>
+                </a:solidFill>
+                <a:latin typeface="Consolas" panose="020B0609020204030204" pitchFamily="49" charset="0"/>
+              </a:rPr>
+              <a:t>foo</a:t>
+            </a:r>
+            <a:r>
+              <a:rPr lang="fr-FR" sz="1400" dirty="0" smtClean="0">
+                <a:solidFill>
+                  <a:srgbClr val="666666"/>
+                </a:solidFill>
+                <a:latin typeface="Consolas" panose="020B0609020204030204" pitchFamily="49" charset="0"/>
+              </a:rPr>
+              <a:t>;</a:t>
+            </a:r>
+          </a:p>
+          <a:p>
+            <a:r>
+              <a:rPr lang="fr-FR" sz="1400" dirty="0" smtClean="0">
+                <a:latin typeface="Consolas" panose="020B0609020204030204" pitchFamily="49" charset="0"/>
+              </a:rPr>
+              <a:t>});</a:t>
+            </a:r>
+          </a:p>
+          <a:p>
+            <a:endParaRPr lang="fr-FR" sz="1400" dirty="0">
+              <a:latin typeface="Consolas" panose="020B0609020204030204" pitchFamily="49" charset="0"/>
+            </a:endParaRPr>
+          </a:p>
+        </p:txBody>
+      </p:sp>
+      <p:cxnSp>
+        <p:nvCxnSpPr>
+          <p:cNvPr id="4" name="Connecteur droit 3"/>
+          <p:cNvCxnSpPr/>
+          <p:nvPr/>
+        </p:nvCxnSpPr>
+        <p:spPr>
+          <a:xfrm>
+            <a:off x="3796090" y="1138245"/>
+            <a:ext cx="1" cy="5296412"/>
+          </a:xfrm>
+          <a:prstGeom prst="line">
+            <a:avLst/>
+          </a:prstGeom>
+          <a:ln w="19050"/>
+        </p:spPr>
+        <p:style>
+          <a:lnRef idx="1">
+            <a:schemeClr val="dk1"/>
+          </a:lnRef>
+          <a:fillRef idx="0">
+            <a:schemeClr val="dk1"/>
+          </a:fillRef>
+          <a:effectRef idx="0">
+            <a:schemeClr val="dk1"/>
+          </a:effectRef>
+          <a:fontRef idx="minor">
+            <a:schemeClr val="tx1"/>
+          </a:fontRef>
+        </p:style>
+      </p:cxnSp>
+    </p:spTree>
+    <p:extLst>
+      <p:ext uri="{BB962C8B-B14F-4D97-AF65-F5344CB8AC3E}">
+        <p14:creationId xmlns:p14="http://schemas.microsoft.com/office/powerpoint/2010/main" val="790045866"/>
+      </p:ext>
+    </p:extLst>
+  </p:cSld>
+  <p:clrMapOvr>
+    <a:masterClrMapping/>
+  </p:clrMapOvr>
+  <p:timing>
+    <p:tnLst>
+      <p:par>
+        <p:cTn id="1" dur="indefinite" restart="never" nodeType="tmRoot"/>
+      </p:par>
+    </p:tnLst>
+  </p:timing>
+</p:sld>
+</file>
+
+<file path=ppt/slides/slide15.xml><?xml version="1.0" encoding="utf-8"?>
+<p:sld xmlns:a="http://schemas.openxmlformats.org/drawingml/2006/main" xmlns:r="http://schemas.openxmlformats.org/officeDocument/2006/relationships" xmlns:p="http://schemas.openxmlformats.org/presentationml/2006/main">
+  <p:cSld>
+    <p:spTree>
+      <p:nvGrpSpPr>
+        <p:cNvPr id="1" name=""/>
+        <p:cNvGrpSpPr/>
+        <p:nvPr/>
+      </p:nvGrpSpPr>
+      <p:grpSpPr>
+        <a:xfrm>
+          <a:off x="0" y="0"/>
+          <a:ext cx="0" cy="0"/>
+          <a:chOff x="0" y="0"/>
+          <a:chExt cx="0" cy="0"/>
+        </a:xfrm>
+      </p:grpSpPr>
+      <p:sp>
+        <p:nvSpPr>
+          <p:cNvPr id="3" name="Titre 2"/>
+          <p:cNvSpPr>
+            <a:spLocks noGrp="1"/>
+          </p:cNvSpPr>
+          <p:nvPr>
+            <p:ph type="title"/>
+          </p:nvPr>
+        </p:nvSpPr>
+        <p:spPr/>
+        <p:txBody>
+          <a:bodyPr/>
+          <a:lstStyle/>
+          <a:p>
+            <a:r>
+              <a:rPr lang="en-GB" dirty="0"/>
+              <a:t>Summary of Possible injections</a:t>
+            </a:r>
+          </a:p>
+        </p:txBody>
+      </p:sp>
+      <p:sp>
+        <p:nvSpPr>
+          <p:cNvPr id="4" name="Espace réservé du pied de page 3"/>
+          <p:cNvSpPr>
+            <a:spLocks noGrp="1"/>
+          </p:cNvSpPr>
+          <p:nvPr>
+            <p:ph type="ftr" sz="quarter" idx="11"/>
+          </p:nvPr>
+        </p:nvSpPr>
+        <p:spPr/>
+        <p:txBody>
+          <a:bodyPr/>
+          <a:lstStyle/>
+          <a:p>
+            <a:endParaRPr lang="fr-FR" dirty="0"/>
+          </a:p>
+        </p:txBody>
+      </p:sp>
+      <p:sp>
+        <p:nvSpPr>
+          <p:cNvPr id="5" name="Espace réservé du numéro de diapositive 4"/>
+          <p:cNvSpPr>
+            <a:spLocks noGrp="1"/>
+          </p:cNvSpPr>
+          <p:nvPr>
+            <p:ph type="sldNum" sz="quarter" idx="12"/>
+          </p:nvPr>
+        </p:nvSpPr>
+        <p:spPr/>
+        <p:txBody>
+          <a:bodyPr/>
+          <a:lstStyle/>
+          <a:p>
+            <a:fld id="{AF43E6FD-AB27-4108-A2FC-346BB5F75E3F}" type="slidenum">
+              <a:rPr lang="fr-FR" smtClean="0"/>
+              <a:pPr/>
+              <a:t>15</a:t>
             </a:fld>
             <a:endParaRPr lang="fr-FR" dirty="0"/>
           </a:p>
@@ -12014,819 +14750,13 @@
   <p:clrMapOvr>
     <a:masterClrMapping/>
   </p:clrMapOvr>
-</p:sld>
-</file>
-
-<file path=ppt/slides/slide13.xml><?xml version="1.0" encoding="utf-8"?>
-<p:sld xmlns:a="http://schemas.openxmlformats.org/drawingml/2006/main" xmlns:r="http://schemas.openxmlformats.org/officeDocument/2006/relationships" xmlns:p="http://schemas.openxmlformats.org/presentationml/2006/main">
-  <p:cSld>
-    <p:spTree>
-      <p:nvGrpSpPr>
-        <p:cNvPr id="1" name=""/>
-        <p:cNvGrpSpPr/>
-        <p:nvPr/>
-      </p:nvGrpSpPr>
-      <p:grpSpPr>
-        <a:xfrm>
-          <a:off x="0" y="0"/>
-          <a:ext cx="0" cy="0"/>
-          <a:chOff x="0" y="0"/>
-          <a:chExt cx="0" cy="0"/>
-        </a:xfrm>
-      </p:grpSpPr>
-      <p:sp>
-        <p:nvSpPr>
-          <p:cNvPr id="2" name="Espace réservé du contenu 1"/>
-          <p:cNvSpPr>
-            <a:spLocks noGrp="1"/>
-          </p:cNvSpPr>
-          <p:nvPr>
-            <p:ph idx="1"/>
-          </p:nvPr>
-        </p:nvSpPr>
-        <p:spPr bwMode="gray"/>
-        <p:txBody>
-          <a:bodyPr/>
-          <a:lstStyle/>
-          <a:p>
-            <a:r>
-              <a:rPr lang="en-US" dirty="0"/>
-              <a:t>Angular Start</a:t>
-            </a:r>
-          </a:p>
-          <a:p>
-            <a:pPr lvl="1">
-              <a:buFont typeface="Arial" pitchFamily="34" charset="0"/>
-              <a:buChar char="•"/>
-            </a:pPr>
-            <a:r>
-              <a:rPr lang="en-US" dirty="0" err="1"/>
-              <a:t>app.config</a:t>
-            </a:r>
-            <a:r>
-              <a:rPr lang="en-US" dirty="0"/>
-              <a:t>()</a:t>
-            </a:r>
-          </a:p>
-          <a:p>
-            <a:pPr lvl="1">
-              <a:buFont typeface="Arial" pitchFamily="34" charset="0"/>
-              <a:buChar char="•"/>
-            </a:pPr>
-            <a:r>
-              <a:rPr lang="en-US" dirty="0" err="1"/>
-              <a:t>app.run</a:t>
-            </a:r>
-            <a:r>
-              <a:rPr lang="en-US" dirty="0"/>
-              <a:t>()</a:t>
-            </a:r>
-          </a:p>
-          <a:p>
-            <a:pPr lvl="1">
-              <a:buFont typeface="Arial" pitchFamily="34" charset="0"/>
-              <a:buChar char="•"/>
-            </a:pPr>
-            <a:r>
-              <a:rPr lang="en-US" i="1" dirty="0"/>
-              <a:t>directive's compile functions (if they are found in the </a:t>
-            </a:r>
-            <a:r>
-              <a:rPr lang="en-US" i="1" dirty="0" err="1"/>
-              <a:t>dom</a:t>
-            </a:r>
-            <a:r>
-              <a:rPr lang="en-US" i="1" dirty="0"/>
-              <a:t>)</a:t>
-            </a:r>
-            <a:endParaRPr lang="en-US" dirty="0"/>
-          </a:p>
-          <a:p>
-            <a:pPr lvl="1">
-              <a:buFont typeface="Arial" pitchFamily="34" charset="0"/>
-              <a:buChar char="•"/>
-            </a:pPr>
-            <a:r>
-              <a:rPr lang="en-US" dirty="0" err="1"/>
-              <a:t>app.controller</a:t>
-            </a:r>
-            <a:r>
-              <a:rPr lang="en-US" dirty="0"/>
-              <a:t>()</a:t>
-            </a:r>
-          </a:p>
-          <a:p>
-            <a:pPr lvl="1">
-              <a:buFont typeface="Arial" pitchFamily="34" charset="0"/>
-              <a:buChar char="•"/>
-            </a:pPr>
-            <a:r>
-              <a:rPr lang="en-US" i="1" dirty="0"/>
-              <a:t>directive's link functions (again if found)</a:t>
-            </a:r>
-          </a:p>
-          <a:p>
-            <a:pPr lvl="1">
-              <a:buFont typeface="Arial" pitchFamily="34" charset="0"/>
-              <a:buChar char="•"/>
-            </a:pPr>
-            <a:r>
-              <a:rPr lang="en-US" dirty="0"/>
-              <a:t>demo : </a:t>
-            </a:r>
-            <a:r>
-              <a:rPr lang="en-US" dirty="0">
-                <a:hlinkClick r:id="rId3"/>
-              </a:rPr>
-              <a:t>http://jsfiddle.net/ysq3m/</a:t>
-            </a:r>
-            <a:endParaRPr lang="en-US" dirty="0"/>
-          </a:p>
-          <a:p>
-            <a:r>
-              <a:rPr lang="en-US" b="1" dirty="0"/>
-              <a:t>Run blocks</a:t>
-            </a:r>
-            <a:r>
-              <a:rPr lang="en-US" dirty="0"/>
-              <a:t>  </a:t>
-            </a:r>
-          </a:p>
-          <a:p>
-            <a:pPr lvl="1">
-              <a:buFont typeface="Courier New" pitchFamily="49" charset="0"/>
-              <a:buChar char="o"/>
-            </a:pPr>
-            <a:r>
-              <a:rPr lang="en-US" sz="1400" dirty="0"/>
-              <a:t>get executed after the injector is created and are used to </a:t>
-            </a:r>
-            <a:r>
-              <a:rPr lang="en-US" sz="1400" dirty="0" err="1"/>
-              <a:t>kickstart</a:t>
-            </a:r>
-            <a:r>
-              <a:rPr lang="en-US" sz="1400" dirty="0"/>
-              <a:t> the application. Only instances and constants can be injected into run blocks. This is to prevent further system configuration during application run time.</a:t>
-            </a:r>
-          </a:p>
-          <a:p>
-            <a:pPr lvl="1">
-              <a:buFont typeface="Courier New" pitchFamily="49" charset="0"/>
-              <a:buChar char="o"/>
-            </a:pPr>
-            <a:r>
-              <a:rPr lang="en-US" sz="1400" dirty="0">
-                <a:solidFill>
-                  <a:srgbClr val="FF0000"/>
-                </a:solidFill>
-              </a:rPr>
-              <a:t>Run blocks are the closest thing in Angular to the main method</a:t>
-            </a:r>
-            <a:r>
-              <a:rPr lang="en-US" sz="1400" dirty="0"/>
-              <a:t>. A run block is the code which needs to run to </a:t>
-            </a:r>
-            <a:r>
-              <a:rPr lang="en-US" sz="1400" dirty="0" err="1"/>
-              <a:t>kickstart</a:t>
-            </a:r>
-            <a:r>
-              <a:rPr lang="en-US" sz="1400" dirty="0"/>
-              <a:t> the application. It is executed after all of the services have been configured and the injector has been created. </a:t>
-            </a:r>
-          </a:p>
-          <a:p>
-            <a:pPr lvl="1">
-              <a:buFont typeface="Courier New" pitchFamily="49" charset="0"/>
-              <a:buChar char="o"/>
-            </a:pPr>
-            <a:r>
-              <a:rPr lang="en-US" sz="1400" dirty="0">
-                <a:solidFill>
-                  <a:srgbClr val="FF0000"/>
-                </a:solidFill>
-              </a:rPr>
-              <a:t>Run blocks typically contain code which is hard to unit-tes</a:t>
-            </a:r>
-            <a:r>
-              <a:rPr lang="en-US" sz="1400" dirty="0"/>
-              <a:t>t, and for this reason should be declared in isolated modules, so that they can be ignored in the unit-tests.</a:t>
-            </a:r>
-          </a:p>
-          <a:p>
-            <a:endParaRPr lang="en-US" dirty="0"/>
-          </a:p>
-        </p:txBody>
-      </p:sp>
-      <p:sp>
-        <p:nvSpPr>
-          <p:cNvPr id="3" name="Titre 2"/>
-          <p:cNvSpPr>
-            <a:spLocks noGrp="1"/>
-          </p:cNvSpPr>
-          <p:nvPr>
-            <p:ph type="title"/>
-          </p:nvPr>
-        </p:nvSpPr>
-        <p:spPr bwMode="gray">
-          <a:xfrm>
-            <a:off x="544439" y="260648"/>
-            <a:ext cx="8045374" cy="332546"/>
-          </a:xfrm>
-        </p:spPr>
-        <p:txBody>
-          <a:bodyPr/>
-          <a:lstStyle/>
-          <a:p>
-            <a:r>
-              <a:rPr lang="fr-FR" cap="none" dirty="0"/>
-              <a:t>AngularJS</a:t>
-            </a:r>
-            <a:endParaRPr lang="en-GB" cap="none" dirty="0"/>
-          </a:p>
-        </p:txBody>
-      </p:sp>
-      <p:sp>
-        <p:nvSpPr>
-          <p:cNvPr id="5" name="Espace réservé du numéro de diapositive 4"/>
-          <p:cNvSpPr>
-            <a:spLocks noGrp="1"/>
-          </p:cNvSpPr>
-          <p:nvPr>
-            <p:ph type="sldNum" sz="quarter" idx="12"/>
-          </p:nvPr>
-        </p:nvSpPr>
-        <p:spPr bwMode="gray"/>
-        <p:txBody>
-          <a:bodyPr/>
-          <a:lstStyle/>
-          <a:p>
-            <a:fld id="{AF43E6FD-AB27-4108-A2FC-346BB5F75E3F}" type="slidenum">
-              <a:rPr lang="fr-FR" smtClean="0"/>
-              <a:pPr/>
-              <a:t>13</a:t>
-            </a:fld>
-            <a:endParaRPr lang="fr-FR" dirty="0"/>
-          </a:p>
-        </p:txBody>
-      </p:sp>
-      <p:sp>
-        <p:nvSpPr>
-          <p:cNvPr id="10" name="Espace réservé du texte 9"/>
-          <p:cNvSpPr>
-            <a:spLocks noGrp="1"/>
-          </p:cNvSpPr>
-          <p:nvPr>
-            <p:ph type="body" sz="quarter" idx="13"/>
-          </p:nvPr>
-        </p:nvSpPr>
-        <p:spPr bwMode="gray"/>
-        <p:txBody>
-          <a:bodyPr/>
-          <a:lstStyle/>
-          <a:p>
-            <a:r>
-              <a:rPr lang="en-US" cap="none" dirty="0"/>
-              <a:t>Start</a:t>
-            </a:r>
-            <a:r>
-              <a:rPr lang="en-GB" cap="none" dirty="0" err="1"/>
-              <a:t>ing</a:t>
-            </a:r>
-            <a:r>
-              <a:rPr lang="en-GB" cap="none" dirty="0"/>
-              <a:t> sequence</a:t>
-            </a:r>
-            <a:endParaRPr lang="en-US" cap="none" dirty="0"/>
-          </a:p>
-        </p:txBody>
-      </p:sp>
-      <p:sp>
-        <p:nvSpPr>
-          <p:cNvPr id="6" name="Espace réservé du pied de page 5"/>
-          <p:cNvSpPr>
-            <a:spLocks noGrp="1"/>
-          </p:cNvSpPr>
-          <p:nvPr>
-            <p:ph type="ftr" sz="quarter" idx="11"/>
-          </p:nvPr>
-        </p:nvSpPr>
-        <p:spPr/>
-        <p:txBody>
-          <a:bodyPr/>
-          <a:lstStyle/>
-          <a:p>
-            <a:endParaRPr lang="fr-FR" dirty="0"/>
-          </a:p>
-        </p:txBody>
-      </p:sp>
-      <p:cxnSp>
-        <p:nvCxnSpPr>
-          <p:cNvPr id="8" name="Connecteur droit avec flèche 7"/>
-          <p:cNvCxnSpPr/>
-          <p:nvPr/>
-        </p:nvCxnSpPr>
-        <p:spPr>
-          <a:xfrm flipV="1">
-            <a:off x="572494" y="2275368"/>
-            <a:ext cx="384436" cy="6656"/>
-          </a:xfrm>
-          <a:prstGeom prst="straightConnector1">
-            <a:avLst/>
-          </a:prstGeom>
-          <a:ln w="19050">
-            <a:solidFill>
-              <a:srgbClr val="CF022B"/>
-            </a:solidFill>
-            <a:tailEnd type="arrow"/>
-          </a:ln>
-        </p:spPr>
-        <p:style>
-          <a:lnRef idx="1">
-            <a:schemeClr val="accent1"/>
-          </a:lnRef>
-          <a:fillRef idx="0">
-            <a:schemeClr val="accent1"/>
-          </a:fillRef>
-          <a:effectRef idx="0">
-            <a:schemeClr val="accent1"/>
-          </a:effectRef>
-          <a:fontRef idx="minor">
-            <a:schemeClr val="tx1"/>
-          </a:fontRef>
-        </p:style>
-      </p:cxnSp>
-      <p:cxnSp>
-        <p:nvCxnSpPr>
-          <p:cNvPr id="11" name="Connecteur droit 10"/>
-          <p:cNvCxnSpPr/>
-          <p:nvPr/>
-        </p:nvCxnSpPr>
-        <p:spPr>
-          <a:xfrm>
-            <a:off x="572494" y="2282024"/>
-            <a:ext cx="12296" cy="1779613"/>
-          </a:xfrm>
-          <a:prstGeom prst="line">
-            <a:avLst/>
-          </a:prstGeom>
-          <a:ln w="19050">
-            <a:solidFill>
-              <a:srgbClr val="CF022B"/>
-            </a:solidFill>
-          </a:ln>
-        </p:spPr>
-        <p:style>
-          <a:lnRef idx="1">
-            <a:schemeClr val="accent1"/>
-          </a:lnRef>
-          <a:fillRef idx="0">
-            <a:schemeClr val="accent1"/>
-          </a:fillRef>
-          <a:effectRef idx="0">
-            <a:schemeClr val="accent1"/>
-          </a:effectRef>
-          <a:fontRef idx="minor">
-            <a:schemeClr val="tx1"/>
-          </a:fontRef>
-        </p:style>
-      </p:cxnSp>
-    </p:spTree>
-    <p:extLst>
-      <p:ext uri="{BB962C8B-B14F-4D97-AF65-F5344CB8AC3E}">
-        <p14:creationId xmlns:p14="http://schemas.microsoft.com/office/powerpoint/2010/main" val="2526031973"/>
-      </p:ext>
-    </p:extLst>
-  </p:cSld>
-  <p:clrMapOvr>
-    <a:masterClrMapping/>
-  </p:clrMapOvr>
-</p:sld>
-</file>
-
-<file path=ppt/slides/slide14.xml><?xml version="1.0" encoding="utf-8"?>
-<p:sld xmlns:a="http://schemas.openxmlformats.org/drawingml/2006/main" xmlns:r="http://schemas.openxmlformats.org/officeDocument/2006/relationships" xmlns:p="http://schemas.openxmlformats.org/presentationml/2006/main">
-  <p:cSld>
-    <p:spTree>
-      <p:nvGrpSpPr>
-        <p:cNvPr id="1" name=""/>
-        <p:cNvGrpSpPr/>
-        <p:nvPr/>
-      </p:nvGrpSpPr>
-      <p:grpSpPr>
-        <a:xfrm>
-          <a:off x="0" y="0"/>
-          <a:ext cx="0" cy="0"/>
-          <a:chOff x="0" y="0"/>
-          <a:chExt cx="0" cy="0"/>
-        </a:xfrm>
-      </p:grpSpPr>
-      <p:sp>
-        <p:nvSpPr>
-          <p:cNvPr id="2" name="Espace réservé du contenu 1"/>
-          <p:cNvSpPr>
-            <a:spLocks noGrp="1"/>
-          </p:cNvSpPr>
-          <p:nvPr>
-            <p:ph idx="1"/>
-          </p:nvPr>
-        </p:nvSpPr>
-        <p:spPr bwMode="gray"/>
-        <p:txBody>
-          <a:bodyPr/>
-          <a:lstStyle/>
-          <a:p>
-            <a:r>
-              <a:rPr lang="en-US" dirty="0"/>
-              <a:t>Examples : </a:t>
-            </a:r>
-          </a:p>
-          <a:p>
-            <a:pPr lvl="1"/>
-            <a:r>
-              <a:rPr lang="en-US" dirty="0" err="1"/>
-              <a:t>ProviderInjectables</a:t>
-            </a:r>
-            <a:r>
-              <a:rPr lang="en-US" dirty="0"/>
-              <a:t> :   </a:t>
-            </a:r>
-            <a:r>
-              <a:rPr lang="fr-FR" dirty="0"/>
-              <a:t>$</a:t>
-            </a:r>
-            <a:r>
-              <a:rPr lang="fr-FR" dirty="0" err="1"/>
-              <a:t>stateProvider</a:t>
-            </a:r>
-            <a:r>
-              <a:rPr lang="fr-FR" dirty="0"/>
-              <a:t>,  $</a:t>
-            </a:r>
-            <a:r>
-              <a:rPr lang="fr-FR" dirty="0" err="1"/>
-              <a:t>urlRouterProvider</a:t>
-            </a:r>
-            <a:r>
-              <a:rPr lang="fr-FR" dirty="0"/>
-              <a:t>,  </a:t>
-            </a:r>
-            <a:r>
-              <a:rPr lang="fr-FR" dirty="0" err="1"/>
-              <a:t>MyServiceProvider</a:t>
-            </a:r>
-            <a:endParaRPr lang="en-US" dirty="0"/>
-          </a:p>
-          <a:p>
-            <a:pPr lvl="1"/>
-            <a:r>
-              <a:rPr lang="en-US" dirty="0" err="1"/>
-              <a:t>InstancesInjectables</a:t>
-            </a:r>
-            <a:r>
-              <a:rPr lang="en-US" dirty="0"/>
-              <a:t> :  $http,  </a:t>
-            </a:r>
-            <a:r>
-              <a:rPr lang="en-US" dirty="0" err="1"/>
-              <a:t>MyDao</a:t>
-            </a:r>
-            <a:r>
-              <a:rPr lang="en-US" dirty="0"/>
-              <a:t>,  </a:t>
-            </a:r>
-            <a:r>
-              <a:rPr lang="en-US" dirty="0" err="1"/>
-              <a:t>MyService</a:t>
-            </a:r>
-            <a:r>
-              <a:rPr lang="en-US" dirty="0"/>
-              <a:t>   </a:t>
-            </a:r>
-          </a:p>
-          <a:p>
-            <a:pPr lvl="1"/>
-            <a:endParaRPr lang="en-US" dirty="0"/>
-          </a:p>
-        </p:txBody>
-      </p:sp>
-      <p:sp>
-        <p:nvSpPr>
-          <p:cNvPr id="3" name="Titre 2"/>
-          <p:cNvSpPr>
-            <a:spLocks noGrp="1"/>
-          </p:cNvSpPr>
-          <p:nvPr>
-            <p:ph type="title"/>
-          </p:nvPr>
-        </p:nvSpPr>
-        <p:spPr bwMode="gray">
-          <a:xfrm>
-            <a:off x="544439" y="260648"/>
-            <a:ext cx="8045374" cy="332546"/>
-          </a:xfrm>
-        </p:spPr>
-        <p:txBody>
-          <a:bodyPr/>
-          <a:lstStyle/>
-          <a:p>
-            <a:r>
-              <a:rPr lang="fr-FR" cap="none" dirty="0"/>
-              <a:t>AngularJS</a:t>
-            </a:r>
-            <a:endParaRPr lang="en-GB" cap="none" dirty="0"/>
-          </a:p>
-        </p:txBody>
-      </p:sp>
-      <p:sp>
-        <p:nvSpPr>
-          <p:cNvPr id="5" name="Espace réservé du numéro de diapositive 4"/>
-          <p:cNvSpPr>
-            <a:spLocks noGrp="1"/>
-          </p:cNvSpPr>
-          <p:nvPr>
-            <p:ph type="sldNum" sz="quarter" idx="12"/>
-          </p:nvPr>
-        </p:nvSpPr>
-        <p:spPr bwMode="gray"/>
-        <p:txBody>
-          <a:bodyPr/>
-          <a:lstStyle/>
-          <a:p>
-            <a:fld id="{AF43E6FD-AB27-4108-A2FC-346BB5F75E3F}" type="slidenum">
-              <a:rPr lang="fr-FR" smtClean="0"/>
-              <a:pPr/>
-              <a:t>14</a:t>
-            </a:fld>
-            <a:endParaRPr lang="fr-FR" dirty="0"/>
-          </a:p>
-        </p:txBody>
-      </p:sp>
-      <p:sp>
-        <p:nvSpPr>
-          <p:cNvPr id="10" name="Espace réservé du texte 9"/>
-          <p:cNvSpPr>
-            <a:spLocks noGrp="1"/>
-          </p:cNvSpPr>
-          <p:nvPr>
-            <p:ph type="body" sz="quarter" idx="13"/>
-          </p:nvPr>
-        </p:nvSpPr>
-        <p:spPr bwMode="gray"/>
-        <p:txBody>
-          <a:bodyPr/>
-          <a:lstStyle/>
-          <a:p>
-            <a:r>
-              <a:rPr lang="en-US" cap="none" dirty="0"/>
-              <a:t>Start</a:t>
-            </a:r>
-            <a:r>
-              <a:rPr lang="en-GB" cap="none" dirty="0" err="1"/>
-              <a:t>ing</a:t>
-            </a:r>
-            <a:r>
-              <a:rPr lang="en-GB" cap="none" dirty="0"/>
-              <a:t> sequence</a:t>
-            </a:r>
-            <a:endParaRPr lang="en-US" cap="none" dirty="0"/>
-          </a:p>
-        </p:txBody>
-      </p:sp>
-      <p:sp>
-        <p:nvSpPr>
-          <p:cNvPr id="6" name="Espace réservé du pied de page 5"/>
-          <p:cNvSpPr>
-            <a:spLocks noGrp="1"/>
-          </p:cNvSpPr>
-          <p:nvPr>
-            <p:ph type="ftr" sz="quarter" idx="11"/>
-          </p:nvPr>
-        </p:nvSpPr>
-        <p:spPr/>
-        <p:txBody>
-          <a:bodyPr/>
-          <a:lstStyle/>
-          <a:p>
-            <a:endParaRPr lang="fr-FR" dirty="0"/>
-          </a:p>
-        </p:txBody>
-      </p:sp>
-      <p:pic>
-        <p:nvPicPr>
-          <p:cNvPr id="1027" name="Picture 3"/>
-          <p:cNvPicPr>
-            <a:picLocks noChangeAspect="1" noChangeArrowheads="1"/>
-          </p:cNvPicPr>
-          <p:nvPr/>
-        </p:nvPicPr>
-        <p:blipFill>
-          <a:blip r:embed="rId3"/>
-          <a:srcRect/>
-          <a:stretch>
-            <a:fillRect/>
-          </a:stretch>
-        </p:blipFill>
-        <p:spPr bwMode="auto">
-          <a:xfrm>
-            <a:off x="1985963" y="2890838"/>
-            <a:ext cx="5240245" cy="1852612"/>
-          </a:xfrm>
-          <a:prstGeom prst="rect">
-            <a:avLst/>
-          </a:prstGeom>
-          <a:noFill/>
-          <a:ln w="9525">
-            <a:solidFill>
-              <a:schemeClr val="tx1"/>
-            </a:solidFill>
-            <a:miter lim="800000"/>
-            <a:headEnd/>
-            <a:tailEnd/>
-          </a:ln>
-        </p:spPr>
-      </p:pic>
-    </p:spTree>
-    <p:extLst>
-      <p:ext uri="{BB962C8B-B14F-4D97-AF65-F5344CB8AC3E}">
-        <p14:creationId xmlns:p14="http://schemas.microsoft.com/office/powerpoint/2010/main" val="2526031973"/>
-      </p:ext>
-    </p:extLst>
-  </p:cSld>
-  <p:clrMapOvr>
-    <a:masterClrMapping/>
-  </p:clrMapOvr>
-</p:sld>
-</file>
-
-<file path=ppt/slides/slide15.xml><?xml version="1.0" encoding="utf-8"?>
-<p:sld xmlns:a="http://schemas.openxmlformats.org/drawingml/2006/main" xmlns:r="http://schemas.openxmlformats.org/officeDocument/2006/relationships" xmlns:p="http://schemas.openxmlformats.org/presentationml/2006/main">
-  <p:cSld>
-    <p:spTree>
-      <p:nvGrpSpPr>
-        <p:cNvPr id="1" name=""/>
-        <p:cNvGrpSpPr/>
-        <p:nvPr/>
-      </p:nvGrpSpPr>
-      <p:grpSpPr>
-        <a:xfrm>
-          <a:off x="0" y="0"/>
-          <a:ext cx="0" cy="0"/>
-          <a:chOff x="0" y="0"/>
-          <a:chExt cx="0" cy="0"/>
-        </a:xfrm>
-      </p:grpSpPr>
-      <p:sp>
-        <p:nvSpPr>
-          <p:cNvPr id="4" name="Espace réservé du numéro de diapositive 3"/>
-          <p:cNvSpPr>
-            <a:spLocks noGrp="1"/>
-          </p:cNvSpPr>
-          <p:nvPr>
-            <p:ph type="sldNum" sz="quarter" idx="14"/>
-          </p:nvPr>
-        </p:nvSpPr>
-        <p:spPr/>
-        <p:txBody>
-          <a:bodyPr/>
-          <a:lstStyle/>
-          <a:p>
-            <a:fld id="{AF43E6FD-AB27-4108-A2FC-346BB5F75E3F}" type="slidenum">
-              <a:rPr lang="fr-FR" smtClean="0"/>
-              <a:pPr/>
-              <a:t>15</a:t>
-            </a:fld>
-            <a:endParaRPr lang="fr-FR" dirty="0"/>
-          </a:p>
-        </p:txBody>
-      </p:sp>
-      <p:sp>
-        <p:nvSpPr>
-          <p:cNvPr id="5" name="Titre 4"/>
-          <p:cNvSpPr>
-            <a:spLocks noGrp="1"/>
-          </p:cNvSpPr>
-          <p:nvPr>
-            <p:ph type="ctrTitle"/>
-          </p:nvPr>
-        </p:nvSpPr>
-        <p:spPr/>
-        <p:txBody>
-          <a:bodyPr/>
-          <a:lstStyle/>
-          <a:p>
-            <a:r>
-              <a:rPr lang="fr-FR" cap="none" dirty="0"/>
-              <a:t>Do not </a:t>
-            </a:r>
-            <a:r>
-              <a:rPr lang="fr-FR" cap="none" dirty="0" err="1"/>
-              <a:t>create</a:t>
-            </a:r>
-            <a:r>
-              <a:rPr lang="fr-FR" cap="none" dirty="0"/>
-              <a:t> </a:t>
-            </a:r>
-            <a:r>
-              <a:rPr lang="fr-FR" cap="none" dirty="0" err="1"/>
-              <a:t>twice</a:t>
-            </a:r>
-            <a:r>
-              <a:rPr lang="fr-FR" cap="none" dirty="0"/>
-              <a:t> the </a:t>
-            </a:r>
-            <a:r>
-              <a:rPr lang="fr-FR" cap="none" dirty="0" err="1"/>
-              <a:t>same</a:t>
-            </a:r>
-            <a:r>
-              <a:rPr lang="fr-FR" cap="none" dirty="0"/>
-              <a:t> service </a:t>
-            </a:r>
-            <a:r>
-              <a:rPr lang="fr-FR" cap="none" dirty="0" err="1"/>
-              <a:t>name</a:t>
-            </a:r>
-            <a:r>
-              <a:rPr lang="fr-FR" cap="none" dirty="0"/>
-              <a:t> !</a:t>
-            </a:r>
-          </a:p>
-        </p:txBody>
-      </p:sp>
-      <p:sp>
-        <p:nvSpPr>
-          <p:cNvPr id="6" name="Sous-titre 5"/>
-          <p:cNvSpPr>
-            <a:spLocks noGrp="1"/>
-          </p:cNvSpPr>
-          <p:nvPr>
-            <p:ph type="subTitle" idx="1"/>
-          </p:nvPr>
-        </p:nvSpPr>
-        <p:spPr>
-          <a:xfrm>
-            <a:off x="546100" y="4654553"/>
-            <a:ext cx="6457215" cy="307777"/>
-          </a:xfrm>
-        </p:spPr>
-        <p:txBody>
-          <a:bodyPr/>
-          <a:lstStyle/>
-          <a:p>
-            <a:endParaRPr lang="fr-FR" dirty="0"/>
-          </a:p>
-        </p:txBody>
-      </p:sp>
-      <p:sp>
-        <p:nvSpPr>
-          <p:cNvPr id="2" name="Espace réservé du pied de page 1"/>
-          <p:cNvSpPr>
-            <a:spLocks noGrp="1"/>
-          </p:cNvSpPr>
-          <p:nvPr>
-            <p:ph type="ftr" sz="quarter" idx="13"/>
-          </p:nvPr>
-        </p:nvSpPr>
-        <p:spPr/>
-        <p:txBody>
-          <a:bodyPr/>
-          <a:lstStyle/>
-          <a:p>
-            <a:endParaRPr lang="fr-FR" dirty="0"/>
-          </a:p>
-        </p:txBody>
-      </p:sp>
-      <p:pic>
-        <p:nvPicPr>
-          <p:cNvPr id="8" name="Espace réservé pour une image  7" descr="land.jpg"/>
-          <p:cNvPicPr>
-            <a:picLocks noGrp="1" noChangeAspect="1"/>
-          </p:cNvPicPr>
-          <p:nvPr>
-            <p:ph type="pic" sz="quarter" idx="15"/>
-          </p:nvPr>
-        </p:nvPicPr>
-        <p:blipFill>
-          <a:blip r:embed="rId2"/>
-          <a:srcRect t="11143" b="11143"/>
-          <a:stretch>
-            <a:fillRect/>
-          </a:stretch>
-        </p:blipFill>
-        <p:spPr/>
-      </p:pic>
-    </p:spTree>
-    <p:extLst>
-      <p:ext uri="{BB962C8B-B14F-4D97-AF65-F5344CB8AC3E}">
-        <p14:creationId xmlns:p14="http://schemas.microsoft.com/office/powerpoint/2010/main" val="1806273576"/>
-      </p:ext>
-    </p:extLst>
-  </p:cSld>
-  <p:clrMapOvr>
-    <a:masterClrMapping/>
-  </p:clrMapOvr>
+  <p:timing>
+    <p:tnLst>
+      <p:par>
+        <p:cTn id="1" dur="indefinite" restart="never" nodeType="tmRoot"/>
+      </p:par>
+    </p:tnLst>
+  </p:timing>
 </p:sld>
 </file>
 
@@ -12859,51 +14789,25 @@
         </p:nvSpPr>
         <p:spPr bwMode="gray">
           <a:xfrm>
-            <a:off x="585936" y="3777437"/>
-            <a:ext cx="8088511" cy="2485139"/>
+            <a:off x="515938" y="1484313"/>
+            <a:ext cx="8088511" cy="615214"/>
           </a:xfrm>
         </p:spPr>
         <p:txBody>
-          <a:bodyPr>
-            <a:normAutofit fontScale="92500" lnSpcReduction="20000"/>
-          </a:bodyPr>
-          <a:lstStyle/>
-          <a:p>
-            <a:r>
-              <a:rPr lang="en-US" dirty="0"/>
-              <a:t>We could think that each Module would have a namespace isolating its Controllers    : (    no !</a:t>
-            </a:r>
-          </a:p>
-          <a:p>
-            <a:r>
-              <a:rPr lang="en-US" dirty="0"/>
-              <a:t>There is NO name isolation between modules, </a:t>
-            </a:r>
-            <a:br>
-              <a:rPr lang="en-US" dirty="0"/>
-            </a:br>
-            <a:r>
-              <a:rPr lang="en-US" dirty="0"/>
-              <a:t>and Controller names are shared.  Same goes for Services, Directives ….</a:t>
-            </a:r>
-          </a:p>
-          <a:p>
-            <a:r>
-              <a:rPr lang="en-US" dirty="0"/>
-              <a:t>Example : Controller1 in Module1 will be the same as Controller1 in Module2.  </a:t>
-            </a:r>
-          </a:p>
-          <a:p>
-            <a:r>
-              <a:rPr lang="en-US" dirty="0"/>
-              <a:t>And if 2 different codes are produced, they will conflict </a:t>
-            </a:r>
-            <a:br>
-              <a:rPr lang="en-US" dirty="0"/>
-            </a:br>
-            <a:r>
-              <a:rPr lang="en-US" dirty="0"/>
-              <a:t>=&gt; the last defined will override the first.</a:t>
+          <a:bodyPr/>
+          <a:lstStyle/>
+          <a:p>
+            <a:r>
+              <a:rPr lang="en-US" dirty="0" smtClean="0"/>
+              <a:t>Do not use </a:t>
+            </a:r>
+            <a:r>
+              <a:rPr lang="en-US" b="1" dirty="0" smtClean="0"/>
+              <a:t>$ </a:t>
+            </a:r>
+            <a:r>
+              <a:rPr lang="en-US" dirty="0" smtClean="0"/>
+              <a:t>as a prefix =&gt; only for angular services ($http, $q…)</a:t>
             </a:r>
           </a:p>
         </p:txBody>
@@ -12929,8 +14833,12 @@
           <a:lstStyle/>
           <a:p>
             <a:r>
-              <a:rPr lang="fr-FR" cap="none" dirty="0"/>
-              <a:t>AngularJS</a:t>
+              <a:rPr lang="fr-FR" cap="none" dirty="0" err="1" smtClean="0"/>
+              <a:t>Naming</a:t>
+            </a:r>
+            <a:r>
+              <a:rPr lang="fr-FR" cap="none" dirty="0" smtClean="0"/>
+              <a:t> a service</a:t>
             </a:r>
             <a:endParaRPr lang="en-GB" cap="none" dirty="0"/>
           </a:p>
@@ -13000,23 +14908,21 @@
       </p:sp>
       <p:pic>
         <p:nvPicPr>
-          <p:cNvPr id="3074" name="Picture 2"/>
+          <p:cNvPr id="8" name="Picture 3"/>
           <p:cNvPicPr>
             <a:picLocks noChangeAspect="1" noChangeArrowheads="1"/>
           </p:cNvPicPr>
           <p:nvPr/>
         </p:nvPicPr>
-        <p:blipFill>
+        <p:blipFill rotWithShape="1">
           <a:blip r:embed="rId3"/>
-          <a:srcRect/>
-          <a:stretch>
-            <a:fillRect/>
-          </a:stretch>
+          <a:srcRect t="9850"/>
+          <a:stretch/>
         </p:blipFill>
         <p:spPr bwMode="auto">
           <a:xfrm>
-            <a:off x="1954105" y="503231"/>
-            <a:ext cx="5212240" cy="3202591"/>
+            <a:off x="4067032" y="2149753"/>
+            <a:ext cx="4872251" cy="3868910"/>
           </a:xfrm>
           <a:prstGeom prst="rect">
             <a:avLst/>
@@ -13030,719 +14936,244 @@
           </a:ln>
         </p:spPr>
       </p:pic>
+      <p:sp>
+        <p:nvSpPr>
+          <p:cNvPr id="9" name="Espace réservé du contenu 1"/>
+          <p:cNvSpPr txBox="1">
+            <a:spLocks/>
+          </p:cNvSpPr>
+          <p:nvPr/>
+        </p:nvSpPr>
+        <p:spPr bwMode="gray">
+          <a:xfrm>
+            <a:off x="418356" y="2432832"/>
+            <a:ext cx="3403017" cy="3585832"/>
+          </a:xfrm>
+          <a:prstGeom prst="rect">
+            <a:avLst/>
+          </a:prstGeom>
+        </p:spPr>
+        <p:txBody>
+          <a:bodyPr vert="horz" lIns="0" tIns="0" rIns="0" bIns="0" rtlCol="0">
+            <a:noAutofit/>
+          </a:bodyPr>
+          <a:lstStyle>
+            <a:lvl1pPr marL="271463" indent="-271463" algn="l" defTabSz="914199" rtl="0" eaLnBrk="1" latinLnBrk="0" hangingPunct="1">
+              <a:spcBef>
+                <a:spcPts val="1800"/>
+              </a:spcBef>
+              <a:buClr>
+                <a:srgbClr val="CF022B"/>
+              </a:buClr>
+              <a:buSzPct val="90000"/>
+              <a:buFontTx/>
+              <a:buBlip>
+                <a:blip r:embed="rId4"/>
+              </a:buBlip>
+              <a:tabLst/>
+              <a:defRPr sz="2000" kern="1200" normalizeH="0" baseline="0">
+                <a:solidFill>
+                  <a:schemeClr val="tx1"/>
+                </a:solidFill>
+                <a:latin typeface="+mn-lt"/>
+                <a:ea typeface="+mn-ea"/>
+                <a:cs typeface="+mn-cs"/>
+              </a:defRPr>
+            </a:lvl1pPr>
+            <a:lvl2pPr marL="715963" indent="-242888" algn="l" defTabSz="914199" rtl="0" eaLnBrk="1" latinLnBrk="0" hangingPunct="1">
+              <a:spcBef>
+                <a:spcPts val="411"/>
+              </a:spcBef>
+              <a:buClr>
+                <a:schemeClr val="accent4"/>
+              </a:buClr>
+              <a:buSzPct val="100000"/>
+              <a:buFont typeface="Wingdings" panose="05000000000000000000" pitchFamily="2" charset="2"/>
+              <a:buChar char=""/>
+              <a:tabLst/>
+              <a:defRPr sz="1800" kern="1200">
+                <a:solidFill>
+                  <a:schemeClr val="tx1"/>
+                </a:solidFill>
+                <a:latin typeface="+mn-lt"/>
+                <a:ea typeface="+mn-ea"/>
+                <a:cs typeface="+mn-cs"/>
+              </a:defRPr>
+            </a:lvl2pPr>
+            <a:lvl3pPr marL="989013" marR="0" indent="-203200" algn="l" defTabSz="725488" rtl="0" eaLnBrk="1" fontAlgn="auto" latinLnBrk="0" hangingPunct="1">
+              <a:lnSpc>
+                <a:spcPct val="100000"/>
+              </a:lnSpc>
+              <a:spcBef>
+                <a:spcPts val="411"/>
+              </a:spcBef>
+              <a:spcAft>
+                <a:spcPts val="0"/>
+              </a:spcAft>
+              <a:buClrTx/>
+              <a:buSzTx/>
+              <a:buFont typeface="Calibri" panose="020F0502020204030204" pitchFamily="34" charset="0"/>
+              <a:buChar char="‐"/>
+              <a:tabLst/>
+              <a:defRPr lang="fr-FR" sz="1600" i="0" kern="1200" baseline="0" dirty="0" smtClean="0">
+                <a:solidFill>
+                  <a:schemeClr val="tx1"/>
+                </a:solidFill>
+                <a:latin typeface="+mn-lt"/>
+                <a:ea typeface="+mn-ea"/>
+                <a:cs typeface="+mn-cs"/>
+              </a:defRPr>
+            </a:lvl3pPr>
+            <a:lvl4pPr marL="990600" indent="-206375" algn="l" defTabSz="914199" rtl="0" eaLnBrk="1" latinLnBrk="0" hangingPunct="1">
+              <a:spcBef>
+                <a:spcPts val="0"/>
+              </a:spcBef>
+              <a:buFont typeface="Calibri" panose="020F0502020204030204" pitchFamily="34" charset="0"/>
+              <a:buChar char="‐"/>
+              <a:tabLst/>
+              <a:defRPr sz="1600" i="0" kern="1200">
+                <a:solidFill>
+                  <a:schemeClr val="tx1"/>
+                </a:solidFill>
+                <a:latin typeface="+mn-lt"/>
+                <a:ea typeface="+mn-ea"/>
+                <a:cs typeface="+mn-cs"/>
+              </a:defRPr>
+            </a:lvl4pPr>
+            <a:lvl5pPr marL="985838" marR="0" indent="-198438" algn="l" defTabSz="914199" rtl="0" eaLnBrk="1" fontAlgn="auto" latinLnBrk="0" hangingPunct="1">
+              <a:lnSpc>
+                <a:spcPct val="100000"/>
+              </a:lnSpc>
+              <a:spcBef>
+                <a:spcPts val="0"/>
+              </a:spcBef>
+              <a:spcAft>
+                <a:spcPts val="0"/>
+              </a:spcAft>
+              <a:buClrTx/>
+              <a:buSzTx/>
+              <a:buFont typeface="Calibri" panose="020F0502020204030204" pitchFamily="34" charset="0"/>
+              <a:buChar char="‐"/>
+              <a:tabLst/>
+              <a:defRPr sz="1600" i="0" kern="1200">
+                <a:solidFill>
+                  <a:schemeClr val="tx1"/>
+                </a:solidFill>
+                <a:latin typeface="+mn-lt"/>
+                <a:ea typeface="+mn-ea"/>
+                <a:cs typeface="+mn-cs"/>
+              </a:defRPr>
+            </a:lvl5pPr>
+            <a:lvl6pPr marL="1079500" indent="-88900" algn="l" defTabSz="914199" rtl="0" eaLnBrk="1" latinLnBrk="0" hangingPunct="1">
+              <a:spcBef>
+                <a:spcPct val="20000"/>
+              </a:spcBef>
+              <a:buFont typeface="Calibri" panose="020F0502020204030204" pitchFamily="34" charset="0"/>
+              <a:buChar char="‐"/>
+              <a:defRPr sz="1600" kern="1200">
+                <a:solidFill>
+                  <a:schemeClr val="tx1"/>
+                </a:solidFill>
+                <a:latin typeface="+mn-lt"/>
+                <a:ea typeface="+mn-ea"/>
+                <a:cs typeface="+mn-cs"/>
+              </a:defRPr>
+            </a:lvl6pPr>
+            <a:lvl7pPr marL="360000" indent="0" algn="l" defTabSz="914199" rtl="0" eaLnBrk="1" latinLnBrk="0" hangingPunct="1">
+              <a:spcBef>
+                <a:spcPct val="20000"/>
+              </a:spcBef>
+              <a:buFont typeface="Calibri" panose="020F0502020204030204" pitchFamily="34" charset="0"/>
+              <a:buChar char="‐"/>
+              <a:defRPr sz="1600" kern="1200">
+                <a:solidFill>
+                  <a:schemeClr val="tx1"/>
+                </a:solidFill>
+                <a:latin typeface="+mn-lt"/>
+                <a:ea typeface="+mn-ea"/>
+                <a:cs typeface="+mn-cs"/>
+              </a:defRPr>
+            </a:lvl7pPr>
+            <a:lvl8pPr marL="3428245" indent="-228550" algn="l" defTabSz="914199" rtl="0" eaLnBrk="1" latinLnBrk="0" hangingPunct="1">
+              <a:spcBef>
+                <a:spcPct val="20000"/>
+              </a:spcBef>
+              <a:buFont typeface="Arial" pitchFamily="34" charset="0"/>
+              <a:buChar char="•"/>
+              <a:defRPr sz="2000" kern="1200">
+                <a:solidFill>
+                  <a:schemeClr val="tx1"/>
+                </a:solidFill>
+                <a:latin typeface="+mn-lt"/>
+                <a:ea typeface="+mn-ea"/>
+                <a:cs typeface="+mn-cs"/>
+              </a:defRPr>
+            </a:lvl8pPr>
+            <a:lvl9pPr marL="3885345" indent="-228550" algn="l" defTabSz="914199" rtl="0" eaLnBrk="1" latinLnBrk="0" hangingPunct="1">
+              <a:spcBef>
+                <a:spcPct val="20000"/>
+              </a:spcBef>
+              <a:buFont typeface="Arial" pitchFamily="34" charset="0"/>
+              <a:buChar char="•"/>
+              <a:defRPr sz="2000" kern="1200">
+                <a:solidFill>
+                  <a:schemeClr val="tx1"/>
+                </a:solidFill>
+                <a:latin typeface="+mn-lt"/>
+                <a:ea typeface="+mn-ea"/>
+                <a:cs typeface="+mn-cs"/>
+              </a:defRPr>
+            </a:lvl9pPr>
+          </a:lstStyle>
+          <a:p>
+            <a:endParaRPr lang="en-US" dirty="0" smtClean="0"/>
+          </a:p>
+          <a:p>
+            <a:r>
+              <a:rPr lang="en-US" dirty="0" smtClean="0"/>
+              <a:t>There is </a:t>
+            </a:r>
+            <a:r>
+              <a:rPr lang="en-US" b="1" dirty="0" smtClean="0"/>
+              <a:t>NO</a:t>
+            </a:r>
+            <a:r>
+              <a:rPr lang="en-US" dirty="0" smtClean="0"/>
+              <a:t> name isolation between modules =&gt; Controller names, Services names Directives names are shared</a:t>
+            </a:r>
+          </a:p>
+          <a:p>
+            <a:endParaRPr lang="en-US" dirty="0" smtClean="0"/>
+          </a:p>
+          <a:p>
+            <a:pPr marL="0" indent="0">
+              <a:buFontTx/>
+              <a:buNone/>
+            </a:pPr>
+            <a:endParaRPr lang="en-US" dirty="0" smtClean="0"/>
+          </a:p>
+          <a:p>
+            <a:endParaRPr lang="en-US" dirty="0" smtClean="0"/>
+          </a:p>
+        </p:txBody>
+      </p:sp>
     </p:spTree>
     <p:extLst>
       <p:ext uri="{BB962C8B-B14F-4D97-AF65-F5344CB8AC3E}">
-        <p14:creationId xmlns:p14="http://schemas.microsoft.com/office/powerpoint/2010/main" val="709467454"/>
+        <p14:creationId xmlns:p14="http://schemas.microsoft.com/office/powerpoint/2010/main" val="2560547507"/>
       </p:ext>
     </p:extLst>
   </p:cSld>
   <p:clrMapOvr>
     <a:masterClrMapping/>
   </p:clrMapOvr>
-</p:sld>
-</file>
-
-<file path=ppt/slides/slide17.xml><?xml version="1.0" encoding="utf-8"?>
-<p:sld xmlns:a="http://schemas.openxmlformats.org/drawingml/2006/main" xmlns:r="http://schemas.openxmlformats.org/officeDocument/2006/relationships" xmlns:p="http://schemas.openxmlformats.org/presentationml/2006/main">
-  <p:cSld>
-    <p:spTree>
-      <p:nvGrpSpPr>
-        <p:cNvPr id="1" name=""/>
-        <p:cNvGrpSpPr/>
-        <p:nvPr/>
-      </p:nvGrpSpPr>
-      <p:grpSpPr>
-        <a:xfrm>
-          <a:off x="0" y="0"/>
-          <a:ext cx="0" cy="0"/>
-          <a:chOff x="0" y="0"/>
-          <a:chExt cx="0" cy="0"/>
-        </a:xfrm>
-      </p:grpSpPr>
-      <p:sp>
-        <p:nvSpPr>
-          <p:cNvPr id="2" name="Espace réservé du contenu 1"/>
-          <p:cNvSpPr>
-            <a:spLocks noGrp="1"/>
-          </p:cNvSpPr>
-          <p:nvPr>
-            <p:ph idx="1"/>
-          </p:nvPr>
-        </p:nvSpPr>
-        <p:spPr bwMode="gray"/>
-        <p:txBody>
-          <a:bodyPr/>
-          <a:lstStyle/>
-          <a:p>
-            <a:r>
-              <a:rPr lang="en-US" dirty="0"/>
-              <a:t>As in Spring, the $injector has singleton instances BY THEIR NAMES, even if you have multiple modules (not often, for simple app)</a:t>
-            </a:r>
-          </a:p>
-        </p:txBody>
-      </p:sp>
-      <p:sp>
-        <p:nvSpPr>
-          <p:cNvPr id="3" name="Titre 2"/>
-          <p:cNvSpPr>
-            <a:spLocks noGrp="1"/>
-          </p:cNvSpPr>
-          <p:nvPr>
-            <p:ph type="title"/>
-          </p:nvPr>
-        </p:nvSpPr>
-        <p:spPr bwMode="gray">
-          <a:xfrm>
-            <a:off x="544439" y="260648"/>
-            <a:ext cx="8045374" cy="332546"/>
-          </a:xfrm>
-        </p:spPr>
-        <p:txBody>
-          <a:bodyPr/>
-          <a:lstStyle/>
-          <a:p>
-            <a:r>
-              <a:rPr lang="fr-FR" cap="none" dirty="0"/>
-              <a:t>AngularJS</a:t>
-            </a:r>
-            <a:endParaRPr lang="en-GB" cap="none" dirty="0"/>
-          </a:p>
-        </p:txBody>
-      </p:sp>
-      <p:sp>
-        <p:nvSpPr>
-          <p:cNvPr id="5" name="Espace réservé du numéro de diapositive 4"/>
-          <p:cNvSpPr>
-            <a:spLocks noGrp="1"/>
-          </p:cNvSpPr>
-          <p:nvPr>
-            <p:ph type="sldNum" sz="quarter" idx="12"/>
-          </p:nvPr>
-        </p:nvSpPr>
-        <p:spPr bwMode="gray"/>
-        <p:txBody>
-          <a:bodyPr/>
-          <a:lstStyle/>
-          <a:p>
-            <a:fld id="{AF43E6FD-AB27-4108-A2FC-346BB5F75E3F}" type="slidenum">
-              <a:rPr lang="fr-FR" smtClean="0"/>
-              <a:pPr/>
-              <a:t>17</a:t>
-            </a:fld>
-            <a:endParaRPr lang="fr-FR" dirty="0"/>
-          </a:p>
-        </p:txBody>
-      </p:sp>
-      <p:sp>
-        <p:nvSpPr>
-          <p:cNvPr id="10" name="Espace réservé du texte 9"/>
-          <p:cNvSpPr>
-            <a:spLocks noGrp="1"/>
-          </p:cNvSpPr>
-          <p:nvPr>
-            <p:ph type="body" sz="quarter" idx="13"/>
-          </p:nvPr>
-        </p:nvSpPr>
-        <p:spPr bwMode="gray"/>
-        <p:txBody>
-          <a:bodyPr/>
-          <a:lstStyle/>
-          <a:p>
-            <a:endParaRPr lang="en-GB" cap="none" dirty="0"/>
-          </a:p>
-        </p:txBody>
-      </p:sp>
-      <p:sp>
-        <p:nvSpPr>
-          <p:cNvPr id="6" name="Espace réservé du pied de page 5"/>
-          <p:cNvSpPr>
-            <a:spLocks noGrp="1"/>
-          </p:cNvSpPr>
-          <p:nvPr>
-            <p:ph type="ftr" sz="quarter" idx="11"/>
-          </p:nvPr>
-        </p:nvSpPr>
-        <p:spPr/>
-        <p:txBody>
-          <a:bodyPr/>
-          <a:lstStyle/>
-          <a:p>
-            <a:endParaRPr lang="fr-FR" dirty="0"/>
-          </a:p>
-        </p:txBody>
-      </p:sp>
-      <p:pic>
-        <p:nvPicPr>
-          <p:cNvPr id="2051" name="Picture 3"/>
-          <p:cNvPicPr>
-            <a:picLocks noChangeAspect="1" noChangeArrowheads="1"/>
-          </p:cNvPicPr>
-          <p:nvPr/>
-        </p:nvPicPr>
-        <p:blipFill>
-          <a:blip r:embed="rId3"/>
-          <a:srcRect/>
-          <a:stretch>
-            <a:fillRect/>
-          </a:stretch>
-        </p:blipFill>
-        <p:spPr bwMode="auto">
-          <a:xfrm>
-            <a:off x="2555776" y="2348880"/>
-            <a:ext cx="4176464" cy="3678751"/>
-          </a:xfrm>
-          <a:prstGeom prst="rect">
-            <a:avLst/>
-          </a:prstGeom>
-          <a:noFill/>
-          <a:ln w="9525">
-            <a:noFill/>
-            <a:miter lim="800000"/>
-            <a:headEnd/>
-            <a:tailEnd/>
-          </a:ln>
-        </p:spPr>
-      </p:pic>
-    </p:spTree>
-    <p:extLst>
-      <p:ext uri="{BB962C8B-B14F-4D97-AF65-F5344CB8AC3E}">
-        <p14:creationId xmlns:p14="http://schemas.microsoft.com/office/powerpoint/2010/main" val="1895388911"/>
-      </p:ext>
-    </p:extLst>
-  </p:cSld>
-  <p:clrMapOvr>
-    <a:masterClrMapping/>
-  </p:clrMapOvr>
-</p:sld>
-</file>
-
-<file path=ppt/slides/slide18.xml><?xml version="1.0" encoding="utf-8"?>
-<p:sld xmlns:a="http://schemas.openxmlformats.org/drawingml/2006/main" xmlns:r="http://schemas.openxmlformats.org/officeDocument/2006/relationships" xmlns:p="http://schemas.openxmlformats.org/presentationml/2006/main">
-  <p:cSld>
-    <p:spTree>
-      <p:nvGrpSpPr>
-        <p:cNvPr id="1" name=""/>
-        <p:cNvGrpSpPr/>
-        <p:nvPr/>
-      </p:nvGrpSpPr>
-      <p:grpSpPr>
-        <a:xfrm>
-          <a:off x="0" y="0"/>
-          <a:ext cx="0" cy="0"/>
-          <a:chOff x="0" y="0"/>
-          <a:chExt cx="0" cy="0"/>
-        </a:xfrm>
-      </p:grpSpPr>
-      <p:sp>
-        <p:nvSpPr>
-          <p:cNvPr id="3" name="Titre 2"/>
-          <p:cNvSpPr>
-            <a:spLocks noGrp="1"/>
-          </p:cNvSpPr>
-          <p:nvPr>
-            <p:ph type="title"/>
-          </p:nvPr>
-        </p:nvSpPr>
-        <p:spPr bwMode="gray">
-          <a:xfrm>
-            <a:off x="544439" y="260648"/>
-            <a:ext cx="8045374" cy="332546"/>
-          </a:xfrm>
-        </p:spPr>
-        <p:txBody>
-          <a:bodyPr/>
-          <a:lstStyle/>
-          <a:p>
-            <a:r>
-              <a:rPr lang="fr-FR" cap="none" dirty="0"/>
-              <a:t>AngularJS</a:t>
-            </a:r>
-            <a:endParaRPr lang="en-GB" cap="none" dirty="0"/>
-          </a:p>
-        </p:txBody>
-      </p:sp>
-      <p:sp>
-        <p:nvSpPr>
-          <p:cNvPr id="5" name="Espace réservé du numéro de diapositive 4"/>
-          <p:cNvSpPr>
-            <a:spLocks noGrp="1"/>
-          </p:cNvSpPr>
-          <p:nvPr>
-            <p:ph type="sldNum" sz="quarter" idx="12"/>
-          </p:nvPr>
-        </p:nvSpPr>
-        <p:spPr bwMode="gray"/>
-        <p:txBody>
-          <a:bodyPr/>
-          <a:lstStyle/>
-          <a:p>
-            <a:fld id="{AF43E6FD-AB27-4108-A2FC-346BB5F75E3F}" type="slidenum">
-              <a:rPr lang="fr-FR" smtClean="0"/>
-              <a:pPr/>
-              <a:t>18</a:t>
-            </a:fld>
-            <a:endParaRPr lang="fr-FR" dirty="0"/>
-          </a:p>
-        </p:txBody>
-      </p:sp>
-      <p:sp>
-        <p:nvSpPr>
-          <p:cNvPr id="10" name="Espace réservé du texte 9"/>
-          <p:cNvSpPr>
-            <a:spLocks noGrp="1"/>
-          </p:cNvSpPr>
-          <p:nvPr>
-            <p:ph type="body" sz="quarter" idx="13"/>
-          </p:nvPr>
-        </p:nvSpPr>
-        <p:spPr bwMode="gray"/>
-        <p:txBody>
-          <a:bodyPr/>
-          <a:lstStyle/>
-          <a:p>
-            <a:r>
-              <a:rPr lang="en-GB" cap="none" dirty="0"/>
-              <a:t>Controller : Override Example</a:t>
-            </a:r>
-          </a:p>
-        </p:txBody>
-      </p:sp>
-      <p:sp>
-        <p:nvSpPr>
-          <p:cNvPr id="6" name="Espace réservé du pied de page 5"/>
-          <p:cNvSpPr>
-            <a:spLocks noGrp="1"/>
-          </p:cNvSpPr>
-          <p:nvPr>
-            <p:ph type="ftr" sz="quarter" idx="11"/>
-          </p:nvPr>
-        </p:nvSpPr>
-        <p:spPr/>
-        <p:txBody>
-          <a:bodyPr/>
-          <a:lstStyle/>
-          <a:p>
-            <a:endParaRPr lang="fr-FR" dirty="0"/>
-          </a:p>
-        </p:txBody>
-      </p:sp>
-      <p:pic>
-        <p:nvPicPr>
-          <p:cNvPr id="4100" name="Picture 4"/>
-          <p:cNvPicPr>
-            <a:picLocks noChangeAspect="1" noChangeArrowheads="1"/>
-          </p:cNvPicPr>
-          <p:nvPr/>
-        </p:nvPicPr>
-        <p:blipFill>
-          <a:blip r:embed="rId3"/>
-          <a:srcRect/>
-          <a:stretch>
-            <a:fillRect/>
-          </a:stretch>
-        </p:blipFill>
-        <p:spPr bwMode="auto">
-          <a:xfrm>
-            <a:off x="950334" y="1170646"/>
-            <a:ext cx="5791869" cy="2146711"/>
-          </a:xfrm>
-          <a:prstGeom prst="rect">
-            <a:avLst/>
-          </a:prstGeom>
-          <a:noFill/>
-          <a:ln w="9525">
-            <a:noFill/>
-            <a:miter lim="800000"/>
-            <a:headEnd/>
-            <a:tailEnd/>
-          </a:ln>
-        </p:spPr>
-      </p:pic>
-      <p:pic>
-        <p:nvPicPr>
-          <p:cNvPr id="4101" name="Picture 5"/>
-          <p:cNvPicPr>
-            <a:picLocks noChangeAspect="1" noChangeArrowheads="1"/>
-          </p:cNvPicPr>
-          <p:nvPr/>
-        </p:nvPicPr>
-        <p:blipFill>
-          <a:blip r:embed="rId4"/>
-          <a:srcRect/>
-          <a:stretch>
-            <a:fillRect/>
-          </a:stretch>
-        </p:blipFill>
-        <p:spPr bwMode="auto">
-          <a:xfrm>
-            <a:off x="7020272" y="4509120"/>
-            <a:ext cx="1485900" cy="333375"/>
-          </a:xfrm>
-          <a:prstGeom prst="rect">
-            <a:avLst/>
-          </a:prstGeom>
-          <a:noFill/>
-          <a:ln w="9525">
-            <a:noFill/>
-            <a:miter lim="800000"/>
-            <a:headEnd/>
-            <a:tailEnd/>
-          </a:ln>
-        </p:spPr>
-      </p:pic>
-      <p:pic>
-        <p:nvPicPr>
-          <p:cNvPr id="4102" name="Picture 6"/>
-          <p:cNvPicPr>
-            <a:picLocks noChangeAspect="1" noChangeArrowheads="1"/>
-          </p:cNvPicPr>
-          <p:nvPr/>
-        </p:nvPicPr>
-        <p:blipFill>
-          <a:blip r:embed="rId5"/>
-          <a:srcRect/>
-          <a:stretch>
-            <a:fillRect/>
-          </a:stretch>
-        </p:blipFill>
-        <p:spPr bwMode="auto">
-          <a:xfrm>
-            <a:off x="950334" y="3695767"/>
-            <a:ext cx="5597933" cy="2024549"/>
-          </a:xfrm>
-          <a:prstGeom prst="rect">
-            <a:avLst/>
-          </a:prstGeom>
-          <a:noFill/>
-          <a:ln w="9525">
-            <a:noFill/>
-            <a:miter lim="800000"/>
-            <a:headEnd/>
-            <a:tailEnd/>
-          </a:ln>
-        </p:spPr>
-      </p:pic>
-    </p:spTree>
-    <p:extLst>
-      <p:ext uri="{BB962C8B-B14F-4D97-AF65-F5344CB8AC3E}">
-        <p14:creationId xmlns:p14="http://schemas.microsoft.com/office/powerpoint/2010/main" val="2359626632"/>
-      </p:ext>
-    </p:extLst>
-  </p:cSld>
-  <p:clrMapOvr>
-    <a:masterClrMapping/>
-  </p:clrMapOvr>
-</p:sld>
-</file>
-
-<file path=ppt/slides/slide19.xml><?xml version="1.0" encoding="utf-8"?>
-<p:sld xmlns:a="http://schemas.openxmlformats.org/drawingml/2006/main" xmlns:r="http://schemas.openxmlformats.org/officeDocument/2006/relationships" xmlns:p="http://schemas.openxmlformats.org/presentationml/2006/main">
-  <p:cSld>
-    <p:spTree>
-      <p:nvGrpSpPr>
-        <p:cNvPr id="1" name=""/>
-        <p:cNvGrpSpPr/>
-        <p:nvPr/>
-      </p:nvGrpSpPr>
-      <p:grpSpPr>
-        <a:xfrm>
-          <a:off x="0" y="0"/>
-          <a:ext cx="0" cy="0"/>
-          <a:chOff x="0" y="0"/>
-          <a:chExt cx="0" cy="0"/>
-        </a:xfrm>
-      </p:grpSpPr>
-      <p:sp>
-        <p:nvSpPr>
-          <p:cNvPr id="2" name="Espace réservé du contenu 1"/>
-          <p:cNvSpPr>
-            <a:spLocks noGrp="1"/>
-          </p:cNvSpPr>
-          <p:nvPr>
-            <p:ph idx="1"/>
-          </p:nvPr>
-        </p:nvSpPr>
-        <p:spPr bwMode="gray"/>
-        <p:txBody>
-          <a:bodyPr/>
-          <a:lstStyle/>
-          <a:p>
-            <a:r>
-              <a:rPr lang="en-US" dirty="0"/>
-              <a:t>Try changing code definition of Controller1</a:t>
-            </a:r>
-          </a:p>
-        </p:txBody>
-      </p:sp>
-      <p:sp>
-        <p:nvSpPr>
-          <p:cNvPr id="3" name="Titre 2"/>
-          <p:cNvSpPr>
-            <a:spLocks noGrp="1"/>
-          </p:cNvSpPr>
-          <p:nvPr>
-            <p:ph type="title"/>
-          </p:nvPr>
-        </p:nvSpPr>
-        <p:spPr bwMode="gray">
-          <a:xfrm>
-            <a:off x="544439" y="260648"/>
-            <a:ext cx="8045374" cy="332546"/>
-          </a:xfrm>
-        </p:spPr>
-        <p:txBody>
-          <a:bodyPr/>
-          <a:lstStyle/>
-          <a:p>
-            <a:r>
-              <a:rPr lang="fr-FR" cap="none" dirty="0"/>
-              <a:t>AngularJS</a:t>
-            </a:r>
-            <a:endParaRPr lang="en-GB" cap="none" dirty="0"/>
-          </a:p>
-        </p:txBody>
-      </p:sp>
-      <p:sp>
-        <p:nvSpPr>
-          <p:cNvPr id="5" name="Espace réservé du numéro de diapositive 4"/>
-          <p:cNvSpPr>
-            <a:spLocks noGrp="1"/>
-          </p:cNvSpPr>
-          <p:nvPr>
-            <p:ph type="sldNum" sz="quarter" idx="12"/>
-          </p:nvPr>
-        </p:nvSpPr>
-        <p:spPr bwMode="gray"/>
-        <p:txBody>
-          <a:bodyPr/>
-          <a:lstStyle/>
-          <a:p>
-            <a:fld id="{AF43E6FD-AB27-4108-A2FC-346BB5F75E3F}" type="slidenum">
-              <a:rPr lang="fr-FR" smtClean="0"/>
-              <a:pPr/>
-              <a:t>19</a:t>
-            </a:fld>
-            <a:endParaRPr lang="fr-FR" dirty="0"/>
-          </a:p>
-        </p:txBody>
-      </p:sp>
-      <p:sp>
-        <p:nvSpPr>
-          <p:cNvPr id="10" name="Espace réservé du texte 9"/>
-          <p:cNvSpPr>
-            <a:spLocks noGrp="1"/>
-          </p:cNvSpPr>
-          <p:nvPr>
-            <p:ph type="body" sz="quarter" idx="13"/>
-          </p:nvPr>
-        </p:nvSpPr>
-        <p:spPr bwMode="gray"/>
-        <p:txBody>
-          <a:bodyPr/>
-          <a:lstStyle/>
-          <a:p>
-            <a:endParaRPr lang="en-GB" cap="none" dirty="0"/>
-          </a:p>
-        </p:txBody>
-      </p:sp>
-      <p:sp>
-        <p:nvSpPr>
-          <p:cNvPr id="6" name="Espace réservé du pied de page 5"/>
-          <p:cNvSpPr>
-            <a:spLocks noGrp="1"/>
-          </p:cNvSpPr>
-          <p:nvPr>
-            <p:ph type="ftr" sz="quarter" idx="11"/>
-          </p:nvPr>
-        </p:nvSpPr>
-        <p:spPr/>
-        <p:txBody>
-          <a:bodyPr/>
-          <a:lstStyle/>
-          <a:p>
-            <a:endParaRPr lang="fr-FR" dirty="0"/>
-          </a:p>
-        </p:txBody>
-      </p:sp>
-      <p:pic>
-        <p:nvPicPr>
-          <p:cNvPr id="5122" name="Picture 2"/>
-          <p:cNvPicPr>
-            <a:picLocks noChangeAspect="1" noChangeArrowheads="1"/>
-          </p:cNvPicPr>
-          <p:nvPr/>
-        </p:nvPicPr>
-        <p:blipFill>
-          <a:blip r:embed="rId3"/>
-          <a:srcRect/>
-          <a:stretch>
-            <a:fillRect/>
-          </a:stretch>
-        </p:blipFill>
-        <p:spPr bwMode="auto">
-          <a:xfrm>
-            <a:off x="1769995" y="2299604"/>
-            <a:ext cx="5257800" cy="1895475"/>
-          </a:xfrm>
-          <a:prstGeom prst="rect">
-            <a:avLst/>
-          </a:prstGeom>
-          <a:noFill/>
-          <a:ln w="9525">
-            <a:noFill/>
-            <a:miter lim="800000"/>
-            <a:headEnd/>
-            <a:tailEnd/>
-          </a:ln>
-        </p:spPr>
-      </p:pic>
-      <p:cxnSp>
-        <p:nvCxnSpPr>
-          <p:cNvPr id="9" name="Connecteur droit avec flèche 8"/>
-          <p:cNvCxnSpPr/>
-          <p:nvPr/>
-        </p:nvCxnSpPr>
-        <p:spPr>
-          <a:xfrm>
-            <a:off x="3282163" y="3163700"/>
-            <a:ext cx="0" cy="576064"/>
-          </a:xfrm>
-          <a:prstGeom prst="straightConnector1">
-            <a:avLst/>
-          </a:prstGeom>
-          <a:ln w="19050">
-            <a:solidFill>
-              <a:srgbClr val="CF022B"/>
-            </a:solidFill>
-            <a:headEnd type="arrow"/>
-            <a:tailEnd type="arrow"/>
-          </a:ln>
-        </p:spPr>
-        <p:style>
-          <a:lnRef idx="1">
-            <a:schemeClr val="accent1"/>
-          </a:lnRef>
-          <a:fillRef idx="0">
-            <a:schemeClr val="accent1"/>
-          </a:fillRef>
-          <a:effectRef idx="0">
-            <a:schemeClr val="accent1"/>
-          </a:effectRef>
-          <a:fontRef idx="minor">
-            <a:schemeClr val="tx1"/>
-          </a:fontRef>
-        </p:style>
-      </p:cxnSp>
-      <p:sp>
-        <p:nvSpPr>
-          <p:cNvPr id="12" name="ZoneTexte 11"/>
-          <p:cNvSpPr txBox="1"/>
-          <p:nvPr/>
-        </p:nvSpPr>
-        <p:spPr>
-          <a:xfrm>
-            <a:off x="3405169" y="3363725"/>
-            <a:ext cx="959045" cy="307777"/>
-          </a:xfrm>
-          <a:prstGeom prst="rect">
-            <a:avLst/>
-          </a:prstGeom>
-          <a:noFill/>
-        </p:spPr>
-        <p:txBody>
-          <a:bodyPr wrap="none" rtlCol="0">
-            <a:spAutoFit/>
-          </a:bodyPr>
-          <a:lstStyle/>
-          <a:p>
-            <a:r>
-              <a:rPr lang="fr-FR" sz="1400" dirty="0"/>
-              <a:t>No change</a:t>
-            </a:r>
-          </a:p>
-        </p:txBody>
-      </p:sp>
-      <p:cxnSp>
-        <p:nvCxnSpPr>
-          <p:cNvPr id="15" name="Connecteur droit avec flèche 14"/>
-          <p:cNvCxnSpPr/>
-          <p:nvPr/>
-        </p:nvCxnSpPr>
-        <p:spPr>
-          <a:xfrm>
-            <a:off x="3834588" y="2230623"/>
-            <a:ext cx="523875" cy="9524"/>
-          </a:xfrm>
-          <a:prstGeom prst="straightConnector1">
-            <a:avLst/>
-          </a:prstGeom>
-          <a:ln w="19050">
-            <a:solidFill>
-              <a:srgbClr val="CF022B"/>
-            </a:solidFill>
-            <a:headEnd type="arrow"/>
-            <a:tailEnd type="arrow"/>
-          </a:ln>
-        </p:spPr>
-        <p:style>
-          <a:lnRef idx="1">
-            <a:schemeClr val="accent1"/>
-          </a:lnRef>
-          <a:fillRef idx="0">
-            <a:schemeClr val="accent1"/>
-          </a:fillRef>
-          <a:effectRef idx="0">
-            <a:schemeClr val="accent1"/>
-          </a:effectRef>
-          <a:fontRef idx="minor">
-            <a:schemeClr val="tx1"/>
-          </a:fontRef>
-        </p:style>
-      </p:cxnSp>
-      <p:sp>
-        <p:nvSpPr>
-          <p:cNvPr id="19" name="ZoneTexte 18"/>
-          <p:cNvSpPr txBox="1"/>
-          <p:nvPr/>
-        </p:nvSpPr>
-        <p:spPr>
-          <a:xfrm>
-            <a:off x="5176819" y="2182625"/>
-            <a:ext cx="922176" cy="307777"/>
-          </a:xfrm>
-          <a:prstGeom prst="rect">
-            <a:avLst/>
-          </a:prstGeom>
-          <a:noFill/>
-        </p:spPr>
-        <p:txBody>
-          <a:bodyPr wrap="none" rtlCol="0">
-            <a:spAutoFit/>
-          </a:bodyPr>
-          <a:lstStyle/>
-          <a:p>
-            <a:r>
-              <a:rPr lang="fr-FR" sz="1400" dirty="0" err="1"/>
-              <a:t>it</a:t>
-            </a:r>
-            <a:r>
-              <a:rPr lang="fr-FR" sz="1400" dirty="0"/>
-              <a:t> changes</a:t>
-            </a:r>
-          </a:p>
-        </p:txBody>
-      </p:sp>
-    </p:spTree>
-    <p:extLst>
-      <p:ext uri="{BB962C8B-B14F-4D97-AF65-F5344CB8AC3E}">
-        <p14:creationId xmlns:p14="http://schemas.microsoft.com/office/powerpoint/2010/main" val="2733477839"/>
-      </p:ext>
-    </p:extLst>
-  </p:cSld>
-  <p:clrMapOvr>
-    <a:masterClrMapping/>
-  </p:clrMapOvr>
+  <p:timing>
+    <p:tnLst>
+      <p:par>
+        <p:cTn id="1" dur="indefinite" restart="never" nodeType="tmRoot"/>
+      </p:par>
+    </p:tnLst>
+  </p:timing>
 </p:sld>
 </file>
 
@@ -13776,7 +15207,7 @@
         <p:spPr bwMode="gray">
           <a:xfrm>
             <a:off x="515938" y="1484312"/>
-            <a:ext cx="8088511" cy="2049463"/>
+            <a:ext cx="8088511" cy="4425169"/>
           </a:xfrm>
         </p:spPr>
         <p:txBody>
@@ -13785,28 +15216,69 @@
           <a:p>
             <a:r>
               <a:rPr lang="en-US" dirty="0"/>
-              <a:t>Angular Services are LAZY loaded</a:t>
-            </a:r>
-          </a:p>
-          <a:p>
+              <a:t>AngularJS services are substitutable objects that are wired together using </a:t>
+            </a:r>
+            <a:r>
+              <a:rPr lang="en-US" dirty="0">
+                <a:hlinkClick r:id="rId3"/>
+              </a:rPr>
+              <a:t>dependency injection (DI)</a:t>
+            </a:r>
             <a:r>
               <a:rPr lang="en-US" dirty="0"/>
-              <a:t>If you don't explicitly call a service, it won't be created unless you tell Angular to do so</a:t>
-            </a:r>
-          </a:p>
-          <a:p>
+              <a:t>. </a:t>
+            </a:r>
+            <a:endParaRPr lang="en-US" dirty="0" smtClean="0"/>
+          </a:p>
+          <a:p>
+            <a:r>
+              <a:rPr lang="en-US" dirty="0" smtClean="0"/>
+              <a:t>You </a:t>
+            </a:r>
             <a:r>
               <a:rPr lang="en-US" dirty="0"/>
-              <a:t> If you never use explicitly e service but want to start it , use the </a:t>
-            </a:r>
-            <a:r>
-              <a:rPr lang="en-US" dirty="0" err="1"/>
-              <a:t>module.run</a:t>
-            </a:r>
+              <a:t>can use services to organize and share code across your app</a:t>
+            </a:r>
+            <a:r>
+              <a:rPr lang="en-US" dirty="0" smtClean="0"/>
+              <a:t>.</a:t>
+            </a:r>
+          </a:p>
+          <a:p>
+            <a:endParaRPr lang="en-US" dirty="0"/>
+          </a:p>
+          <a:p>
             <a:r>
               <a:rPr lang="en-US" dirty="0"/>
-              <a:t>() function : </a:t>
-            </a:r>
+              <a:t>AngularJS services are:</a:t>
+            </a:r>
+          </a:p>
+          <a:p>
+            <a:pPr lvl="1"/>
+            <a:r>
+              <a:rPr lang="en-US" b="1" dirty="0"/>
+              <a:t>Lazily instantiated </a:t>
+            </a:r>
+            <a:r>
+              <a:rPr lang="en-US" dirty="0"/>
+              <a:t>– AngularJS only instantiates a service when an application component depends on it.</a:t>
+            </a:r>
+          </a:p>
+          <a:p>
+            <a:pPr lvl="1"/>
+            <a:r>
+              <a:rPr lang="en-US" b="1" dirty="0"/>
+              <a:t>Singletons</a:t>
+            </a:r>
+            <a:r>
+              <a:rPr lang="en-US" dirty="0"/>
+              <a:t> – Each component dependent on a service gets a reference to the single instance generated by the service factory</a:t>
+            </a:r>
+            <a:r>
+              <a:rPr lang="en-US" dirty="0" smtClean="0"/>
+              <a:t>.</a:t>
+            </a:r>
+            <a:endParaRPr lang="en-US" dirty="0"/>
           </a:p>
         </p:txBody>
       </p:sp>
@@ -13831,8 +15303,8 @@
           <a:lstStyle/>
           <a:p>
             <a:r>
-              <a:rPr lang="fr-FR" cap="none" dirty="0"/>
-              <a:t>AngularJS</a:t>
+              <a:rPr lang="fr-FR" cap="none" dirty="0" smtClean="0"/>
+              <a:t>Services</a:t>
             </a:r>
             <a:endParaRPr lang="en-GB" cap="none" dirty="0"/>
           </a:p>
@@ -13900,25 +15372,169 @@
           </a:p>
         </p:txBody>
       </p:sp>
+    </p:spTree>
+    <p:extLst>
+      <p:ext uri="{BB962C8B-B14F-4D97-AF65-F5344CB8AC3E}">
+        <p14:creationId xmlns:p14="http://schemas.microsoft.com/office/powerpoint/2010/main" val="2526031973"/>
+      </p:ext>
+    </p:extLst>
+  </p:cSld>
+  <p:clrMapOvr>
+    <a:masterClrMapping/>
+  </p:clrMapOvr>
+  <p:timing>
+    <p:tnLst>
+      <p:par>
+        <p:cTn id="1" dur="indefinite" restart="never" nodeType="tmRoot"/>
+      </p:par>
+    </p:tnLst>
+  </p:timing>
+</p:sld>
+</file>
+
+<file path=ppt/slides/slide3.xml><?xml version="1.0" encoding="utf-8"?>
+<p:sld xmlns:a="http://schemas.openxmlformats.org/drawingml/2006/main" xmlns:r="http://schemas.openxmlformats.org/officeDocument/2006/relationships" xmlns:p="http://schemas.openxmlformats.org/presentationml/2006/main">
+  <p:cSld>
+    <p:spTree>
+      <p:nvGrpSpPr>
+        <p:cNvPr id="1" name=""/>
+        <p:cNvGrpSpPr/>
+        <p:nvPr/>
+      </p:nvGrpSpPr>
+      <p:grpSpPr>
+        <a:xfrm>
+          <a:off x="0" y="0"/>
+          <a:ext cx="0" cy="0"/>
+          <a:chOff x="0" y="0"/>
+          <a:chExt cx="0" cy="0"/>
+        </a:xfrm>
+      </p:grpSpPr>
+      <p:sp>
+        <p:nvSpPr>
+          <p:cNvPr id="2" name="Espace réservé du contenu 1"/>
+          <p:cNvSpPr>
+            <a:spLocks noGrp="1"/>
+          </p:cNvSpPr>
+          <p:nvPr>
+            <p:ph idx="1"/>
+          </p:nvPr>
+        </p:nvSpPr>
+        <p:spPr bwMode="gray"/>
+        <p:txBody>
+          <a:bodyPr/>
+          <a:lstStyle/>
+          <a:p>
+            <a:endParaRPr lang="en-US" dirty="0"/>
+          </a:p>
+        </p:txBody>
+      </p:sp>
+      <p:sp>
+        <p:nvSpPr>
+          <p:cNvPr id="3" name="Titre 2"/>
+          <p:cNvSpPr>
+            <a:spLocks noGrp="1"/>
+          </p:cNvSpPr>
+          <p:nvPr>
+            <p:ph type="title"/>
+          </p:nvPr>
+        </p:nvSpPr>
+        <p:spPr bwMode="gray">
+          <a:xfrm>
+            <a:off x="544439" y="260648"/>
+            <a:ext cx="8045374" cy="332546"/>
+          </a:xfrm>
+        </p:spPr>
+        <p:txBody>
+          <a:bodyPr/>
+          <a:lstStyle/>
+          <a:p>
+            <a:r>
+              <a:rPr lang="fr-FR" cap="none" dirty="0" smtClean="0"/>
+              <a:t>5 types of services</a:t>
+            </a:r>
+            <a:endParaRPr lang="en-GB" cap="none" dirty="0"/>
+          </a:p>
+        </p:txBody>
+      </p:sp>
+      <p:sp>
+        <p:nvSpPr>
+          <p:cNvPr id="5" name="Espace réservé du numéro de diapositive 4"/>
+          <p:cNvSpPr>
+            <a:spLocks noGrp="1"/>
+          </p:cNvSpPr>
+          <p:nvPr>
+            <p:ph type="sldNum" sz="quarter" idx="12"/>
+          </p:nvPr>
+        </p:nvSpPr>
+        <p:spPr bwMode="gray"/>
+        <p:txBody>
+          <a:bodyPr/>
+          <a:lstStyle/>
+          <a:p>
+            <a:fld id="{AF43E6FD-AB27-4108-A2FC-346BB5F75E3F}" type="slidenum">
+              <a:rPr lang="fr-FR" smtClean="0"/>
+              <a:pPr/>
+              <a:t>3</a:t>
+            </a:fld>
+            <a:endParaRPr lang="fr-FR" dirty="0"/>
+          </a:p>
+        </p:txBody>
+      </p:sp>
+      <p:sp>
+        <p:nvSpPr>
+          <p:cNvPr id="10" name="Espace réservé du texte 9"/>
+          <p:cNvSpPr>
+            <a:spLocks noGrp="1"/>
+          </p:cNvSpPr>
+          <p:nvPr>
+            <p:ph type="body" sz="quarter" idx="13"/>
+          </p:nvPr>
+        </p:nvSpPr>
+        <p:spPr bwMode="gray"/>
+        <p:txBody>
+          <a:bodyPr/>
+          <a:lstStyle/>
+          <a:p>
+            <a:endParaRPr lang="en-GB" cap="none" dirty="0"/>
+          </a:p>
+        </p:txBody>
+      </p:sp>
+      <p:sp>
+        <p:nvSpPr>
+          <p:cNvPr id="6" name="Espace réservé du pied de page 5"/>
+          <p:cNvSpPr>
+            <a:spLocks noGrp="1"/>
+          </p:cNvSpPr>
+          <p:nvPr>
+            <p:ph type="ftr" sz="quarter" idx="11"/>
+          </p:nvPr>
+        </p:nvSpPr>
+        <p:spPr/>
+        <p:txBody>
+          <a:bodyPr/>
+          <a:lstStyle/>
+          <a:p>
+            <a:endParaRPr lang="fr-FR" dirty="0"/>
+          </a:p>
+        </p:txBody>
+      </p:sp>
       <p:pic>
         <p:nvPicPr>
-          <p:cNvPr id="1026" name="Picture 2"/>
+          <p:cNvPr id="12290" name="Picture 2"/>
           <p:cNvPicPr>
             <a:picLocks noChangeAspect="1" noChangeArrowheads="1"/>
           </p:cNvPicPr>
           <p:nvPr/>
         </p:nvPicPr>
-        <p:blipFill>
+        <p:blipFill rotWithShape="1">
           <a:blip r:embed="rId3"/>
-          <a:srcRect/>
-          <a:stretch>
-            <a:fillRect/>
-          </a:stretch>
+          <a:srcRect t="15384"/>
+          <a:stretch/>
         </p:blipFill>
         <p:spPr bwMode="auto">
           <a:xfrm>
-            <a:off x="1610723" y="3953874"/>
-            <a:ext cx="5767058" cy="820146"/>
+            <a:off x="867081" y="1764955"/>
+            <a:ext cx="7085973" cy="4120249"/>
           </a:xfrm>
           <a:prstGeom prst="rect">
             <a:avLst/>
@@ -13942,301 +15558,13 @@
   <p:clrMapOvr>
     <a:masterClrMapping/>
   </p:clrMapOvr>
-</p:sld>
-</file>
-
-<file path=ppt/slides/slide3.xml><?xml version="1.0" encoding="utf-8"?>
-<p:sld xmlns:a="http://schemas.openxmlformats.org/drawingml/2006/main" xmlns:r="http://schemas.openxmlformats.org/officeDocument/2006/relationships" xmlns:p="http://schemas.openxmlformats.org/presentationml/2006/main">
-  <p:cSld>
-    <p:spTree>
-      <p:nvGrpSpPr>
-        <p:cNvPr id="1" name=""/>
-        <p:cNvGrpSpPr/>
-        <p:nvPr/>
-      </p:nvGrpSpPr>
-      <p:grpSpPr>
-        <a:xfrm>
-          <a:off x="0" y="0"/>
-          <a:ext cx="0" cy="0"/>
-          <a:chOff x="0" y="0"/>
-          <a:chExt cx="0" cy="0"/>
-        </a:xfrm>
-      </p:grpSpPr>
-      <p:sp>
-        <p:nvSpPr>
-          <p:cNvPr id="2" name="Espace réservé du contenu 1"/>
-          <p:cNvSpPr>
-            <a:spLocks noGrp="1"/>
-          </p:cNvSpPr>
-          <p:nvPr>
-            <p:ph idx="1"/>
-          </p:nvPr>
-        </p:nvSpPr>
-        <p:spPr bwMode="gray">
-          <a:xfrm>
-            <a:off x="515938" y="1312862"/>
-            <a:ext cx="8628062" cy="5049838"/>
-          </a:xfrm>
-        </p:spPr>
-        <p:txBody>
-          <a:bodyPr/>
-          <a:lstStyle/>
-          <a:p>
-            <a:pPr>
-              <a:buNone/>
-            </a:pPr>
-            <a:r>
-              <a:rPr lang="en-US" dirty="0"/>
-              <a:t>BIG rules :</a:t>
-            </a:r>
-          </a:p>
-          <a:p>
-            <a:r>
-              <a:rPr lang="en-US" dirty="0">
-                <a:solidFill>
-                  <a:srgbClr val="FF0000"/>
-                </a:solidFill>
-              </a:rPr>
-              <a:t>Controllers</a:t>
-            </a:r>
-            <a:r>
-              <a:rPr lang="en-US" dirty="0"/>
-              <a:t> are instantiated with every change of route</a:t>
-            </a:r>
-            <a:br>
-              <a:rPr lang="en-US" dirty="0"/>
-            </a:br>
-            <a:r>
-              <a:rPr lang="en-US" dirty="0"/>
-              <a:t>ng-route or UI-Router. Controllers are </a:t>
-            </a:r>
-            <a:r>
-              <a:rPr lang="en-US" dirty="0">
-                <a:solidFill>
-                  <a:srgbClr val="FF0000"/>
-                </a:solidFill>
-              </a:rPr>
-              <a:t>Singleton</a:t>
-            </a:r>
-            <a:r>
-              <a:rPr lang="en-US" dirty="0"/>
-              <a:t> but not long-lived : </a:t>
-            </a:r>
-          </a:p>
-          <a:p>
-            <a:pPr lvl="1"/>
-            <a:r>
-              <a:rPr lang="en-US" dirty="0"/>
-              <a:t>a controller lives the time of the view</a:t>
-            </a:r>
-          </a:p>
-          <a:p>
-            <a:r>
-              <a:rPr lang="en-US" dirty="0">
-                <a:solidFill>
-                  <a:srgbClr val="FF0000"/>
-                </a:solidFill>
-              </a:rPr>
-              <a:t>Services are singletons</a:t>
-            </a:r>
-            <a:r>
-              <a:rPr lang="en-US" dirty="0"/>
-              <a:t>  that persist through a route change</a:t>
-            </a:r>
-            <a:br>
-              <a:rPr lang="en-US" dirty="0"/>
-            </a:br>
-            <a:r>
-              <a:rPr lang="en-US" dirty="0"/>
-              <a:t>and could be thought of as  http session on the server side</a:t>
-            </a:r>
-          </a:p>
-          <a:p>
-            <a:pPr lvl="1"/>
-            <a:r>
-              <a:rPr lang="en-US" dirty="0"/>
-              <a:t>=&gt; Services are independent of routes</a:t>
-            </a:r>
-          </a:p>
-          <a:p>
-            <a:pPr lvl="1"/>
-            <a:r>
-              <a:rPr lang="en-US" dirty="0"/>
-              <a:t>=&gt; Services could also play the M  part </a:t>
-            </a:r>
-            <a:br>
-              <a:rPr lang="en-US" dirty="0"/>
-            </a:br>
-            <a:r>
-              <a:rPr lang="en-US" dirty="0"/>
-              <a:t>Controller being the MV :model data restricted for a specific view</a:t>
-            </a:r>
-          </a:p>
-          <a:p>
-            <a:r>
-              <a:rPr lang="en-US" dirty="0"/>
-              <a:t>Long lived data could also be stored in local storage :</a:t>
-            </a:r>
-          </a:p>
-          <a:p>
-            <a:pPr lvl="1"/>
-            <a:r>
-              <a:rPr lang="en-US" dirty="0" err="1"/>
-              <a:t>i.e</a:t>
-            </a:r>
-            <a:r>
-              <a:rPr lang="en-US" dirty="0"/>
-              <a:t> : User login info  </a:t>
-            </a:r>
-          </a:p>
-          <a:p>
-            <a:pPr lvl="1"/>
-            <a:r>
-              <a:rPr lang="en-US" dirty="0"/>
-              <a:t>Use : Angular Storage</a:t>
-            </a:r>
-          </a:p>
-        </p:txBody>
-      </p:sp>
-      <p:sp>
-        <p:nvSpPr>
-          <p:cNvPr id="3" name="Titre 2"/>
-          <p:cNvSpPr>
-            <a:spLocks noGrp="1"/>
-          </p:cNvSpPr>
-          <p:nvPr>
-            <p:ph type="title"/>
-          </p:nvPr>
-        </p:nvSpPr>
-        <p:spPr bwMode="gray">
-          <a:xfrm>
-            <a:off x="544439" y="260648"/>
-            <a:ext cx="8045374" cy="332546"/>
-          </a:xfrm>
-        </p:spPr>
-        <p:txBody>
-          <a:bodyPr/>
-          <a:lstStyle/>
-          <a:p>
-            <a:r>
-              <a:rPr lang="fr-FR" cap="none" dirty="0"/>
-              <a:t>AngularJS</a:t>
-            </a:r>
-            <a:endParaRPr lang="en-GB" cap="none" dirty="0"/>
-          </a:p>
-        </p:txBody>
-      </p:sp>
-      <p:sp>
-        <p:nvSpPr>
-          <p:cNvPr id="5" name="Espace réservé du numéro de diapositive 4"/>
-          <p:cNvSpPr>
-            <a:spLocks noGrp="1"/>
-          </p:cNvSpPr>
-          <p:nvPr>
-            <p:ph type="sldNum" sz="quarter" idx="12"/>
-          </p:nvPr>
-        </p:nvSpPr>
-        <p:spPr bwMode="gray"/>
-        <p:txBody>
-          <a:bodyPr/>
-          <a:lstStyle/>
-          <a:p>
-            <a:fld id="{AF43E6FD-AB27-4108-A2FC-346BB5F75E3F}" type="slidenum">
-              <a:rPr lang="fr-FR" smtClean="0"/>
-              <a:pPr/>
-              <a:t>3</a:t>
-            </a:fld>
-            <a:endParaRPr lang="fr-FR" dirty="0"/>
-          </a:p>
-        </p:txBody>
-      </p:sp>
-      <p:sp>
-        <p:nvSpPr>
-          <p:cNvPr id="10" name="Espace réservé du texte 9"/>
-          <p:cNvSpPr>
-            <a:spLocks noGrp="1"/>
-          </p:cNvSpPr>
-          <p:nvPr>
-            <p:ph type="body" sz="quarter" idx="13"/>
-          </p:nvPr>
-        </p:nvSpPr>
-        <p:spPr bwMode="gray"/>
-        <p:txBody>
-          <a:bodyPr/>
-          <a:lstStyle/>
-          <a:p>
-            <a:r>
-              <a:rPr lang="en-GB" cap="none" dirty="0" err="1"/>
-              <a:t>Konwing</a:t>
-            </a:r>
-            <a:r>
-              <a:rPr lang="en-GB" cap="none" dirty="0"/>
-              <a:t> Lifecycles as always make your life easier !</a:t>
-            </a:r>
-          </a:p>
-        </p:txBody>
-      </p:sp>
-      <p:sp>
-        <p:nvSpPr>
-          <p:cNvPr id="6" name="Espace réservé du pied de page 5"/>
-          <p:cNvSpPr>
-            <a:spLocks noGrp="1"/>
-          </p:cNvSpPr>
-          <p:nvPr>
-            <p:ph type="ftr" sz="quarter" idx="11"/>
-          </p:nvPr>
-        </p:nvSpPr>
-        <p:spPr/>
-        <p:txBody>
-          <a:bodyPr/>
-          <a:lstStyle/>
-          <a:p>
-            <a:endParaRPr lang="fr-FR" dirty="0"/>
-          </a:p>
-        </p:txBody>
-      </p:sp>
-      <p:pic>
-        <p:nvPicPr>
-          <p:cNvPr id="1026" name="Picture 2"/>
-          <p:cNvPicPr>
-            <a:picLocks noChangeAspect="1" noChangeArrowheads="1"/>
-          </p:cNvPicPr>
-          <p:nvPr/>
-        </p:nvPicPr>
-        <p:blipFill>
-          <a:blip r:embed="rId3"/>
-          <a:srcRect/>
-          <a:stretch>
-            <a:fillRect/>
-          </a:stretch>
-        </p:blipFill>
-        <p:spPr bwMode="auto">
-          <a:xfrm>
-            <a:off x="6057900" y="295275"/>
-            <a:ext cx="2647950" cy="1619250"/>
-          </a:xfrm>
-          <a:prstGeom prst="rect">
-            <a:avLst/>
-          </a:prstGeom>
-          <a:noFill/>
-          <a:ln w="9525">
-            <a:noFill/>
-            <a:miter lim="800000"/>
-            <a:headEnd/>
-            <a:tailEnd/>
-          </a:ln>
-        </p:spPr>
-      </p:pic>
-    </p:spTree>
-    <p:extLst>
-      <p:ext uri="{BB962C8B-B14F-4D97-AF65-F5344CB8AC3E}">
-        <p14:creationId xmlns:p14="http://schemas.microsoft.com/office/powerpoint/2010/main" val="2526031973"/>
-      </p:ext>
-    </p:extLst>
-  </p:cSld>
-  <p:clrMapOvr>
-    <a:masterClrMapping/>
-  </p:clrMapOvr>
+  <p:timing>
+    <p:tnLst>
+      <p:par>
+        <p:cTn id="1" dur="indefinite" restart="never" nodeType="tmRoot"/>
+      </p:par>
+    </p:tnLst>
+  </p:timing>
 </p:sld>
 </file>
 
@@ -14267,11 +15595,80 @@
             <p:ph idx="1"/>
           </p:nvPr>
         </p:nvSpPr>
-        <p:spPr bwMode="gray"/>
-        <p:txBody>
-          <a:bodyPr/>
-          <a:lstStyle/>
-          <a:p>
+        <p:spPr bwMode="gray">
+          <a:xfrm>
+            <a:off x="515938" y="1484312"/>
+            <a:ext cx="8088511" cy="4425169"/>
+          </a:xfrm>
+        </p:spPr>
+        <p:txBody>
+          <a:bodyPr/>
+          <a:lstStyle/>
+          <a:p>
+            <a:r>
+              <a:rPr lang="en-US" dirty="0"/>
+              <a:t>AngularJS services are substitutable objects that are wired together using </a:t>
+            </a:r>
+            <a:r>
+              <a:rPr lang="en-US" dirty="0">
+                <a:hlinkClick r:id="rId3"/>
+              </a:rPr>
+              <a:t>dependency injection (DI)</a:t>
+            </a:r>
+            <a:r>
+              <a:rPr lang="en-US" dirty="0"/>
+              <a:t>. </a:t>
+            </a:r>
+            <a:endParaRPr lang="en-US" dirty="0" smtClean="0"/>
+          </a:p>
+          <a:p>
+            <a:r>
+              <a:rPr lang="en-US" dirty="0" smtClean="0"/>
+              <a:t>You </a:t>
+            </a:r>
+            <a:r>
+              <a:rPr lang="en-US" dirty="0"/>
+              <a:t>can use services to organize and share code across your app</a:t>
+            </a:r>
+            <a:r>
+              <a:rPr lang="en-US" dirty="0" smtClean="0"/>
+              <a:t>.</a:t>
+            </a:r>
+          </a:p>
+          <a:p>
+            <a:endParaRPr lang="en-US" dirty="0"/>
+          </a:p>
+          <a:p>
+            <a:r>
+              <a:rPr lang="en-US" dirty="0"/>
+              <a:t>AngularJS services are:</a:t>
+            </a:r>
+          </a:p>
+          <a:p>
+            <a:pPr lvl="1"/>
+            <a:r>
+              <a:rPr lang="en-US" b="1" dirty="0"/>
+              <a:t>Lazily instantiated </a:t>
+            </a:r>
+            <a:r>
+              <a:rPr lang="en-US" dirty="0"/>
+              <a:t>– AngularJS only instantiates a service when an application component depends on it.</a:t>
+            </a:r>
+          </a:p>
+          <a:p>
+            <a:pPr lvl="1"/>
+            <a:r>
+              <a:rPr lang="en-US" b="1" dirty="0"/>
+              <a:t>Singletons</a:t>
+            </a:r>
+            <a:r>
+              <a:rPr lang="en-US" dirty="0"/>
+              <a:t> – Each component dependent on a service gets a reference to the single instance generated by the service factory</a:t>
+            </a:r>
+            <a:r>
+              <a:rPr lang="en-US" dirty="0" smtClean="0"/>
+              <a:t>.</a:t>
+            </a:r>
             <a:endParaRPr lang="en-US" dirty="0"/>
           </a:p>
         </p:txBody>
@@ -14297,8 +15694,8 @@
           <a:lstStyle/>
           <a:p>
             <a:r>
-              <a:rPr lang="fr-FR" cap="none" dirty="0"/>
-              <a:t>AngularJS</a:t>
+              <a:rPr lang="fr-FR" cap="none" dirty="0" smtClean="0"/>
+              <a:t>Services</a:t>
             </a:r>
             <a:endParaRPr lang="en-GB" cap="none" dirty="0"/>
           </a:p>
@@ -14366,48 +15763,23 @@
           </a:p>
         </p:txBody>
       </p:sp>
-      <p:pic>
-        <p:nvPicPr>
-          <p:cNvPr id="12290" name="Picture 2"/>
-          <p:cNvPicPr>
-            <a:picLocks noChangeAspect="1" noChangeArrowheads="1"/>
-          </p:cNvPicPr>
-          <p:nvPr/>
-        </p:nvPicPr>
-        <p:blipFill>
-          <a:blip r:embed="rId3"/>
-          <a:srcRect/>
-          <a:stretch>
-            <a:fillRect/>
-          </a:stretch>
-        </p:blipFill>
-        <p:spPr bwMode="auto">
-          <a:xfrm>
-            <a:off x="1047933" y="930423"/>
-            <a:ext cx="7085973" cy="4869335"/>
-          </a:xfrm>
-          <a:prstGeom prst="rect">
-            <a:avLst/>
-          </a:prstGeom>
-          <a:noFill/>
-          <a:ln w="9525">
-            <a:noFill/>
-            <a:miter lim="800000"/>
-            <a:headEnd/>
-            <a:tailEnd/>
-          </a:ln>
-        </p:spPr>
-      </p:pic>
     </p:spTree>
     <p:extLst>
       <p:ext uri="{BB962C8B-B14F-4D97-AF65-F5344CB8AC3E}">
-        <p14:creationId xmlns:p14="http://schemas.microsoft.com/office/powerpoint/2010/main" val="2526031973"/>
+        <p14:creationId xmlns:p14="http://schemas.microsoft.com/office/powerpoint/2010/main" val="1812268967"/>
       </p:ext>
     </p:extLst>
   </p:cSld>
   <p:clrMapOvr>
     <a:masterClrMapping/>
   </p:clrMapOvr>
+  <p:timing>
+    <p:tnLst>
+      <p:par>
+        <p:cTn id="1" dur="indefinite" restart="never" nodeType="tmRoot"/>
+      </p:par>
+    </p:tnLst>
+  </p:timing>
 </p:sld>
 </file>
 
@@ -14438,139 +15810,52 @@
             <p:ph idx="1"/>
           </p:nvPr>
         </p:nvSpPr>
-        <p:spPr bwMode="gray"/>
-        <p:txBody>
-          <a:bodyPr>
-            <a:normAutofit fontScale="92500" lnSpcReduction="20000"/>
-          </a:bodyPr>
-          <a:lstStyle/>
-          <a:p>
+        <p:spPr bwMode="gray">
+          <a:xfrm>
+            <a:off x="515938" y="1484312"/>
+            <a:ext cx="8088511" cy="4425169"/>
+          </a:xfrm>
+        </p:spPr>
+        <p:txBody>
+          <a:bodyPr/>
+          <a:lstStyle/>
+          <a:p>
+            <a:r>
+              <a:rPr lang="en-US" dirty="0" smtClean="0"/>
+              <a:t>Constant service are used to store… constants!</a:t>
+            </a:r>
+          </a:p>
+          <a:p>
+            <a:endParaRPr lang="en-US" dirty="0" smtClean="0"/>
+          </a:p>
+          <a:p>
+            <a:endParaRPr lang="en-US" dirty="0" smtClean="0"/>
+          </a:p>
+          <a:p>
+            <a:endParaRPr lang="en-US" dirty="0"/>
+          </a:p>
+          <a:p>
+            <a:endParaRPr lang="en-US" dirty="0" smtClean="0"/>
+          </a:p>
+          <a:p>
+            <a:pPr marL="0" indent="0">
+              <a:buNone/>
+            </a:pPr>
+            <a:endParaRPr lang="en-US" dirty="0" smtClean="0"/>
+          </a:p>
+          <a:p>
+            <a:r>
+              <a:rPr lang="en-US" dirty="0" smtClean="0"/>
+              <a:t>A </a:t>
+            </a:r>
             <a:r>
               <a:rPr lang="en-US" dirty="0"/>
-              <a:t>value </a:t>
-            </a:r>
-          </a:p>
-          <a:p>
-            <a:pPr lvl="1"/>
-            <a:r>
-              <a:rPr lang="en-US" dirty="0"/>
-              <a:t>build what you want BUT without any need for injections</a:t>
-            </a:r>
-          </a:p>
-          <a:p>
-            <a:pPr lvl="1"/>
-            <a:r>
-              <a:rPr lang="en-US" dirty="0"/>
-              <a:t> constant</a:t>
-            </a:r>
-          </a:p>
-          <a:p>
-            <a:pPr lvl="1"/>
-            <a:r>
-              <a:rPr lang="en-US" dirty="0"/>
-              <a:t> factory of objects</a:t>
-            </a:r>
-          </a:p>
-          <a:p>
-            <a:pPr lvl="1"/>
-            <a:r>
-              <a:rPr lang="en-US" dirty="0"/>
-              <a:t> pure business API</a:t>
-            </a:r>
-          </a:p>
-          <a:p>
-            <a:r>
-              <a:rPr lang="en-US" dirty="0"/>
-              <a:t>factory</a:t>
-            </a:r>
-          </a:p>
-          <a:p>
-            <a:pPr lvl="1"/>
-            <a:r>
-              <a:rPr lang="en-US" dirty="0"/>
-              <a:t>injection of dependencies : $http …</a:t>
-            </a:r>
-          </a:p>
-          <a:p>
-            <a:pPr lvl="1"/>
-            <a:r>
-              <a:rPr lang="en-US" dirty="0" err="1"/>
-              <a:t>js</a:t>
-            </a:r>
-            <a:r>
-              <a:rPr lang="en-US" dirty="0"/>
-              <a:t> styled : revealing module pattern</a:t>
-            </a:r>
-          </a:p>
-          <a:p>
-            <a:pPr lvl="1"/>
-            <a:r>
-              <a:rPr lang="en-US" dirty="0"/>
-              <a:t>Angular uses the object returned by the function as Service</a:t>
-            </a:r>
-          </a:p>
-          <a:p>
-            <a:r>
-              <a:rPr lang="en-US" dirty="0"/>
-              <a:t>service </a:t>
-            </a:r>
-          </a:p>
-          <a:p>
-            <a:pPr lvl="1"/>
-            <a:r>
-              <a:rPr lang="en-US" dirty="0"/>
-              <a:t>injection of dependencies  : $http …</a:t>
-            </a:r>
-          </a:p>
-          <a:p>
-            <a:pPr lvl="1"/>
-            <a:r>
-              <a:rPr lang="en-US" dirty="0"/>
-              <a:t>object styled : </a:t>
-            </a:r>
-            <a:r>
-              <a:rPr lang="en-US" dirty="0" err="1"/>
-              <a:t>this.prop</a:t>
-            </a:r>
-            <a:r>
-              <a:rPr lang="en-US" dirty="0"/>
-              <a:t>, </a:t>
-            </a:r>
-            <a:r>
-              <a:rPr lang="en-US" dirty="0" err="1"/>
-              <a:t>this.func</a:t>
-            </a:r>
-            <a:r>
-              <a:rPr lang="en-US" dirty="0"/>
-              <a:t>   </a:t>
-            </a:r>
-          </a:p>
-          <a:p>
-            <a:pPr lvl="1"/>
-            <a:r>
-              <a:rPr lang="en-US" dirty="0"/>
-              <a:t>angular uses a new on your function</a:t>
-            </a:r>
-          </a:p>
-          <a:p>
-            <a:r>
-              <a:rPr lang="en-US" dirty="0"/>
-              <a:t>provider </a:t>
-            </a:r>
-          </a:p>
-          <a:p>
-            <a:pPr lvl="1"/>
-            <a:r>
-              <a:rPr lang="en-US" dirty="0"/>
-              <a:t>before creation of the service, you can influence the way the service will be created and inject parameters</a:t>
-            </a:r>
-          </a:p>
-          <a:p>
-            <a:pPr lvl="1"/>
-            <a:endParaRPr lang="en-US" dirty="0"/>
-          </a:p>
-          <a:p>
-            <a:endParaRPr lang="en-US" dirty="0"/>
+              <a:t>constant can be injected </a:t>
+            </a:r>
+            <a:r>
+              <a:rPr lang="en-US" b="1" dirty="0"/>
+              <a:t>everywhere</a:t>
+            </a:r>
           </a:p>
         </p:txBody>
       </p:sp>
@@ -14595,8 +15880,8 @@
           <a:lstStyle/>
           <a:p>
             <a:r>
-              <a:rPr lang="fr-FR" cap="none" dirty="0"/>
-              <a:t>AngularJS</a:t>
+              <a:rPr lang="fr-FR" cap="none" dirty="0" smtClean="0"/>
+              <a:t>Constant</a:t>
             </a:r>
             <a:endParaRPr lang="en-GB" cap="none" dirty="0"/>
           </a:p>
@@ -14642,9 +15927,10 @@
           <a:lstStyle/>
           <a:p>
             <a:r>
-              <a:rPr lang="en-GB" cap="none" dirty="0"/>
-              <a:t>All kind of Services </a:t>
-            </a:r>
+              <a:rPr lang="en-GB" cap="none" dirty="0" smtClean="0"/>
+              <a:t>“The universal”</a:t>
+            </a:r>
+            <a:endParaRPr lang="en-GB" cap="none" dirty="0"/>
           </a:p>
         </p:txBody>
       </p:sp>
@@ -14664,19 +15950,159 @@
           <a:lstStyle/>
           <a:p>
             <a:endParaRPr lang="fr-FR" dirty="0"/>
+          </a:p>
+        </p:txBody>
+      </p:sp>
+      <p:sp>
+        <p:nvSpPr>
+          <p:cNvPr id="26" name="ZoneTexte 25"/>
+          <p:cNvSpPr txBox="1"/>
+          <p:nvPr/>
+        </p:nvSpPr>
+        <p:spPr>
+          <a:xfrm>
+            <a:off x="1322921" y="2456597"/>
+            <a:ext cx="7506269" cy="1200329"/>
+          </a:xfrm>
+          <a:prstGeom prst="rect">
+            <a:avLst/>
+          </a:prstGeom>
+          <a:noFill/>
+        </p:spPr>
+        <p:txBody>
+          <a:bodyPr wrap="square" rtlCol="0">
+            <a:spAutoFit/>
+          </a:bodyPr>
+          <a:lstStyle/>
+          <a:p>
+            <a:r>
+              <a:rPr lang="fr-FR" dirty="0" err="1" smtClean="0">
+                <a:latin typeface="Consolas" panose="020B0609020204030204" pitchFamily="49" charset="0"/>
+              </a:rPr>
+              <a:t>app.constant</a:t>
+            </a:r>
+            <a:r>
+              <a:rPr lang="fr-FR" dirty="0">
+                <a:latin typeface="Consolas" panose="020B0609020204030204" pitchFamily="49" charset="0"/>
+              </a:rPr>
+              <a:t>(</a:t>
+            </a:r>
+            <a:r>
+              <a:rPr lang="fr-FR" dirty="0">
+                <a:solidFill>
+                  <a:srgbClr val="BA2121"/>
+                </a:solidFill>
+                <a:latin typeface="Consolas" panose="020B0609020204030204" pitchFamily="49" charset="0"/>
+              </a:rPr>
+              <a:t>'</a:t>
+            </a:r>
+            <a:r>
+              <a:rPr lang="fr-FR" dirty="0" err="1">
+                <a:solidFill>
+                  <a:srgbClr val="BA2121"/>
+                </a:solidFill>
+                <a:latin typeface="Consolas" panose="020B0609020204030204" pitchFamily="49" charset="0"/>
+              </a:rPr>
+              <a:t>fooConfig</a:t>
+            </a:r>
+            <a:r>
+              <a:rPr lang="fr-FR" dirty="0">
+                <a:solidFill>
+                  <a:srgbClr val="BA2121"/>
+                </a:solidFill>
+                <a:latin typeface="Consolas" panose="020B0609020204030204" pitchFamily="49" charset="0"/>
+              </a:rPr>
+              <a:t>', {</a:t>
+            </a:r>
+          </a:p>
+          <a:p>
+            <a:r>
+              <a:rPr lang="fr-FR" dirty="0">
+                <a:latin typeface="Consolas" panose="020B0609020204030204" pitchFamily="49" charset="0"/>
+              </a:rPr>
+              <a:t>  config1</a:t>
+            </a:r>
+            <a:r>
+              <a:rPr lang="fr-FR" dirty="0">
+                <a:solidFill>
+                  <a:srgbClr val="666666"/>
+                </a:solidFill>
+                <a:latin typeface="Consolas" panose="020B0609020204030204" pitchFamily="49" charset="0"/>
+              </a:rPr>
+              <a:t>: </a:t>
+            </a:r>
+            <a:r>
+              <a:rPr lang="fr-FR" b="1" dirty="0" err="1">
+                <a:solidFill>
+                  <a:srgbClr val="008000"/>
+                </a:solidFill>
+                <a:latin typeface="Consolas" panose="020B0609020204030204" pitchFamily="49" charset="0"/>
+              </a:rPr>
+              <a:t>true</a:t>
+            </a:r>
+            <a:r>
+              <a:rPr lang="fr-FR" b="1" dirty="0">
+                <a:solidFill>
+                  <a:srgbClr val="008000"/>
+                </a:solidFill>
+                <a:latin typeface="Consolas" panose="020B0609020204030204" pitchFamily="49" charset="0"/>
+              </a:rPr>
+              <a:t>,</a:t>
+            </a:r>
+          </a:p>
+          <a:p>
+            <a:r>
+              <a:rPr lang="fr-FR" dirty="0">
+                <a:latin typeface="Consolas" panose="020B0609020204030204" pitchFamily="49" charset="0"/>
+              </a:rPr>
+              <a:t>  config2</a:t>
+            </a:r>
+            <a:r>
+              <a:rPr lang="fr-FR" dirty="0">
+                <a:solidFill>
+                  <a:srgbClr val="666666"/>
+                </a:solidFill>
+                <a:latin typeface="Consolas" panose="020B0609020204030204" pitchFamily="49" charset="0"/>
+              </a:rPr>
+              <a:t>: </a:t>
+            </a:r>
+            <a:r>
+              <a:rPr lang="fr-FR" dirty="0">
+                <a:solidFill>
+                  <a:srgbClr val="BA2121"/>
+                </a:solidFill>
+                <a:latin typeface="Consolas" panose="020B0609020204030204" pitchFamily="49" charset="0"/>
+              </a:rPr>
+              <a:t>"Default config2"</a:t>
+            </a:r>
+          </a:p>
+          <a:p>
+            <a:r>
+              <a:rPr lang="fr-FR" dirty="0">
+                <a:latin typeface="Consolas" panose="020B0609020204030204" pitchFamily="49" charset="0"/>
+              </a:rPr>
+              <a:t>});</a:t>
+            </a:r>
           </a:p>
         </p:txBody>
       </p:sp>
     </p:spTree>
     <p:extLst>
       <p:ext uri="{BB962C8B-B14F-4D97-AF65-F5344CB8AC3E}">
-        <p14:creationId xmlns:p14="http://schemas.microsoft.com/office/powerpoint/2010/main" val="2526031973"/>
+        <p14:creationId xmlns:p14="http://schemas.microsoft.com/office/powerpoint/2010/main" val="2429000574"/>
       </p:ext>
     </p:extLst>
   </p:cSld>
   <p:clrMapOvr>
     <a:masterClrMapping/>
   </p:clrMapOvr>
+  <p:timing>
+    <p:tnLst>
+      <p:par>
+        <p:cTn id="1" dur="indefinite" restart="never" nodeType="tmRoot"/>
+      </p:par>
+    </p:tnLst>
+  </p:timing>
 </p:sld>
 </file>
 
@@ -14699,44 +16125,6 @@
       </p:grpSpPr>
       <p:sp>
         <p:nvSpPr>
-          <p:cNvPr id="2" name="Espace réservé du contenu 1"/>
-          <p:cNvSpPr>
-            <a:spLocks noGrp="1"/>
-          </p:cNvSpPr>
-          <p:nvPr>
-            <p:ph idx="1"/>
-          </p:nvPr>
-        </p:nvSpPr>
-        <p:spPr bwMode="gray"/>
-        <p:txBody>
-          <a:bodyPr/>
-          <a:lstStyle/>
-          <a:p>
-            <a:r>
-              <a:rPr lang="en-US" dirty="0">
-                <a:solidFill>
-                  <a:srgbClr val="FF0000"/>
-                </a:solidFill>
-              </a:rPr>
-              <a:t>Providers</a:t>
-            </a:r>
-            <a:r>
-              <a:rPr lang="en-US" dirty="0"/>
-              <a:t>  are Objects knowing how to create </a:t>
-            </a:r>
-            <a:r>
-              <a:rPr lang="en-US" dirty="0" err="1"/>
-              <a:t>injectable</a:t>
-            </a:r>
-            <a:r>
-              <a:rPr lang="en-US" dirty="0"/>
-              <a:t> services</a:t>
-            </a:r>
-          </a:p>
-        </p:txBody>
-      </p:sp>
-      <p:sp>
-        <p:nvSpPr>
           <p:cNvPr id="3" name="Titre 2"/>
           <p:cNvSpPr>
             <a:spLocks noGrp="1"/>
@@ -14756,8 +16144,8 @@
           <a:lstStyle/>
           <a:p>
             <a:r>
-              <a:rPr lang="fr-FR" cap="none" dirty="0"/>
-              <a:t>AngularJS</a:t>
+              <a:rPr lang="fr-FR" cap="none" dirty="0" smtClean="0"/>
+              <a:t>Constant</a:t>
             </a:r>
             <a:endParaRPr lang="en-GB" cap="none" dirty="0"/>
           </a:p>
@@ -14802,6 +16190,10 @@
           <a:bodyPr/>
           <a:lstStyle/>
           <a:p>
+            <a:r>
+              <a:rPr lang="en-GB" cap="none" dirty="0" smtClean="0"/>
+              <a:t>Full example</a:t>
+            </a:r>
             <a:endParaRPr lang="en-GB" cap="none" dirty="0"/>
           </a:p>
         </p:txBody>
@@ -14825,49 +16217,366 @@
           </a:p>
         </p:txBody>
       </p:sp>
-      <p:pic>
-        <p:nvPicPr>
-          <p:cNvPr id="2050" name="Picture 2"/>
-          <p:cNvPicPr>
-            <a:picLocks noChangeAspect="1" noChangeArrowheads="1"/>
-          </p:cNvPicPr>
+      <p:sp>
+        <p:nvSpPr>
+          <p:cNvPr id="12" name="ZoneTexte 11"/>
+          <p:cNvSpPr txBox="1"/>
           <p:nvPr/>
-        </p:nvPicPr>
-        <p:blipFill>
-          <a:blip r:embed="rId3"/>
-          <a:srcRect/>
-          <a:stretch>
-            <a:fillRect/>
-          </a:stretch>
-        </p:blipFill>
-        <p:spPr bwMode="auto">
+        </p:nvSpPr>
+        <p:spPr>
           <a:xfrm>
-            <a:off x="1285875" y="2554261"/>
-            <a:ext cx="5924550" cy="3022627"/>
+            <a:off x="807058" y="2196386"/>
+            <a:ext cx="7506269" cy="2862322"/>
           </a:xfrm>
           <a:prstGeom prst="rect">
             <a:avLst/>
           </a:prstGeom>
           <a:noFill/>
-          <a:ln w="9525">
-            <a:noFill/>
-            <a:miter lim="800000"/>
-            <a:headEnd/>
-            <a:tailEnd/>
-          </a:ln>
-          <a:effectLst/>
         </p:spPr>
-      </p:pic>
+        <p:txBody>
+          <a:bodyPr wrap="square" rtlCol="0">
+            <a:spAutoFit/>
+          </a:bodyPr>
+          <a:lstStyle/>
+          <a:p>
+            <a:r>
+              <a:rPr lang="fr-FR" dirty="0" err="1">
+                <a:latin typeface="Consolas" panose="020B0609020204030204" pitchFamily="49" charset="0"/>
+              </a:rPr>
+              <a:t>app</a:t>
+            </a:r>
+            <a:r>
+              <a:rPr lang="fr-FR" dirty="0">
+                <a:latin typeface="Consolas" panose="020B0609020204030204" pitchFamily="49" charset="0"/>
+              </a:rPr>
+              <a:t> </a:t>
+            </a:r>
+            <a:r>
+              <a:rPr lang="fr-FR" dirty="0">
+                <a:solidFill>
+                  <a:srgbClr val="666666"/>
+                </a:solidFill>
+                <a:latin typeface="Consolas" panose="020B0609020204030204" pitchFamily="49" charset="0"/>
+              </a:rPr>
+              <a:t>= </a:t>
+            </a:r>
+            <a:r>
+              <a:rPr lang="fr-FR" dirty="0" err="1">
+                <a:solidFill>
+                  <a:srgbClr val="666666"/>
+                </a:solidFill>
+                <a:latin typeface="Consolas" panose="020B0609020204030204" pitchFamily="49" charset="0"/>
+              </a:rPr>
+              <a:t>angular.module</a:t>
+            </a:r>
+            <a:r>
+              <a:rPr lang="fr-FR" dirty="0">
+                <a:solidFill>
+                  <a:srgbClr val="666666"/>
+                </a:solidFill>
+                <a:latin typeface="Consolas" panose="020B0609020204030204" pitchFamily="49" charset="0"/>
+              </a:rPr>
+              <a:t>(</a:t>
+            </a:r>
+            <a:r>
+              <a:rPr lang="fr-FR" dirty="0">
+                <a:solidFill>
+                  <a:srgbClr val="BA2121"/>
+                </a:solidFill>
+                <a:latin typeface="Consolas" panose="020B0609020204030204" pitchFamily="49" charset="0"/>
+              </a:rPr>
+              <a:t>"</a:t>
+            </a:r>
+            <a:r>
+              <a:rPr lang="fr-FR" dirty="0" err="1">
+                <a:solidFill>
+                  <a:srgbClr val="BA2121"/>
+                </a:solidFill>
+                <a:latin typeface="Consolas" panose="020B0609020204030204" pitchFamily="49" charset="0"/>
+              </a:rPr>
+              <a:t>app</a:t>
+            </a:r>
+            <a:r>
+              <a:rPr lang="fr-FR" dirty="0">
+                <a:solidFill>
+                  <a:srgbClr val="BA2121"/>
+                </a:solidFill>
+                <a:latin typeface="Consolas" panose="020B0609020204030204" pitchFamily="49" charset="0"/>
+              </a:rPr>
+              <a:t>", []);</a:t>
+            </a:r>
+          </a:p>
+          <a:p>
+            <a:endParaRPr lang="fr-FR" dirty="0">
+              <a:latin typeface="Consolas" panose="020B0609020204030204" pitchFamily="49" charset="0"/>
+            </a:endParaRPr>
+          </a:p>
+          <a:p>
+            <a:r>
+              <a:rPr lang="fr-FR" dirty="0" err="1">
+                <a:latin typeface="Consolas" panose="020B0609020204030204" pitchFamily="49" charset="0"/>
+              </a:rPr>
+              <a:t>app.controller</a:t>
+            </a:r>
+            <a:r>
+              <a:rPr lang="fr-FR" dirty="0">
+                <a:latin typeface="Consolas" panose="020B0609020204030204" pitchFamily="49" charset="0"/>
+              </a:rPr>
+              <a:t>(</a:t>
+            </a:r>
+            <a:r>
+              <a:rPr lang="fr-FR" dirty="0">
+                <a:solidFill>
+                  <a:srgbClr val="BA2121"/>
+                </a:solidFill>
+                <a:latin typeface="Consolas" panose="020B0609020204030204" pitchFamily="49" charset="0"/>
+              </a:rPr>
+              <a:t>'</a:t>
+            </a:r>
+            <a:r>
+              <a:rPr lang="fr-FR" dirty="0" err="1">
+                <a:solidFill>
+                  <a:srgbClr val="BA2121"/>
+                </a:solidFill>
+                <a:latin typeface="Consolas" panose="020B0609020204030204" pitchFamily="49" charset="0"/>
+              </a:rPr>
+              <a:t>MainCtrl</a:t>
+            </a:r>
+            <a:r>
+              <a:rPr lang="fr-FR" dirty="0">
+                <a:solidFill>
+                  <a:srgbClr val="BA2121"/>
+                </a:solidFill>
+                <a:latin typeface="Consolas" panose="020B0609020204030204" pitchFamily="49" charset="0"/>
+              </a:rPr>
+              <a:t>', </a:t>
+            </a:r>
+            <a:r>
+              <a:rPr lang="fr-FR" b="1" dirty="0" err="1">
+                <a:solidFill>
+                  <a:srgbClr val="008000"/>
+                </a:solidFill>
+                <a:latin typeface="Consolas" panose="020B0609020204030204" pitchFamily="49" charset="0"/>
+              </a:rPr>
+              <a:t>function</a:t>
+            </a:r>
+            <a:r>
+              <a:rPr lang="fr-FR" b="1" dirty="0">
+                <a:solidFill>
+                  <a:srgbClr val="008000"/>
+                </a:solidFill>
+                <a:latin typeface="Consolas" panose="020B0609020204030204" pitchFamily="49" charset="0"/>
+              </a:rPr>
+              <a:t>($scope, </a:t>
+            </a:r>
+            <a:r>
+              <a:rPr lang="fr-FR" b="1" dirty="0" err="1">
+                <a:solidFill>
+                  <a:srgbClr val="008000"/>
+                </a:solidFill>
+                <a:latin typeface="Consolas" panose="020B0609020204030204" pitchFamily="49" charset="0"/>
+              </a:rPr>
+              <a:t>fooConfig</a:t>
+            </a:r>
+            <a:r>
+              <a:rPr lang="fr-FR" b="1" dirty="0">
+                <a:solidFill>
+                  <a:srgbClr val="008000"/>
+                </a:solidFill>
+                <a:latin typeface="Consolas" panose="020B0609020204030204" pitchFamily="49" charset="0"/>
+              </a:rPr>
+              <a:t>) {</a:t>
+            </a:r>
+          </a:p>
+          <a:p>
+            <a:r>
+              <a:rPr lang="fr-FR" dirty="0">
+                <a:latin typeface="Consolas" panose="020B0609020204030204" pitchFamily="49" charset="0"/>
+              </a:rPr>
+              <a:t>  $</a:t>
+            </a:r>
+            <a:r>
+              <a:rPr lang="fr-FR" dirty="0" err="1">
+                <a:latin typeface="Consolas" panose="020B0609020204030204" pitchFamily="49" charset="0"/>
+              </a:rPr>
+              <a:t>scope.fooConfig</a:t>
+            </a:r>
+            <a:r>
+              <a:rPr lang="fr-FR" dirty="0">
+                <a:latin typeface="Consolas" panose="020B0609020204030204" pitchFamily="49" charset="0"/>
+              </a:rPr>
+              <a:t> </a:t>
+            </a:r>
+            <a:r>
+              <a:rPr lang="fr-FR" dirty="0">
+                <a:solidFill>
+                  <a:srgbClr val="666666"/>
+                </a:solidFill>
+                <a:latin typeface="Consolas" panose="020B0609020204030204" pitchFamily="49" charset="0"/>
+              </a:rPr>
+              <a:t>= </a:t>
+            </a:r>
+            <a:r>
+              <a:rPr lang="fr-FR" dirty="0" err="1">
+                <a:solidFill>
+                  <a:srgbClr val="666666"/>
+                </a:solidFill>
+                <a:latin typeface="Consolas" panose="020B0609020204030204" pitchFamily="49" charset="0"/>
+              </a:rPr>
+              <a:t>fooConfig</a:t>
+            </a:r>
+            <a:r>
+              <a:rPr lang="fr-FR" dirty="0">
+                <a:solidFill>
+                  <a:srgbClr val="666666"/>
+                </a:solidFill>
+                <a:latin typeface="Consolas" panose="020B0609020204030204" pitchFamily="49" charset="0"/>
+              </a:rPr>
+              <a:t>;</a:t>
+            </a:r>
+          </a:p>
+          <a:p>
+            <a:r>
+              <a:rPr lang="fr-FR" dirty="0">
+                <a:latin typeface="Consolas" panose="020B0609020204030204" pitchFamily="49" charset="0"/>
+              </a:rPr>
+              <a:t>});</a:t>
+            </a:r>
+          </a:p>
+          <a:p>
+            <a:endParaRPr lang="fr-FR" dirty="0">
+              <a:latin typeface="Consolas" panose="020B0609020204030204" pitchFamily="49" charset="0"/>
+            </a:endParaRPr>
+          </a:p>
+          <a:p>
+            <a:r>
+              <a:rPr lang="fr-FR" dirty="0" err="1">
+                <a:latin typeface="Consolas" panose="020B0609020204030204" pitchFamily="49" charset="0"/>
+              </a:rPr>
+              <a:t>app.constant</a:t>
+            </a:r>
+            <a:r>
+              <a:rPr lang="fr-FR" dirty="0">
+                <a:latin typeface="Consolas" panose="020B0609020204030204" pitchFamily="49" charset="0"/>
+              </a:rPr>
+              <a:t>(</a:t>
+            </a:r>
+            <a:r>
+              <a:rPr lang="fr-FR" dirty="0">
+                <a:solidFill>
+                  <a:srgbClr val="BA2121"/>
+                </a:solidFill>
+                <a:latin typeface="Consolas" panose="020B0609020204030204" pitchFamily="49" charset="0"/>
+              </a:rPr>
+              <a:t>'</a:t>
+            </a:r>
+            <a:r>
+              <a:rPr lang="fr-FR" dirty="0" err="1">
+                <a:solidFill>
+                  <a:srgbClr val="BA2121"/>
+                </a:solidFill>
+                <a:latin typeface="Consolas" panose="020B0609020204030204" pitchFamily="49" charset="0"/>
+              </a:rPr>
+              <a:t>fooConfig</a:t>
+            </a:r>
+            <a:r>
+              <a:rPr lang="fr-FR" dirty="0">
+                <a:solidFill>
+                  <a:srgbClr val="BA2121"/>
+                </a:solidFill>
+                <a:latin typeface="Consolas" panose="020B0609020204030204" pitchFamily="49" charset="0"/>
+              </a:rPr>
+              <a:t>', {</a:t>
+            </a:r>
+          </a:p>
+          <a:p>
+            <a:r>
+              <a:rPr lang="fr-FR" dirty="0">
+                <a:latin typeface="Consolas" panose="020B0609020204030204" pitchFamily="49" charset="0"/>
+              </a:rPr>
+              <a:t>  config1</a:t>
+            </a:r>
+            <a:r>
+              <a:rPr lang="fr-FR" dirty="0">
+                <a:solidFill>
+                  <a:srgbClr val="666666"/>
+                </a:solidFill>
+                <a:latin typeface="Consolas" panose="020B0609020204030204" pitchFamily="49" charset="0"/>
+              </a:rPr>
+              <a:t>: </a:t>
+            </a:r>
+            <a:r>
+              <a:rPr lang="fr-FR" b="1" dirty="0" err="1">
+                <a:solidFill>
+                  <a:srgbClr val="008000"/>
+                </a:solidFill>
+                <a:latin typeface="Consolas" panose="020B0609020204030204" pitchFamily="49" charset="0"/>
+              </a:rPr>
+              <a:t>true</a:t>
+            </a:r>
+            <a:r>
+              <a:rPr lang="fr-FR" b="1" dirty="0">
+                <a:solidFill>
+                  <a:srgbClr val="008000"/>
+                </a:solidFill>
+                <a:latin typeface="Consolas" panose="020B0609020204030204" pitchFamily="49" charset="0"/>
+              </a:rPr>
+              <a:t>,</a:t>
+            </a:r>
+          </a:p>
+          <a:p>
+            <a:r>
+              <a:rPr lang="fr-FR" dirty="0">
+                <a:latin typeface="Consolas" panose="020B0609020204030204" pitchFamily="49" charset="0"/>
+              </a:rPr>
+              <a:t>  config2</a:t>
+            </a:r>
+            <a:r>
+              <a:rPr lang="fr-FR" dirty="0">
+                <a:solidFill>
+                  <a:srgbClr val="666666"/>
+                </a:solidFill>
+                <a:latin typeface="Consolas" panose="020B0609020204030204" pitchFamily="49" charset="0"/>
+              </a:rPr>
+              <a:t>: </a:t>
+            </a:r>
+            <a:r>
+              <a:rPr lang="fr-FR" dirty="0">
+                <a:solidFill>
+                  <a:srgbClr val="BA2121"/>
+                </a:solidFill>
+                <a:latin typeface="Consolas" panose="020B0609020204030204" pitchFamily="49" charset="0"/>
+              </a:rPr>
+              <a:t>"Default config2"</a:t>
+            </a:r>
+          </a:p>
+          <a:p>
+            <a:r>
+              <a:rPr lang="fr-FR" dirty="0">
+                <a:latin typeface="Consolas" panose="020B0609020204030204" pitchFamily="49" charset="0"/>
+              </a:rPr>
+              <a:t>});</a:t>
+            </a:r>
+          </a:p>
+        </p:txBody>
+      </p:sp>
     </p:spTree>
     <p:extLst>
       <p:ext uri="{BB962C8B-B14F-4D97-AF65-F5344CB8AC3E}">
-        <p14:creationId xmlns:p14="http://schemas.microsoft.com/office/powerpoint/2010/main" val="2526031973"/>
+        <p14:creationId xmlns:p14="http://schemas.microsoft.com/office/powerpoint/2010/main" val="4248246648"/>
       </p:ext>
     </p:extLst>
   </p:cSld>
   <p:clrMapOvr>
     <a:masterClrMapping/>
   </p:clrMapOvr>
+  <p:timing>
+    <p:tnLst>
+      <p:par>
+        <p:cTn id="1" dur="indefinite" restart="never" nodeType="tmRoot"/>
+      </p:par>
+    </p:tnLst>
+  </p:timing>
 </p:sld>
 </file>
 
@@ -14900,30 +16609,81 @@
         </p:nvSpPr>
         <p:spPr bwMode="gray">
           <a:xfrm>
-            <a:off x="707103" y="666270"/>
-            <a:ext cx="5470413" cy="375721"/>
+            <a:off x="515938" y="1484312"/>
+            <a:ext cx="8088511" cy="4425169"/>
           </a:xfrm>
         </p:spPr>
         <p:txBody>
           <a:bodyPr/>
           <a:lstStyle/>
           <a:p>
-            <a:pPr lvl="1">
-              <a:buFont typeface="Arial" pitchFamily="34" charset="0"/>
-              <a:buChar char="•"/>
-            </a:pPr>
+            <a:r>
+              <a:rPr lang="en-US" dirty="0" smtClean="0"/>
+              <a:t>Value service are used to store… a single value!</a:t>
+            </a:r>
+          </a:p>
+          <a:p>
+            <a:endParaRPr lang="en-US" dirty="0"/>
+          </a:p>
+          <a:p>
+            <a:endParaRPr lang="en-US" dirty="0" smtClean="0"/>
+          </a:p>
+          <a:p>
+            <a:endParaRPr lang="en-US" dirty="0"/>
+          </a:p>
+          <a:p>
+            <a:endParaRPr lang="en-US" dirty="0" smtClean="0"/>
+          </a:p>
+          <a:p>
+            <a:r>
+              <a:rPr lang="en-US" dirty="0" smtClean="0"/>
+              <a:t>Value can’t </a:t>
+            </a:r>
             <a:r>
               <a:rPr lang="en-US" dirty="0"/>
-              <a:t>service  : 'book' and provider :  '</a:t>
+              <a:t>be injected into provider constructor or </a:t>
             </a:r>
             <a:r>
               <a:rPr lang="en-US" dirty="0" err="1"/>
-              <a:t>bookProvider</a:t>
+              <a:t>config</a:t>
             </a:r>
             <a:r>
               <a:rPr lang="en-US" dirty="0"/>
-              <a:t>'</a:t>
-            </a:r>
+              <a:t> functions</a:t>
+            </a:r>
+            <a:r>
+              <a:rPr lang="en-US" dirty="0" smtClean="0"/>
+              <a:t>.</a:t>
+            </a:r>
+            <a:endParaRPr lang="en-US" dirty="0"/>
+          </a:p>
+        </p:txBody>
+      </p:sp>
+      <p:sp>
+        <p:nvSpPr>
+          <p:cNvPr id="3" name="Titre 2"/>
+          <p:cNvSpPr>
+            <a:spLocks noGrp="1"/>
+          </p:cNvSpPr>
+          <p:nvPr>
+            <p:ph type="title"/>
+          </p:nvPr>
+        </p:nvSpPr>
+        <p:spPr bwMode="gray">
+          <a:xfrm>
+            <a:off x="544439" y="260648"/>
+            <a:ext cx="8045374" cy="332546"/>
+          </a:xfrm>
+        </p:spPr>
+        <p:txBody>
+          <a:bodyPr/>
+          <a:lstStyle/>
+          <a:p>
+            <a:r>
+              <a:rPr lang="fr-FR" cap="none" dirty="0" smtClean="0"/>
+              <a:t>Value</a:t>
+            </a:r>
+            <a:endParaRPr lang="en-GB" cap="none" dirty="0"/>
           </a:p>
         </p:txBody>
       </p:sp>
@@ -14961,238 +16721,116 @@
             <p:ph type="body" sz="quarter" idx="13"/>
           </p:nvPr>
         </p:nvSpPr>
-        <p:spPr bwMode="gray">
+        <p:spPr bwMode="gray"/>
+        <p:txBody>
+          <a:bodyPr/>
+          <a:lstStyle/>
+          <a:p>
+            <a:r>
+              <a:rPr lang="en-GB" cap="none" dirty="0" smtClean="0"/>
+              <a:t>“The basic”</a:t>
+            </a:r>
+            <a:endParaRPr lang="en-GB" cap="none" dirty="0"/>
+          </a:p>
+        </p:txBody>
+      </p:sp>
+      <p:sp>
+        <p:nvSpPr>
+          <p:cNvPr id="6" name="Espace réservé du pied de page 5"/>
+          <p:cNvSpPr>
+            <a:spLocks noGrp="1"/>
+          </p:cNvSpPr>
+          <p:nvPr>
+            <p:ph type="ftr" sz="quarter" idx="11"/>
+          </p:nvPr>
+        </p:nvSpPr>
+        <p:spPr/>
+        <p:txBody>
+          <a:bodyPr/>
+          <a:lstStyle/>
+          <a:p>
+            <a:endParaRPr lang="fr-FR" dirty="0"/>
+          </a:p>
+        </p:txBody>
+      </p:sp>
+      <p:sp>
+        <p:nvSpPr>
+          <p:cNvPr id="26" name="ZoneTexte 25"/>
+          <p:cNvSpPr txBox="1"/>
+          <p:nvPr/>
+        </p:nvSpPr>
+        <p:spPr>
           <a:xfrm>
-            <a:off x="342420" y="231322"/>
-            <a:ext cx="8045450" cy="269875"/>
-          </a:xfrm>
-        </p:spPr>
-        <p:txBody>
-          <a:bodyPr/>
-          <a:lstStyle/>
-          <a:p>
-            <a:r>
-              <a:rPr lang="en-GB" cap="none" dirty="0"/>
-              <a:t>Built as a provider, a service is configurable during Module Configuration Phase</a:t>
-            </a:r>
-          </a:p>
-        </p:txBody>
-      </p:sp>
-      <p:sp>
-        <p:nvSpPr>
-          <p:cNvPr id="6" name="Espace réservé du pied de page 5"/>
-          <p:cNvSpPr>
-            <a:spLocks noGrp="1"/>
-          </p:cNvSpPr>
-          <p:nvPr>
-            <p:ph type="ftr" sz="quarter" idx="11"/>
-          </p:nvPr>
-        </p:nvSpPr>
-        <p:spPr/>
-        <p:txBody>
-          <a:bodyPr/>
-          <a:lstStyle/>
-          <a:p>
-            <a:endParaRPr lang="fr-FR" dirty="0"/>
-          </a:p>
-        </p:txBody>
-      </p:sp>
-      <p:pic>
-        <p:nvPicPr>
-          <p:cNvPr id="4" name="Picture 2"/>
-          <p:cNvPicPr>
-            <a:picLocks noChangeAspect="1" noChangeArrowheads="1"/>
-          </p:cNvPicPr>
-          <p:nvPr/>
-        </p:nvPicPr>
-        <p:blipFill>
-          <a:blip r:embed="rId3"/>
-          <a:srcRect/>
-          <a:stretch>
-            <a:fillRect/>
-          </a:stretch>
-        </p:blipFill>
-        <p:spPr bwMode="auto">
-          <a:xfrm>
-            <a:off x="122130" y="1106765"/>
-            <a:ext cx="5495925" cy="3667125"/>
+            <a:off x="1322921" y="2456597"/>
+            <a:ext cx="7506269" cy="369332"/>
           </a:xfrm>
           <a:prstGeom prst="rect">
             <a:avLst/>
           </a:prstGeom>
           <a:noFill/>
-          <a:ln w="9525">
-            <a:noFill/>
-            <a:miter lim="800000"/>
-            <a:headEnd/>
-            <a:tailEnd/>
-          </a:ln>
-          <a:effectLst/>
         </p:spPr>
-      </p:pic>
-      <p:pic>
-        <p:nvPicPr>
-          <p:cNvPr id="1027" name="Picture 3"/>
-          <p:cNvPicPr>
-            <a:picLocks noChangeAspect="1" noChangeArrowheads="1"/>
-          </p:cNvPicPr>
-          <p:nvPr/>
-        </p:nvPicPr>
-        <p:blipFill>
-          <a:blip r:embed="rId4"/>
-          <a:srcRect/>
-          <a:stretch>
-            <a:fillRect/>
-          </a:stretch>
-        </p:blipFill>
-        <p:spPr bwMode="auto">
-          <a:xfrm>
-            <a:off x="1543604" y="5378301"/>
-            <a:ext cx="5610225" cy="723900"/>
-          </a:xfrm>
-          <a:prstGeom prst="rect">
-            <a:avLst/>
-          </a:prstGeom>
-          <a:noFill/>
-          <a:ln w="9525">
-            <a:noFill/>
-            <a:miter lim="800000"/>
-            <a:headEnd/>
-            <a:tailEnd/>
-          </a:ln>
-          <a:effectLst/>
-        </p:spPr>
-      </p:pic>
-      <p:sp>
-        <p:nvSpPr>
-          <p:cNvPr id="12" name="Rectangle 11"/>
-          <p:cNvSpPr/>
-          <p:nvPr/>
-        </p:nvSpPr>
-        <p:spPr>
-          <a:xfrm>
-            <a:off x="223283" y="4838665"/>
-            <a:ext cx="8665536" cy="369332"/>
-          </a:xfrm>
-          <a:prstGeom prst="rect">
-            <a:avLst/>
-          </a:prstGeom>
-        </p:spPr>
-        <p:txBody>
-          <a:bodyPr wrap="square">
+        <p:txBody>
+          <a:bodyPr wrap="square" rtlCol="0">
             <a:spAutoFit/>
           </a:bodyPr>
           <a:lstStyle/>
           <a:p>
             <a:r>
-              <a:rPr lang="en-US" dirty="0"/>
-              <a:t>The </a:t>
-            </a:r>
-            <a:r>
-              <a:rPr lang="en-US" dirty="0" err="1"/>
-              <a:t>config</a:t>
-            </a:r>
-            <a:r>
-              <a:rPr lang="en-US" dirty="0"/>
-              <a:t> methods executes </a:t>
+              <a:rPr lang="en-US" dirty="0" err="1" smtClean="0">
+                <a:latin typeface="Consolas" panose="020B0609020204030204" pitchFamily="49" charset="0"/>
+              </a:rPr>
+              <a:t>app.value</a:t>
             </a:r>
             <a:r>
               <a:rPr lang="en-US" dirty="0">
-                <a:solidFill>
-                  <a:srgbClr val="FF0000"/>
-                </a:solidFill>
-              </a:rPr>
-              <a:t>before</a:t>
-            </a:r>
-            <a:r>
-              <a:rPr lang="en-US" dirty="0"/>
-              <a:t> any application services or controllers  are created</a:t>
-            </a:r>
-          </a:p>
-        </p:txBody>
-      </p:sp>
-      <p:sp>
-        <p:nvSpPr>
-          <p:cNvPr id="3" name="Rectangle 2"/>
-          <p:cNvSpPr/>
-          <p:nvPr/>
-        </p:nvSpPr>
-        <p:spPr>
-          <a:xfrm>
-            <a:off x="5304368" y="1476570"/>
-            <a:ext cx="3584452" cy="1220847"/>
-          </a:xfrm>
-          <a:prstGeom prst="rect">
-            <a:avLst/>
-          </a:prstGeom>
-        </p:spPr>
-        <p:txBody>
-          <a:bodyPr wrap="square">
-            <a:spAutoFit/>
-          </a:bodyPr>
-          <a:lstStyle/>
-          <a:p>
-            <a:pPr marL="715963" lvl="1" indent="-242888">
-              <a:spcBef>
-                <a:spcPts val="411"/>
-              </a:spcBef>
-              <a:buClr>
-                <a:schemeClr val="accent4"/>
-              </a:buClr>
-              <a:buSzPct val="100000"/>
-              <a:buFont typeface="Arial" pitchFamily="34" charset="0"/>
-              <a:buChar char="•"/>
-            </a:pPr>
-            <a:r>
-              <a:rPr lang="en-US" sz="1400" dirty="0"/>
-              <a:t>$get is required</a:t>
-            </a:r>
-          </a:p>
-          <a:p>
-            <a:pPr marL="715963" lvl="1" indent="-242888">
-              <a:spcBef>
-                <a:spcPts val="411"/>
-              </a:spcBef>
-              <a:buClr>
-                <a:schemeClr val="accent4"/>
-              </a:buClr>
-              <a:buSzPct val="100000"/>
-              <a:buFont typeface="Arial" pitchFamily="34" charset="0"/>
-              <a:buChar char="•"/>
-            </a:pPr>
-            <a:r>
-              <a:rPr lang="en-US" sz="1400" dirty="0"/>
-              <a:t>Advantage of the provider syntax : </a:t>
-            </a:r>
-            <a:br>
-              <a:rPr lang="en-US" sz="1400" dirty="0"/>
-            </a:br>
-            <a:r>
-              <a:rPr lang="en-US" sz="1400" dirty="0"/>
-              <a:t>configurable during configuration phase through access to the provider. Here '</a:t>
-            </a:r>
-            <a:r>
-              <a:rPr lang="en-US" sz="1400" dirty="0" err="1"/>
-              <a:t>bookProvider</a:t>
-            </a:r>
-            <a:r>
-              <a:rPr lang="en-US" sz="1400" dirty="0"/>
-              <a:t>'</a:t>
-            </a:r>
-            <a:endParaRPr lang="fr-FR" sz="1400" dirty="0"/>
+                <a:latin typeface="Consolas" panose="020B0609020204030204" pitchFamily="49" charset="0"/>
+              </a:rPr>
+              <a:t>(</a:t>
+            </a:r>
+            <a:r>
+              <a:rPr lang="en-US" dirty="0">
+                <a:solidFill>
+                  <a:srgbClr val="BA2121"/>
+                </a:solidFill>
+                <a:latin typeface="Consolas" panose="020B0609020204030204" pitchFamily="49" charset="0"/>
+              </a:rPr>
+              <a:t>'foo', 'A simple value</a:t>
+            </a:r>
+            <a:r>
+              <a:rPr lang="en-US" dirty="0" smtClean="0">
+                <a:solidFill>
+                  <a:srgbClr val="BA2121"/>
+                </a:solidFill>
+                <a:latin typeface="Consolas" panose="020B0609020204030204" pitchFamily="49" charset="0"/>
+              </a:rPr>
+              <a:t>');</a:t>
+            </a:r>
+            <a:endParaRPr lang="en-US" dirty="0">
+              <a:solidFill>
+                <a:srgbClr val="BA2121"/>
+              </a:solidFill>
+              <a:latin typeface="Consolas" panose="020B0609020204030204" pitchFamily="49" charset="0"/>
+            </a:endParaRPr>
           </a:p>
         </p:txBody>
       </p:sp>
     </p:spTree>
     <p:extLst>
       <p:ext uri="{BB962C8B-B14F-4D97-AF65-F5344CB8AC3E}">
-        <p14:creationId xmlns:p14="http://schemas.microsoft.com/office/powerpoint/2010/main" val="2526031973"/>
+        <p14:creationId xmlns:p14="http://schemas.microsoft.com/office/powerpoint/2010/main" val="3154375033"/>
       </p:ext>
     </p:extLst>
   </p:cSld>
   <p:clrMapOvr>
     <a:masterClrMapping/>
   </p:clrMapOvr>
+  <p:timing>
+    <p:tnLst>
+      <p:par>
+        <p:cTn id="1" dur="indefinite" restart="never" nodeType="tmRoot"/>
+      </p:par>
+    </p:tnLst>
+  </p:timing>
 </p:sld>
 </file>
 
@@ -15223,34 +16861,21 @@
             <p:ph type="title"/>
           </p:nvPr>
         </p:nvSpPr>
-        <p:spPr/>
-        <p:txBody>
-          <a:bodyPr/>
-          <a:lstStyle/>
-          <a:p>
-            <a:r>
-              <a:rPr lang="en-GB" dirty="0"/>
-              <a:t>Factory Syntax</a:t>
-            </a:r>
-          </a:p>
-        </p:txBody>
-      </p:sp>
-      <p:sp>
-        <p:nvSpPr>
-          <p:cNvPr id="4" name="Espace réservé du pied de page 3"/>
-          <p:cNvSpPr>
-            <a:spLocks noGrp="1"/>
-          </p:cNvSpPr>
-          <p:nvPr>
-            <p:ph type="ftr" sz="quarter" idx="11"/>
-          </p:nvPr>
-        </p:nvSpPr>
-        <p:spPr/>
-        <p:txBody>
-          <a:bodyPr/>
-          <a:lstStyle/>
-          <a:p>
-            <a:endParaRPr lang="fr-FR" dirty="0"/>
+        <p:spPr bwMode="gray">
+          <a:xfrm>
+            <a:off x="544439" y="260648"/>
+            <a:ext cx="8045374" cy="332546"/>
+          </a:xfrm>
+        </p:spPr>
+        <p:txBody>
+          <a:bodyPr/>
+          <a:lstStyle/>
+          <a:p>
+            <a:r>
+              <a:rPr lang="fr-FR" cap="none" dirty="0" smtClean="0"/>
+              <a:t>Value</a:t>
+            </a:r>
+            <a:endParaRPr lang="en-GB" cap="none" dirty="0"/>
           </a:p>
         </p:txBody>
       </p:sp>
@@ -15264,7 +16889,7 @@
             <p:ph type="sldNum" sz="quarter" idx="12"/>
           </p:nvPr>
         </p:nvSpPr>
-        <p:spPr/>
+        <p:spPr bwMode="gray"/>
         <p:txBody>
           <a:bodyPr/>
           <a:lstStyle/>
@@ -15280,7 +16905,7 @@
       </p:sp>
       <p:sp>
         <p:nvSpPr>
-          <p:cNvPr id="6" name="Espace réservé du texte 5"/>
+          <p:cNvPr id="10" name="Espace réservé du texte 9"/>
           <p:cNvSpPr>
             <a:spLocks noGrp="1"/>
           </p:cNvSpPr>
@@ -15288,52 +16913,314 @@
             <p:ph type="body" sz="quarter" idx="13"/>
           </p:nvPr>
         </p:nvSpPr>
+        <p:spPr bwMode="gray"/>
+        <p:txBody>
+          <a:bodyPr/>
+          <a:lstStyle/>
+          <a:p>
+            <a:r>
+              <a:rPr lang="en-GB" cap="none" dirty="0" smtClean="0"/>
+              <a:t>Full example</a:t>
+            </a:r>
+            <a:endParaRPr lang="en-GB" cap="none" dirty="0"/>
+          </a:p>
+        </p:txBody>
+      </p:sp>
+      <p:sp>
+        <p:nvSpPr>
+          <p:cNvPr id="6" name="Espace réservé du pied de page 5"/>
+          <p:cNvSpPr>
+            <a:spLocks noGrp="1"/>
+          </p:cNvSpPr>
+          <p:nvPr>
+            <p:ph type="ftr" sz="quarter" idx="11"/>
+          </p:nvPr>
+        </p:nvSpPr>
         <p:spPr/>
         <p:txBody>
           <a:bodyPr/>
           <a:lstStyle/>
           <a:p>
-            <a:r>
-              <a:rPr lang="en-GB" cap="none" dirty="0"/>
-              <a:t>The Factory Syntax uses the Revealing Module Pattern,  =&gt; obvious JS closure</a:t>
-            </a:r>
-          </a:p>
-        </p:txBody>
-      </p:sp>
-      <p:pic>
-        <p:nvPicPr>
-          <p:cNvPr id="2" name="Image 1"/>
-          <p:cNvPicPr>
-            <a:picLocks noChangeAspect="1"/>
-          </p:cNvPicPr>
+            <a:endParaRPr lang="fr-FR" dirty="0"/>
+          </a:p>
+        </p:txBody>
+      </p:sp>
+      <p:sp>
+        <p:nvSpPr>
+          <p:cNvPr id="12" name="ZoneTexte 11"/>
+          <p:cNvSpPr txBox="1"/>
           <p:nvPr/>
-        </p:nvPicPr>
-        <p:blipFill>
-          <a:blip r:embed="rId2"/>
-          <a:stretch>
-            <a:fillRect/>
-          </a:stretch>
-        </p:blipFill>
+        </p:nvSpPr>
         <p:spPr>
           <a:xfrm>
-            <a:off x="954046" y="1186576"/>
-            <a:ext cx="6859917" cy="4861359"/>
+            <a:off x="807058" y="2196386"/>
+            <a:ext cx="7506269" cy="2308324"/>
           </a:xfrm>
           <a:prstGeom prst="rect">
             <a:avLst/>
           </a:prstGeom>
-          <a:ln>
-            <a:solidFill>
-              <a:srgbClr val="00B0F0"/>
-            </a:solidFill>
-          </a:ln>
+          <a:noFill/>
         </p:spPr>
-      </p:pic>
+        <p:txBody>
+          <a:bodyPr wrap="square" rtlCol="0">
+            <a:spAutoFit/>
+          </a:bodyPr>
+          <a:lstStyle/>
+          <a:p>
+            <a:r>
+              <a:rPr lang="fr-FR" dirty="0" err="1">
+                <a:latin typeface="Consolas" panose="020B0609020204030204" pitchFamily="49" charset="0"/>
+              </a:rPr>
+              <a:t>app</a:t>
+            </a:r>
+            <a:r>
+              <a:rPr lang="fr-FR" dirty="0">
+                <a:latin typeface="Consolas" panose="020B0609020204030204" pitchFamily="49" charset="0"/>
+              </a:rPr>
+              <a:t> </a:t>
+            </a:r>
+            <a:r>
+              <a:rPr lang="fr-FR" dirty="0">
+                <a:solidFill>
+                  <a:srgbClr val="666666"/>
+                </a:solidFill>
+                <a:latin typeface="Consolas" panose="020B0609020204030204" pitchFamily="49" charset="0"/>
+              </a:rPr>
+              <a:t>= </a:t>
+            </a:r>
+            <a:r>
+              <a:rPr lang="fr-FR" dirty="0" err="1">
+                <a:solidFill>
+                  <a:srgbClr val="666666"/>
+                </a:solidFill>
+                <a:latin typeface="Consolas" panose="020B0609020204030204" pitchFamily="49" charset="0"/>
+              </a:rPr>
+              <a:t>angular.module</a:t>
+            </a:r>
+            <a:r>
+              <a:rPr lang="fr-FR" dirty="0">
+                <a:solidFill>
+                  <a:srgbClr val="666666"/>
+                </a:solidFill>
+                <a:latin typeface="Consolas" panose="020B0609020204030204" pitchFamily="49" charset="0"/>
+              </a:rPr>
+              <a:t>(</a:t>
+            </a:r>
+            <a:r>
+              <a:rPr lang="fr-FR" dirty="0">
+                <a:solidFill>
+                  <a:srgbClr val="BA2121"/>
+                </a:solidFill>
+                <a:latin typeface="Consolas" panose="020B0609020204030204" pitchFamily="49" charset="0"/>
+              </a:rPr>
+              <a:t>"</a:t>
+            </a:r>
+            <a:r>
+              <a:rPr lang="fr-FR" dirty="0" err="1">
+                <a:solidFill>
+                  <a:srgbClr val="BA2121"/>
+                </a:solidFill>
+                <a:latin typeface="Consolas" panose="020B0609020204030204" pitchFamily="49" charset="0"/>
+              </a:rPr>
+              <a:t>app</a:t>
+            </a:r>
+            <a:r>
+              <a:rPr lang="fr-FR" dirty="0">
+                <a:solidFill>
+                  <a:srgbClr val="BA2121"/>
+                </a:solidFill>
+                <a:latin typeface="Consolas" panose="020B0609020204030204" pitchFamily="49" charset="0"/>
+              </a:rPr>
+              <a:t>", []);</a:t>
+            </a:r>
+          </a:p>
+          <a:p>
+            <a:endParaRPr lang="fr-FR" dirty="0">
+              <a:latin typeface="Consolas" panose="020B0609020204030204" pitchFamily="49" charset="0"/>
+            </a:endParaRPr>
+          </a:p>
+          <a:p>
+            <a:r>
+              <a:rPr lang="fr-FR" dirty="0" err="1">
+                <a:latin typeface="Consolas" panose="020B0609020204030204" pitchFamily="49" charset="0"/>
+              </a:rPr>
+              <a:t>app.controller</a:t>
+            </a:r>
+            <a:r>
+              <a:rPr lang="fr-FR" dirty="0">
+                <a:latin typeface="Consolas" panose="020B0609020204030204" pitchFamily="49" charset="0"/>
+              </a:rPr>
+              <a:t>(</a:t>
+            </a:r>
+            <a:r>
+              <a:rPr lang="fr-FR" dirty="0">
+                <a:solidFill>
+                  <a:srgbClr val="BA2121"/>
+                </a:solidFill>
+                <a:latin typeface="Consolas" panose="020B0609020204030204" pitchFamily="49" charset="0"/>
+              </a:rPr>
+              <a:t>'</a:t>
+            </a:r>
+            <a:r>
+              <a:rPr lang="fr-FR" dirty="0" err="1">
+                <a:solidFill>
+                  <a:srgbClr val="BA2121"/>
+                </a:solidFill>
+                <a:latin typeface="Consolas" panose="020B0609020204030204" pitchFamily="49" charset="0"/>
+              </a:rPr>
+              <a:t>MainCtrl</a:t>
+            </a:r>
+            <a:r>
+              <a:rPr lang="fr-FR" dirty="0">
+                <a:solidFill>
+                  <a:srgbClr val="BA2121"/>
+                </a:solidFill>
+                <a:latin typeface="Consolas" panose="020B0609020204030204" pitchFamily="49" charset="0"/>
+              </a:rPr>
+              <a:t>', </a:t>
+            </a:r>
+            <a:r>
+              <a:rPr lang="fr-FR" b="1" dirty="0" err="1">
+                <a:solidFill>
+                  <a:srgbClr val="008000"/>
+                </a:solidFill>
+                <a:latin typeface="Consolas" panose="020B0609020204030204" pitchFamily="49" charset="0"/>
+              </a:rPr>
+              <a:t>function</a:t>
+            </a:r>
+            <a:r>
+              <a:rPr lang="fr-FR" b="1" dirty="0">
+                <a:solidFill>
+                  <a:srgbClr val="008000"/>
+                </a:solidFill>
+                <a:latin typeface="Consolas" panose="020B0609020204030204" pitchFamily="49" charset="0"/>
+              </a:rPr>
+              <a:t>($scope, </a:t>
+            </a:r>
+            <a:r>
+              <a:rPr lang="fr-FR" b="1" dirty="0" err="1">
+                <a:solidFill>
+                  <a:srgbClr val="008000"/>
+                </a:solidFill>
+                <a:latin typeface="Consolas" panose="020B0609020204030204" pitchFamily="49" charset="0"/>
+              </a:rPr>
+              <a:t>foo</a:t>
+            </a:r>
+            <a:r>
+              <a:rPr lang="fr-FR" b="1" dirty="0">
+                <a:solidFill>
+                  <a:srgbClr val="008000"/>
+                </a:solidFill>
+                <a:latin typeface="Consolas" panose="020B0609020204030204" pitchFamily="49" charset="0"/>
+              </a:rPr>
+              <a:t>) {</a:t>
+            </a:r>
+          </a:p>
+          <a:p>
+            <a:r>
+              <a:rPr lang="fr-FR" dirty="0">
+                <a:latin typeface="Consolas" panose="020B0609020204030204" pitchFamily="49" charset="0"/>
+              </a:rPr>
+              <a:t>  $</a:t>
+            </a:r>
+            <a:r>
+              <a:rPr lang="fr-FR" dirty="0" err="1">
+                <a:latin typeface="Consolas" panose="020B0609020204030204" pitchFamily="49" charset="0"/>
+              </a:rPr>
+              <a:t>scope.foo</a:t>
+            </a:r>
+            <a:r>
+              <a:rPr lang="fr-FR" dirty="0">
+                <a:latin typeface="Consolas" panose="020B0609020204030204" pitchFamily="49" charset="0"/>
+              </a:rPr>
+              <a:t> </a:t>
+            </a:r>
+            <a:r>
+              <a:rPr lang="fr-FR" dirty="0">
+                <a:solidFill>
+                  <a:srgbClr val="666666"/>
+                </a:solidFill>
+                <a:latin typeface="Consolas" panose="020B0609020204030204" pitchFamily="49" charset="0"/>
+              </a:rPr>
+              <a:t>= </a:t>
+            </a:r>
+            <a:r>
+              <a:rPr lang="fr-FR" dirty="0" err="1">
+                <a:solidFill>
+                  <a:srgbClr val="666666"/>
+                </a:solidFill>
+                <a:latin typeface="Consolas" panose="020B0609020204030204" pitchFamily="49" charset="0"/>
+              </a:rPr>
+              <a:t>foo</a:t>
+            </a:r>
+            <a:r>
+              <a:rPr lang="fr-FR" dirty="0">
+                <a:solidFill>
+                  <a:srgbClr val="666666"/>
+                </a:solidFill>
+                <a:latin typeface="Consolas" panose="020B0609020204030204" pitchFamily="49" charset="0"/>
+              </a:rPr>
+              <a:t>;</a:t>
+            </a:r>
+          </a:p>
+          <a:p>
+            <a:r>
+              <a:rPr lang="fr-FR" dirty="0">
+                <a:latin typeface="Consolas" panose="020B0609020204030204" pitchFamily="49" charset="0"/>
+              </a:rPr>
+              <a:t>});</a:t>
+            </a:r>
+          </a:p>
+          <a:p>
+            <a:endParaRPr lang="fr-FR" dirty="0">
+              <a:latin typeface="Consolas" panose="020B0609020204030204" pitchFamily="49" charset="0"/>
+            </a:endParaRPr>
+          </a:p>
+          <a:p>
+            <a:r>
+              <a:rPr lang="en-US" dirty="0" err="1">
+                <a:latin typeface="Consolas" panose="020B0609020204030204" pitchFamily="49" charset="0"/>
+              </a:rPr>
+              <a:t>app.value</a:t>
+            </a:r>
+            <a:r>
+              <a:rPr lang="en-US" dirty="0">
+                <a:latin typeface="Consolas" panose="020B0609020204030204" pitchFamily="49" charset="0"/>
+              </a:rPr>
+              <a:t>(</a:t>
+            </a:r>
+            <a:r>
+              <a:rPr lang="en-US" dirty="0">
+                <a:solidFill>
+                  <a:srgbClr val="BA2121"/>
+                </a:solidFill>
+                <a:latin typeface="Consolas" panose="020B0609020204030204" pitchFamily="49" charset="0"/>
+              </a:rPr>
+              <a:t>'foo', 'A simple value');</a:t>
+            </a:r>
+          </a:p>
+          <a:p>
+            <a:endParaRPr lang="fr-FR" dirty="0"/>
+          </a:p>
+        </p:txBody>
+      </p:sp>
     </p:spTree>
+    <p:extLst>
+      <p:ext uri="{BB962C8B-B14F-4D97-AF65-F5344CB8AC3E}">
+        <p14:creationId xmlns:p14="http://schemas.microsoft.com/office/powerpoint/2010/main" val="2481894957"/>
+      </p:ext>
+    </p:extLst>
   </p:cSld>
   <p:clrMapOvr>
     <a:masterClrMapping/>
   </p:clrMapOvr>
+  <p:timing>
+    <p:tnLst>
+      <p:par>
+        <p:cTn id="1" dur="indefinite" restart="never" nodeType="tmRoot"/>
+      </p:par>
+    </p:tnLst>
+  </p:timing>
 </p:sld>
 </file>
 
@@ -15364,12 +17251,97 @@
             <p:ph idx="1"/>
           </p:nvPr>
         </p:nvSpPr>
-        <p:spPr/>
-        <p:txBody>
-          <a:bodyPr/>
-          <a:lstStyle/>
-          <a:p>
-            <a:endParaRPr lang="en-GB" dirty="0"/>
+        <p:spPr bwMode="gray">
+          <a:xfrm>
+            <a:off x="515938" y="1484312"/>
+            <a:ext cx="8088511" cy="4425169"/>
+          </a:xfrm>
+        </p:spPr>
+        <p:txBody>
+          <a:bodyPr/>
+          <a:lstStyle/>
+          <a:p>
+            <a:r>
+              <a:rPr lang="en-US" dirty="0" smtClean="0"/>
+              <a:t>We must provide a </a:t>
+            </a:r>
+            <a:r>
+              <a:rPr lang="en-US" dirty="0"/>
+              <a:t>function that </a:t>
+            </a:r>
+            <a:r>
+              <a:rPr lang="en-US" dirty="0" smtClean="0"/>
+              <a:t>will gets called (we must </a:t>
+            </a:r>
+            <a:r>
+              <a:rPr lang="en-US" b="1" dirty="0" smtClean="0"/>
+              <a:t>return</a:t>
+            </a:r>
+            <a:r>
+              <a:rPr lang="en-US" dirty="0" smtClean="0"/>
+              <a:t> an object)</a:t>
+            </a:r>
+          </a:p>
+          <a:p>
+            <a:r>
+              <a:rPr lang="en-US" dirty="0" smtClean="0"/>
+              <a:t>We </a:t>
+            </a:r>
+            <a:r>
+              <a:rPr lang="en-US" dirty="0"/>
+              <a:t>can inject everything </a:t>
+            </a:r>
+            <a:r>
+              <a:rPr lang="en-US"/>
+              <a:t>but </a:t>
+            </a:r>
+            <a:r>
+              <a:rPr lang="en-US" smtClean="0"/>
+              <a:t>providers on a factory</a:t>
+            </a:r>
+            <a:endParaRPr lang="en-US" dirty="0"/>
+          </a:p>
+          <a:p>
+            <a:r>
+              <a:rPr lang="en-US" dirty="0"/>
+              <a:t>We can inject it everywhere except on the provider constructor and </a:t>
+            </a:r>
+            <a:r>
+              <a:rPr lang="en-US" dirty="0" err="1"/>
+              <a:t>config</a:t>
+            </a:r>
+            <a:r>
+              <a:rPr lang="en-US" dirty="0"/>
+              <a:t> functions.</a:t>
+            </a:r>
+            <a:endParaRPr lang="en-US" dirty="0" smtClean="0"/>
+          </a:p>
+          <a:p>
+            <a:endParaRPr lang="en-US" dirty="0"/>
+          </a:p>
+          <a:p>
+            <a:endParaRPr lang="en-US" dirty="0" smtClean="0"/>
+          </a:p>
+          <a:p>
+            <a:endParaRPr lang="en-US" dirty="0"/>
+          </a:p>
+          <a:p>
+            <a:endParaRPr lang="en-US" dirty="0" smtClean="0"/>
+          </a:p>
+          <a:p>
+            <a:endParaRPr lang="en-US" dirty="0" smtClean="0"/>
+          </a:p>
+          <a:p>
+            <a:endParaRPr lang="en-US" dirty="0"/>
+          </a:p>
+          <a:p>
+            <a:endParaRPr lang="en-US" dirty="0"/>
+          </a:p>
+          <a:p>
+            <a:pPr marL="0" indent="0">
+              <a:buNone/>
+            </a:pPr>
+            <a:endParaRPr lang="en-US" dirty="0"/>
           </a:p>
         </p:txBody>
       </p:sp>
@@ -15383,34 +17355,21 @@
             <p:ph type="title"/>
           </p:nvPr>
         </p:nvSpPr>
-        <p:spPr/>
-        <p:txBody>
-          <a:bodyPr/>
-          <a:lstStyle/>
-          <a:p>
-            <a:r>
-              <a:rPr lang="en-GB" dirty="0"/>
-              <a:t>Service Syntax</a:t>
-            </a:r>
-          </a:p>
-        </p:txBody>
-      </p:sp>
-      <p:sp>
-        <p:nvSpPr>
-          <p:cNvPr id="4" name="Espace réservé du pied de page 3"/>
-          <p:cNvSpPr>
-            <a:spLocks noGrp="1"/>
-          </p:cNvSpPr>
-          <p:nvPr>
-            <p:ph type="ftr" sz="quarter" idx="11"/>
-          </p:nvPr>
-        </p:nvSpPr>
-        <p:spPr/>
-        <p:txBody>
-          <a:bodyPr/>
-          <a:lstStyle/>
-          <a:p>
-            <a:endParaRPr lang="fr-FR" dirty="0"/>
+        <p:spPr bwMode="gray">
+          <a:xfrm>
+            <a:off x="544439" y="260648"/>
+            <a:ext cx="8045374" cy="332546"/>
+          </a:xfrm>
+        </p:spPr>
+        <p:txBody>
+          <a:bodyPr/>
+          <a:lstStyle/>
+          <a:p>
+            <a:r>
+              <a:rPr lang="fr-FR" cap="none" dirty="0" err="1" smtClean="0"/>
+              <a:t>Factory</a:t>
+            </a:r>
+            <a:endParaRPr lang="en-GB" cap="none" dirty="0"/>
           </a:p>
         </p:txBody>
       </p:sp>
@@ -15424,7 +17383,7 @@
             <p:ph type="sldNum" sz="quarter" idx="12"/>
           </p:nvPr>
         </p:nvSpPr>
-        <p:spPr/>
+        <p:spPr bwMode="gray"/>
         <p:txBody>
           <a:bodyPr/>
           <a:lstStyle/>
@@ -15440,73 +17399,429 @@
       </p:sp>
       <p:sp>
         <p:nvSpPr>
-          <p:cNvPr id="6" name="Espace réservé du texte 5"/>
+          <p:cNvPr id="10" name="Espace réservé du texte 9"/>
           <p:cNvSpPr>
             <a:spLocks noGrp="1"/>
           </p:cNvSpPr>
           <p:nvPr>
             <p:ph type="body" sz="quarter" idx="13"/>
           </p:nvPr>
+        </p:nvSpPr>
+        <p:spPr bwMode="gray"/>
+        <p:txBody>
+          <a:bodyPr/>
+          <a:lstStyle/>
+          <a:p>
+            <a:r>
+              <a:rPr lang="en-GB" cap="none" dirty="0" smtClean="0"/>
+              <a:t>“The classic”</a:t>
+            </a:r>
+            <a:endParaRPr lang="en-GB" cap="none" dirty="0"/>
+          </a:p>
+        </p:txBody>
+      </p:sp>
+      <p:sp>
+        <p:nvSpPr>
+          <p:cNvPr id="6" name="Espace réservé du pied de page 5"/>
+          <p:cNvSpPr>
+            <a:spLocks noGrp="1"/>
+          </p:cNvSpPr>
+          <p:nvPr>
+            <p:ph type="ftr" sz="quarter" idx="11"/>
+          </p:nvPr>
+        </p:nvSpPr>
+        <p:spPr/>
+        <p:txBody>
+          <a:bodyPr/>
+          <a:lstStyle/>
+          <a:p>
+            <a:endParaRPr lang="fr-FR" dirty="0"/>
+          </a:p>
+        </p:txBody>
+      </p:sp>
+      <p:sp>
+        <p:nvSpPr>
+          <p:cNvPr id="26" name="ZoneTexte 25"/>
+          <p:cNvSpPr txBox="1"/>
+          <p:nvPr/>
         </p:nvSpPr>
         <p:spPr>
           <a:xfrm>
-            <a:off x="289257" y="752317"/>
-            <a:ext cx="8673989" cy="269875"/>
-          </a:xfrm>
-        </p:spPr>
-        <p:txBody>
-          <a:bodyPr/>
-          <a:lstStyle/>
-          <a:p>
-            <a:r>
-              <a:rPr lang="en-GB" cap="none" dirty="0"/>
-              <a:t>Angular uses a 'new' on this function,  =&gt; </a:t>
-            </a:r>
-            <a:r>
-              <a:rPr lang="en-GB" sz="1400" cap="none" dirty="0"/>
-              <a:t>(not so obvious, but nonetheless real)</a:t>
-            </a:r>
-            <a:r>
-              <a:rPr lang="en-GB" cap="none" dirty="0"/>
-              <a:t>  JS closure</a:t>
-            </a:r>
-          </a:p>
-        </p:txBody>
-      </p:sp>
-      <p:pic>
-        <p:nvPicPr>
-          <p:cNvPr id="7" name="Image 6"/>
-          <p:cNvPicPr>
-            <a:picLocks noChangeAspect="1"/>
-          </p:cNvPicPr>
-          <p:nvPr/>
-        </p:nvPicPr>
-        <p:blipFill>
-          <a:blip r:embed="rId2"/>
-          <a:stretch>
-            <a:fillRect/>
-          </a:stretch>
-        </p:blipFill>
-        <p:spPr>
-          <a:xfrm>
-            <a:off x="822324" y="1263549"/>
-            <a:ext cx="7607854" cy="4567236"/>
+            <a:off x="1978013" y="3312745"/>
+            <a:ext cx="7506269" cy="2893100"/>
           </a:xfrm>
           <a:prstGeom prst="rect">
             <a:avLst/>
           </a:prstGeom>
-          <a:ln>
-            <a:solidFill>
-              <a:srgbClr val="00B0F0"/>
-            </a:solidFill>
-          </a:ln>
+          <a:noFill/>
         </p:spPr>
-      </p:pic>
+        <p:txBody>
+          <a:bodyPr wrap="square" rtlCol="0">
+            <a:spAutoFit/>
+          </a:bodyPr>
+          <a:lstStyle/>
+          <a:p>
+            <a:r>
+              <a:rPr lang="fr-FR" sz="1600" dirty="0" err="1">
+                <a:latin typeface="Consolas" panose="020B0609020204030204" pitchFamily="49" charset="0"/>
+              </a:rPr>
+              <a:t>app.factory</a:t>
+            </a:r>
+            <a:r>
+              <a:rPr lang="fr-FR" sz="1600" dirty="0">
+                <a:latin typeface="Consolas" panose="020B0609020204030204" pitchFamily="49" charset="0"/>
+              </a:rPr>
+              <a:t>(</a:t>
+            </a:r>
+            <a:r>
+              <a:rPr lang="fr-FR" sz="1600" dirty="0">
+                <a:solidFill>
+                  <a:srgbClr val="BA2121"/>
+                </a:solidFill>
+                <a:latin typeface="Consolas" panose="020B0609020204030204" pitchFamily="49" charset="0"/>
+              </a:rPr>
+              <a:t>'</a:t>
+            </a:r>
+            <a:r>
+              <a:rPr lang="fr-FR" sz="1600" dirty="0" err="1">
+                <a:solidFill>
+                  <a:srgbClr val="BA2121"/>
+                </a:solidFill>
+                <a:latin typeface="Consolas" panose="020B0609020204030204" pitchFamily="49" charset="0"/>
+              </a:rPr>
+              <a:t>foo</a:t>
+            </a:r>
+            <a:r>
+              <a:rPr lang="fr-FR" sz="1600" dirty="0">
+                <a:solidFill>
+                  <a:srgbClr val="BA2121"/>
+                </a:solidFill>
+                <a:latin typeface="Consolas" panose="020B0609020204030204" pitchFamily="49" charset="0"/>
+              </a:rPr>
+              <a:t>', </a:t>
+            </a:r>
+            <a:r>
+              <a:rPr lang="fr-FR" sz="1600" b="1" dirty="0" err="1">
+                <a:solidFill>
+                  <a:srgbClr val="008000"/>
+                </a:solidFill>
+                <a:latin typeface="Consolas" panose="020B0609020204030204" pitchFamily="49" charset="0"/>
+              </a:rPr>
+              <a:t>function</a:t>
+            </a:r>
+            <a:r>
+              <a:rPr lang="fr-FR" sz="1600" b="1" dirty="0">
+                <a:solidFill>
+                  <a:srgbClr val="008000"/>
+                </a:solidFill>
+                <a:latin typeface="Consolas" panose="020B0609020204030204" pitchFamily="49" charset="0"/>
+              </a:rPr>
+              <a:t>() {</a:t>
+            </a:r>
+          </a:p>
+          <a:p>
+            <a:r>
+              <a:rPr lang="fr-FR" sz="1600" dirty="0">
+                <a:latin typeface="Consolas" panose="020B0609020204030204" pitchFamily="49" charset="0"/>
+              </a:rPr>
+              <a:t>  </a:t>
+            </a:r>
+            <a:r>
+              <a:rPr lang="fr-FR" sz="1600" b="1" dirty="0">
+                <a:solidFill>
+                  <a:srgbClr val="008000"/>
+                </a:solidFill>
+                <a:latin typeface="Consolas" panose="020B0609020204030204" pitchFamily="49" charset="0"/>
+              </a:rPr>
+              <a:t>var </a:t>
+            </a:r>
+            <a:r>
+              <a:rPr lang="fr-FR" sz="1600" b="1" dirty="0" err="1" smtClean="0">
+                <a:solidFill>
+                  <a:srgbClr val="008000"/>
+                </a:solidFill>
+                <a:latin typeface="Consolas" panose="020B0609020204030204" pitchFamily="49" charset="0"/>
+              </a:rPr>
+              <a:t>thisIsPrivate</a:t>
+            </a:r>
+            <a:r>
+              <a:rPr lang="fr-FR" sz="1600" b="1" dirty="0" smtClean="0">
+                <a:solidFill>
+                  <a:srgbClr val="008000"/>
+                </a:solidFill>
+                <a:latin typeface="Consolas" panose="020B0609020204030204" pitchFamily="49" charset="0"/>
+              </a:rPr>
+              <a:t> </a:t>
+            </a:r>
+            <a:r>
+              <a:rPr lang="fr-FR" sz="1600" b="1" dirty="0">
+                <a:solidFill>
+                  <a:srgbClr val="666666"/>
+                </a:solidFill>
+                <a:latin typeface="Consolas" panose="020B0609020204030204" pitchFamily="49" charset="0"/>
+              </a:rPr>
+              <a:t>= </a:t>
+            </a:r>
+            <a:r>
+              <a:rPr lang="fr-FR" sz="1600" b="1" dirty="0">
+                <a:solidFill>
+                  <a:srgbClr val="BA2121"/>
+                </a:solidFill>
+                <a:latin typeface="Consolas" panose="020B0609020204030204" pitchFamily="49" charset="0"/>
+              </a:rPr>
+              <a:t>"</a:t>
+            </a:r>
+            <a:r>
+              <a:rPr lang="fr-FR" sz="1600" b="1" dirty="0" err="1">
+                <a:solidFill>
+                  <a:srgbClr val="BA2121"/>
+                </a:solidFill>
+                <a:latin typeface="Consolas" panose="020B0609020204030204" pitchFamily="49" charset="0"/>
+              </a:rPr>
+              <a:t>Private</a:t>
+            </a:r>
+            <a:r>
+              <a:rPr lang="fr-FR" sz="1600" b="1" dirty="0">
+                <a:solidFill>
+                  <a:srgbClr val="BA2121"/>
+                </a:solidFill>
+                <a:latin typeface="Consolas" panose="020B0609020204030204" pitchFamily="49" charset="0"/>
+              </a:rPr>
+              <a:t>";</a:t>
+            </a:r>
+          </a:p>
+          <a:p>
+            <a:r>
+              <a:rPr lang="fr-FR" sz="1600" dirty="0">
+                <a:latin typeface="Consolas" panose="020B0609020204030204" pitchFamily="49" charset="0"/>
+              </a:rPr>
+              <a:t>  </a:t>
+            </a:r>
+            <a:r>
+              <a:rPr lang="fr-FR" sz="1600" b="1" dirty="0" err="1">
+                <a:solidFill>
+                  <a:srgbClr val="008000"/>
+                </a:solidFill>
+                <a:latin typeface="Consolas" panose="020B0609020204030204" pitchFamily="49" charset="0"/>
+              </a:rPr>
+              <a:t>function</a:t>
+            </a:r>
+            <a:r>
+              <a:rPr lang="fr-FR" sz="1600" b="1" dirty="0">
+                <a:solidFill>
+                  <a:srgbClr val="008000"/>
+                </a:solidFill>
+                <a:latin typeface="Consolas" panose="020B0609020204030204" pitchFamily="49" charset="0"/>
+              </a:rPr>
+              <a:t> </a:t>
+            </a:r>
+            <a:r>
+              <a:rPr lang="fr-FR" sz="1600" b="1" dirty="0" err="1">
+                <a:solidFill>
+                  <a:srgbClr val="008000"/>
+                </a:solidFill>
+                <a:latin typeface="Consolas" panose="020B0609020204030204" pitchFamily="49" charset="0"/>
+              </a:rPr>
+              <a:t>getPrivate</a:t>
+            </a:r>
+            <a:r>
+              <a:rPr lang="fr-FR" sz="1600" b="1" dirty="0">
+                <a:solidFill>
+                  <a:srgbClr val="008000"/>
+                </a:solidFill>
+                <a:latin typeface="Consolas" panose="020B0609020204030204" pitchFamily="49" charset="0"/>
+              </a:rPr>
+              <a:t>() {</a:t>
+            </a:r>
+          </a:p>
+          <a:p>
+            <a:r>
+              <a:rPr lang="fr-FR" sz="1600" dirty="0">
+                <a:latin typeface="Consolas" panose="020B0609020204030204" pitchFamily="49" charset="0"/>
+              </a:rPr>
+              <a:t>    </a:t>
+            </a:r>
+            <a:r>
+              <a:rPr lang="fr-FR" sz="1600" b="1" dirty="0">
+                <a:solidFill>
+                  <a:srgbClr val="008000"/>
+                </a:solidFill>
+                <a:latin typeface="Consolas" panose="020B0609020204030204" pitchFamily="49" charset="0"/>
+              </a:rPr>
+              <a:t>return </a:t>
+            </a:r>
+            <a:r>
+              <a:rPr lang="fr-FR" sz="1600" b="1" dirty="0" err="1">
+                <a:solidFill>
+                  <a:srgbClr val="008000"/>
+                </a:solidFill>
+                <a:latin typeface="Consolas" panose="020B0609020204030204" pitchFamily="49" charset="0"/>
+              </a:rPr>
+              <a:t>thisIsPrivate</a:t>
+            </a:r>
+            <a:r>
+              <a:rPr lang="fr-FR" sz="1600" b="1" dirty="0">
+                <a:solidFill>
+                  <a:srgbClr val="008000"/>
+                </a:solidFill>
+                <a:latin typeface="Consolas" panose="020B0609020204030204" pitchFamily="49" charset="0"/>
+              </a:rPr>
+              <a:t>;</a:t>
+            </a:r>
+          </a:p>
+          <a:p>
+            <a:r>
+              <a:rPr lang="fr-FR" sz="1600" dirty="0">
+                <a:latin typeface="Consolas" panose="020B0609020204030204" pitchFamily="49" charset="0"/>
+              </a:rPr>
+              <a:t>  }</a:t>
+            </a:r>
+          </a:p>
+          <a:p>
+            <a:r>
+              <a:rPr lang="fr-FR" sz="1600" dirty="0">
+                <a:latin typeface="Consolas" panose="020B0609020204030204" pitchFamily="49" charset="0"/>
+              </a:rPr>
+              <a:t>  </a:t>
+            </a:r>
+          </a:p>
+          <a:p>
+            <a:r>
+              <a:rPr lang="fr-FR" sz="1600" dirty="0">
+                <a:latin typeface="Consolas" panose="020B0609020204030204" pitchFamily="49" charset="0"/>
+              </a:rPr>
+              <a:t>  </a:t>
+            </a:r>
+            <a:r>
+              <a:rPr lang="fr-FR" sz="1600" b="1" dirty="0">
+                <a:solidFill>
+                  <a:srgbClr val="008000"/>
+                </a:solidFill>
+                <a:latin typeface="Consolas" panose="020B0609020204030204" pitchFamily="49" charset="0"/>
+              </a:rPr>
+              <a:t>return {</a:t>
+            </a:r>
+          </a:p>
+          <a:p>
+            <a:r>
+              <a:rPr lang="fr-FR" sz="1600" dirty="0">
+                <a:latin typeface="Consolas" panose="020B0609020204030204" pitchFamily="49" charset="0"/>
+              </a:rPr>
+              <a:t>    variable</a:t>
+            </a:r>
+            <a:r>
+              <a:rPr lang="fr-FR" sz="1600" dirty="0">
+                <a:solidFill>
+                  <a:srgbClr val="666666"/>
+                </a:solidFill>
+                <a:latin typeface="Consolas" panose="020B0609020204030204" pitchFamily="49" charset="0"/>
+              </a:rPr>
+              <a:t>: </a:t>
+            </a:r>
+            <a:r>
+              <a:rPr lang="fr-FR" sz="1600" dirty="0">
+                <a:solidFill>
+                  <a:srgbClr val="BA2121"/>
+                </a:solidFill>
+                <a:latin typeface="Consolas" panose="020B0609020204030204" pitchFamily="49" charset="0"/>
+              </a:rPr>
+              <a:t>"This </a:t>
+            </a:r>
+            <a:r>
+              <a:rPr lang="fr-FR" sz="1600" dirty="0" err="1">
+                <a:solidFill>
+                  <a:srgbClr val="BA2121"/>
+                </a:solidFill>
+                <a:latin typeface="Consolas" panose="020B0609020204030204" pitchFamily="49" charset="0"/>
+              </a:rPr>
+              <a:t>is</a:t>
+            </a:r>
+            <a:r>
+              <a:rPr lang="fr-FR" sz="1600" dirty="0">
+                <a:solidFill>
+                  <a:srgbClr val="BA2121"/>
+                </a:solidFill>
+                <a:latin typeface="Consolas" panose="020B0609020204030204" pitchFamily="49" charset="0"/>
+              </a:rPr>
+              <a:t> public",</a:t>
+            </a:r>
+          </a:p>
+          <a:p>
+            <a:r>
+              <a:rPr lang="fr-FR" sz="1600" dirty="0">
+                <a:latin typeface="Consolas" panose="020B0609020204030204" pitchFamily="49" charset="0"/>
+              </a:rPr>
+              <a:t>    </a:t>
+            </a:r>
+            <a:r>
+              <a:rPr lang="fr-FR" sz="1600" dirty="0" err="1">
+                <a:latin typeface="Consolas" panose="020B0609020204030204" pitchFamily="49" charset="0"/>
+              </a:rPr>
+              <a:t>getPrivate</a:t>
+            </a:r>
+            <a:r>
+              <a:rPr lang="fr-FR" sz="1600" dirty="0">
+                <a:solidFill>
+                  <a:srgbClr val="666666"/>
+                </a:solidFill>
+                <a:latin typeface="Consolas" panose="020B0609020204030204" pitchFamily="49" charset="0"/>
+              </a:rPr>
+              <a:t>: </a:t>
+            </a:r>
+            <a:r>
+              <a:rPr lang="fr-FR" sz="1600" dirty="0" err="1">
+                <a:solidFill>
+                  <a:srgbClr val="666666"/>
+                </a:solidFill>
+                <a:latin typeface="Consolas" panose="020B0609020204030204" pitchFamily="49" charset="0"/>
+              </a:rPr>
+              <a:t>getPrivate</a:t>
+            </a:r>
+            <a:endParaRPr lang="fr-FR" sz="1600" dirty="0">
+              <a:solidFill>
+                <a:srgbClr val="666666"/>
+              </a:solidFill>
+              <a:latin typeface="Consolas" panose="020B0609020204030204" pitchFamily="49" charset="0"/>
+            </a:endParaRPr>
+          </a:p>
+          <a:p>
+            <a:r>
+              <a:rPr lang="fr-FR" sz="1600" dirty="0">
+                <a:latin typeface="Consolas" panose="020B0609020204030204" pitchFamily="49" charset="0"/>
+              </a:rPr>
+              <a:t>  };</a:t>
+            </a:r>
+          </a:p>
+          <a:p>
+            <a:r>
+              <a:rPr lang="fr-FR" sz="1600" dirty="0">
+                <a:latin typeface="Consolas" panose="020B0609020204030204" pitchFamily="49" charset="0"/>
+              </a:rPr>
+              <a:t>});</a:t>
+            </a:r>
+            <a:endParaRPr lang="fr-FR" sz="1600" dirty="0">
+              <a:latin typeface="Consolas" panose="020B0609020204030204" pitchFamily="49" charset="0"/>
+            </a:endParaRPr>
+          </a:p>
+        </p:txBody>
+      </p:sp>
     </p:spTree>
+    <p:extLst>
+      <p:ext uri="{BB962C8B-B14F-4D97-AF65-F5344CB8AC3E}">
+        <p14:creationId xmlns:p14="http://schemas.microsoft.com/office/powerpoint/2010/main" val="598250762"/>
+      </p:ext>
+    </p:extLst>
   </p:cSld>
   <p:clrMapOvr>
     <a:masterClrMapping/>
   </p:clrMapOvr>
+  <p:timing>
+    <p:tnLst>
+      <p:par>
+        <p:cTn id="1" dur="indefinite" restart="never" nodeType="tmRoot"/>
+      </p:par>
+    </p:tnLst>
+  </p:timing>
 </p:sld>
 </file>
 

--- a/15 Custom services/Custom services.pptx
+++ b/15 Custom services/Custom services.pptx
@@ -5,10 +5,10 @@
     <p:sldMasterId id="2147483648" r:id="rId1"/>
   </p:sldMasterIdLst>
   <p:notesMasterIdLst>
-    <p:notesMasterId r:id="rId18"/>
+    <p:notesMasterId r:id="rId19"/>
   </p:notesMasterIdLst>
   <p:handoutMasterIdLst>
-    <p:handoutMasterId r:id="rId19"/>
+    <p:handoutMasterId r:id="rId20"/>
   </p:handoutMasterIdLst>
   <p:sldIdLst>
     <p:sldId id="522" r:id="rId2"/>
@@ -26,7 +26,8 @@
     <p:sldId id="532" r:id="rId14"/>
     <p:sldId id="533" r:id="rId15"/>
     <p:sldId id="516" r:id="rId16"/>
-    <p:sldId id="534" r:id="rId17"/>
+    <p:sldId id="535" r:id="rId17"/>
+    <p:sldId id="534" r:id="rId18"/>
   </p:sldIdLst>
   <p:sldSz cx="9144000" cy="6858000" type="screen4x3"/>
   <p:notesSz cx="7104063" cy="10234613"/>
@@ -297,7 +298,7 @@
             <a:fld id="{87731427-D242-475D-9180-8940013A50B8}" type="datetimeFigureOut">
               <a:rPr lang="en-GB" smtClean="0"/>
               <a:pPr algn="l"/>
-              <a:t>03/04/2017</a:t>
+              <a:t>23/08/2017</a:t>
             </a:fld>
             <a:endParaRPr lang="en-GB" dirty="0"/>
           </a:p>
@@ -502,7 +503,7 @@
             <a:fld id="{BA521D56-F1F4-41A0-82EB-989F4F6F400D}" type="datetimeFigureOut">
               <a:rPr lang="fr-FR" smtClean="0"/>
               <a:pPr/>
-              <a:t>03/04/2017</a:t>
+              <a:t>23/08/2017</a:t>
             </a:fld>
             <a:endParaRPr lang="fr-FR"/>
           </a:p>
@@ -1030,7 +1031,7 @@
             <a:fld id="{973B10A7-8A2B-4F39-8160-83B51E5E9C07}" type="datetime1">
               <a:rPr lang="fr-FR" smtClean="0"/>
               <a:pPr/>
-              <a:t>03/04/2017</a:t>
+              <a:t>23/08/2017</a:t>
             </a:fld>
             <a:endParaRPr lang="fr-FR"/>
           </a:p>
@@ -1166,7 +1167,7 @@
             <a:fld id="{973B10A7-8A2B-4F39-8160-83B51E5E9C07}" type="datetime1">
               <a:rPr lang="fr-FR" smtClean="0"/>
               <a:pPr/>
-              <a:t>03/04/2017</a:t>
+              <a:t>23/08/2017</a:t>
             </a:fld>
             <a:endParaRPr lang="fr-FR"/>
           </a:p>
@@ -1302,7 +1303,7 @@
             <a:fld id="{973B10A7-8A2B-4F39-8160-83B51E5E9C07}" type="datetime1">
               <a:rPr lang="fr-FR" smtClean="0"/>
               <a:pPr/>
-              <a:t>03/04/2017</a:t>
+              <a:t>23/08/2017</a:t>
             </a:fld>
             <a:endParaRPr lang="fr-FR"/>
           </a:p>
@@ -1438,7 +1439,7 @@
             <a:fld id="{973B10A7-8A2B-4F39-8160-83B51E5E9C07}" type="datetime1">
               <a:rPr lang="fr-FR" smtClean="0"/>
               <a:pPr/>
-              <a:t>03/04/2017</a:t>
+              <a:t>23/08/2017</a:t>
             </a:fld>
             <a:endParaRPr lang="fr-FR"/>
           </a:p>
@@ -1574,7 +1575,7 @@
             <a:fld id="{973B10A7-8A2B-4F39-8160-83B51E5E9C07}" type="datetime1">
               <a:rPr lang="fr-FR" smtClean="0"/>
               <a:pPr/>
-              <a:t>03/04/2017</a:t>
+              <a:t>23/08/2017</a:t>
             </a:fld>
             <a:endParaRPr lang="fr-FR"/>
           </a:p>
@@ -1686,7 +1687,7 @@
             <a:fld id="{305287CA-3E72-4A91-B59B-B69F40801570}" type="slidenum">
               <a:rPr lang="en-GB" sz="1100" smtClean="0"/>
               <a:pPr/>
-              <a:t>16</a:t>
+              <a:t>17</a:t>
             </a:fld>
             <a:endParaRPr lang="en-GB" sz="1100" dirty="0"/>
           </a:p>
@@ -1710,7 +1711,7 @@
             <a:fld id="{973B10A7-8A2B-4F39-8160-83B51E5E9C07}" type="datetime1">
               <a:rPr lang="fr-FR" smtClean="0"/>
               <a:pPr/>
-              <a:t>03/04/2017</a:t>
+              <a:t>23/08/2017</a:t>
             </a:fld>
             <a:endParaRPr lang="fr-FR"/>
           </a:p>
@@ -1846,7 +1847,7 @@
             <a:fld id="{973B10A7-8A2B-4F39-8160-83B51E5E9C07}" type="datetime1">
               <a:rPr lang="fr-FR" smtClean="0"/>
               <a:pPr/>
-              <a:t>03/04/2017</a:t>
+              <a:t>23/08/2017</a:t>
             </a:fld>
             <a:endParaRPr lang="fr-FR"/>
           </a:p>
@@ -1982,7 +1983,7 @@
             <a:fld id="{973B10A7-8A2B-4F39-8160-83B51E5E9C07}" type="datetime1">
               <a:rPr lang="fr-FR" smtClean="0"/>
               <a:pPr/>
-              <a:t>03/04/2017</a:t>
+              <a:t>23/08/2017</a:t>
             </a:fld>
             <a:endParaRPr lang="fr-FR"/>
           </a:p>
@@ -2118,7 +2119,7 @@
             <a:fld id="{973B10A7-8A2B-4F39-8160-83B51E5E9C07}" type="datetime1">
               <a:rPr lang="fr-FR" smtClean="0"/>
               <a:pPr/>
-              <a:t>03/04/2017</a:t>
+              <a:t>23/08/2017</a:t>
             </a:fld>
             <a:endParaRPr lang="fr-FR"/>
           </a:p>
@@ -2254,7 +2255,7 @@
             <a:fld id="{973B10A7-8A2B-4F39-8160-83B51E5E9C07}" type="datetime1">
               <a:rPr lang="fr-FR" smtClean="0"/>
               <a:pPr/>
-              <a:t>03/04/2017</a:t>
+              <a:t>23/08/2017</a:t>
             </a:fld>
             <a:endParaRPr lang="fr-FR"/>
           </a:p>
@@ -2390,7 +2391,7 @@
             <a:fld id="{973B10A7-8A2B-4F39-8160-83B51E5E9C07}" type="datetime1">
               <a:rPr lang="fr-FR" smtClean="0"/>
               <a:pPr/>
-              <a:t>03/04/2017</a:t>
+              <a:t>23/08/2017</a:t>
             </a:fld>
             <a:endParaRPr lang="fr-FR"/>
           </a:p>
@@ -2526,7 +2527,7 @@
             <a:fld id="{973B10A7-8A2B-4F39-8160-83B51E5E9C07}" type="datetime1">
               <a:rPr lang="fr-FR" smtClean="0"/>
               <a:pPr/>
-              <a:t>03/04/2017</a:t>
+              <a:t>23/08/2017</a:t>
             </a:fld>
             <a:endParaRPr lang="fr-FR"/>
           </a:p>
@@ -2662,7 +2663,7 @@
             <a:fld id="{973B10A7-8A2B-4F39-8160-83B51E5E9C07}" type="datetime1">
               <a:rPr lang="fr-FR" smtClean="0"/>
               <a:pPr/>
-              <a:t>03/04/2017</a:t>
+              <a:t>23/08/2017</a:t>
             </a:fld>
             <a:endParaRPr lang="fr-FR"/>
           </a:p>
@@ -2798,7 +2799,7 @@
             <a:fld id="{973B10A7-8A2B-4F39-8160-83B51E5E9C07}" type="datetime1">
               <a:rPr lang="fr-FR" smtClean="0"/>
               <a:pPr/>
-              <a:t>03/04/2017</a:t>
+              <a:t>23/08/2017</a:t>
             </a:fld>
             <a:endParaRPr lang="fr-FR"/>
           </a:p>
@@ -11720,7 +11721,11 @@
           <a:p>
             <a:r>
               <a:rPr lang="en-GB" cap="none" dirty="0" smtClean="0"/>
-              <a:t>“The classic”</a:t>
+              <a:t>“The </a:t>
+            </a:r>
+            <a:r>
+              <a:rPr lang="en-GB" cap="none" dirty="0" smtClean="0"/>
+              <a:t>new kid in town”</a:t>
             </a:r>
             <a:endParaRPr lang="en-GB" cap="none" dirty="0"/>
           </a:p>
@@ -12127,8 +12132,8 @@
           <a:lstStyle/>
           <a:p>
             <a:r>
-              <a:rPr lang="fr-FR" cap="none" dirty="0" err="1" smtClean="0"/>
-              <a:t>Factory</a:t>
+              <a:rPr lang="fr-FR" cap="none" dirty="0" smtClean="0"/>
+              <a:t>Service</a:t>
             </a:r>
             <a:endParaRPr lang="en-GB" cap="none" dirty="0"/>
           </a:p>
@@ -14787,6 +14792,176 @@
             <p:ph idx="1"/>
           </p:nvPr>
         </p:nvSpPr>
+        <p:spPr/>
+        <p:txBody>
+          <a:bodyPr/>
+          <a:lstStyle/>
+          <a:p>
+            <a:endParaRPr lang="fr-FR" dirty="0" smtClean="0"/>
+          </a:p>
+          <a:p>
+            <a:endParaRPr lang="fr-FR" dirty="0"/>
+          </a:p>
+          <a:p>
+            <a:endParaRPr lang="fr-FR" dirty="0" smtClean="0"/>
+          </a:p>
+          <a:p>
+            <a:endParaRPr lang="fr-FR" dirty="0"/>
+          </a:p>
+          <a:p>
+            <a:endParaRPr lang="fr-FR" dirty="0" smtClean="0"/>
+          </a:p>
+          <a:p>
+            <a:endParaRPr lang="fr-FR" dirty="0"/>
+          </a:p>
+          <a:p>
+            <a:pPr marL="0" indent="0" algn="ctr">
+              <a:buNone/>
+            </a:pPr>
+            <a:endParaRPr lang="fr-FR" sz="4400" dirty="0" smtClean="0"/>
+          </a:p>
+          <a:p>
+            <a:pPr marL="0" indent="0" algn="ctr">
+              <a:buNone/>
+            </a:pPr>
+            <a:r>
+              <a:rPr lang="fr-FR" sz="6600" b="1" dirty="0" smtClean="0"/>
+              <a:t>Use </a:t>
+            </a:r>
+            <a:r>
+              <a:rPr lang="fr-FR" sz="6600" b="1" dirty="0" smtClean="0">
+                <a:latin typeface="Consolas" panose="020B0609020204030204" pitchFamily="49" charset="0"/>
+              </a:rPr>
+              <a:t>service()</a:t>
+            </a:r>
+            <a:endParaRPr lang="fr-FR" sz="6600" b="1" dirty="0"/>
+          </a:p>
+        </p:txBody>
+      </p:sp>
+      <p:sp>
+        <p:nvSpPr>
+          <p:cNvPr id="4" name="Espace réservé du pied de page 3"/>
+          <p:cNvSpPr>
+            <a:spLocks noGrp="1"/>
+          </p:cNvSpPr>
+          <p:nvPr>
+            <p:ph type="ftr" sz="quarter" idx="11"/>
+          </p:nvPr>
+        </p:nvSpPr>
+        <p:spPr/>
+        <p:txBody>
+          <a:bodyPr/>
+          <a:lstStyle/>
+          <a:p>
+            <a:endParaRPr lang="fr-FR" dirty="0"/>
+          </a:p>
+        </p:txBody>
+      </p:sp>
+      <p:sp>
+        <p:nvSpPr>
+          <p:cNvPr id="5" name="Espace réservé du numéro de diapositive 4"/>
+          <p:cNvSpPr>
+            <a:spLocks noGrp="1"/>
+          </p:cNvSpPr>
+          <p:nvPr>
+            <p:ph type="sldNum" sz="quarter" idx="12"/>
+          </p:nvPr>
+        </p:nvSpPr>
+        <p:spPr/>
+        <p:txBody>
+          <a:bodyPr/>
+          <a:lstStyle/>
+          <a:p>
+            <a:fld id="{AF43E6FD-AB27-4108-A2FC-346BB5F75E3F}" type="slidenum">
+              <a:rPr lang="fr-FR" smtClean="0"/>
+              <a:pPr/>
+              <a:t>16</a:t>
+            </a:fld>
+            <a:endParaRPr lang="fr-FR" dirty="0"/>
+          </a:p>
+        </p:txBody>
+      </p:sp>
+      <p:pic>
+        <p:nvPicPr>
+          <p:cNvPr id="1028" name="Picture 4" descr="tldr.jpg (599×500)"/>
+          <p:cNvPicPr>
+            <a:picLocks noChangeAspect="1" noChangeArrowheads="1"/>
+          </p:cNvPicPr>
+          <p:nvPr/>
+        </p:nvPicPr>
+        <p:blipFill>
+          <a:blip r:embed="rId2">
+            <a:extLst>
+              <a:ext uri="{28A0092B-C50C-407E-A947-70E740481C1C}">
+                <a14:useLocalDpi xmlns:a14="http://schemas.microsoft.com/office/drawing/2010/main" val="0"/>
+              </a:ext>
+            </a:extLst>
+          </a:blip>
+          <a:srcRect/>
+          <a:stretch>
+            <a:fillRect/>
+          </a:stretch>
+        </p:blipFill>
+        <p:spPr bwMode="auto">
+          <a:xfrm>
+            <a:off x="1707455" y="414213"/>
+            <a:ext cx="5705475" cy="4762500"/>
+          </a:xfrm>
+          <a:prstGeom prst="rect">
+            <a:avLst/>
+          </a:prstGeom>
+          <a:noFill/>
+          <a:extLst>
+            <a:ext uri="{909E8E84-426E-40DD-AFC4-6F175D3DCCD1}">
+              <a14:hiddenFill xmlns:a14="http://schemas.microsoft.com/office/drawing/2010/main">
+                <a:solidFill>
+                  <a:srgbClr val="FFFFFF"/>
+                </a:solidFill>
+              </a14:hiddenFill>
+            </a:ext>
+          </a:extLst>
+        </p:spPr>
+      </p:pic>
+    </p:spTree>
+    <p:extLst>
+      <p:ext uri="{BB962C8B-B14F-4D97-AF65-F5344CB8AC3E}">
+        <p14:creationId xmlns:p14="http://schemas.microsoft.com/office/powerpoint/2010/main" val="2616617141"/>
+      </p:ext>
+    </p:extLst>
+  </p:cSld>
+  <p:clrMapOvr>
+    <a:masterClrMapping/>
+  </p:clrMapOvr>
+</p:sld>
+</file>
+
+<file path=ppt/slides/slide17.xml><?xml version="1.0" encoding="utf-8"?>
+<p:sld xmlns:a="http://schemas.openxmlformats.org/drawingml/2006/main" xmlns:r="http://schemas.openxmlformats.org/officeDocument/2006/relationships" xmlns:p="http://schemas.openxmlformats.org/presentationml/2006/main">
+  <p:cSld>
+    <p:spTree>
+      <p:nvGrpSpPr>
+        <p:cNvPr id="1" name=""/>
+        <p:cNvGrpSpPr/>
+        <p:nvPr/>
+      </p:nvGrpSpPr>
+      <p:grpSpPr>
+        <a:xfrm>
+          <a:off x="0" y="0"/>
+          <a:ext cx="0" cy="0"/>
+          <a:chOff x="0" y="0"/>
+          <a:chExt cx="0" cy="0"/>
+        </a:xfrm>
+      </p:grpSpPr>
+      <p:sp>
+        <p:nvSpPr>
+          <p:cNvPr id="2" name="Espace réservé du contenu 1"/>
+          <p:cNvSpPr>
+            <a:spLocks noGrp="1"/>
+          </p:cNvSpPr>
+          <p:nvPr>
+            <p:ph idx="1"/>
+          </p:nvPr>
+        </p:nvSpPr>
         <p:spPr bwMode="gray">
           <a:xfrm>
             <a:off x="515938" y="1484313"/>
@@ -14862,7 +15037,7 @@
             <a:fld id="{AF43E6FD-AB27-4108-A2FC-346BB5F75E3F}" type="slidenum">
               <a:rPr lang="fr-FR" smtClean="0"/>
               <a:pPr/>
-              <a:t>16</a:t>
+              <a:t>17</a:t>
             </a:fld>
             <a:endParaRPr lang="fr-FR" dirty="0"/>
           </a:p>
@@ -17799,9 +17974,6 @@
               </a:rPr>
               <a:t>});</a:t>
             </a:r>
-            <a:endParaRPr lang="fr-FR" sz="1600" dirty="0">
-              <a:latin typeface="Consolas" panose="020B0609020204030204" pitchFamily="49" charset="0"/>
-            </a:endParaRPr>
           </a:p>
         </p:txBody>
       </p:sp>
